--- a/TCC.pptx
+++ b/TCC.pptx
@@ -124,6 +124,11 @@
       </a:defRPr>
     </a:lvl9pPr>
   </p:defaultTextStyle>
+  <p:extLst>
+    <p:ext uri="{EFAFB233-063F-42B5-8137-9DF3F51BA10A}">
+      <p15:sldGuideLst xmlns:p15="http://schemas.microsoft.com/office/powerpoint/2012/main"/>
+    </p:ext>
+  </p:extLst>
 </p:presentation>
 </file>
 
@@ -204,6 +209,11 @@
               </a:ln>
               <a:effectLst/>
             </c:spPr>
+            <c:extLst>
+              <c:ext xmlns:c16="http://schemas.microsoft.com/office/drawing/2014/chart" uri="{C3380CC4-5D6E-409C-BE32-E72D297353CC}">
+                <c16:uniqueId val="{00000001-E0A5-4ACF-A496-5C1F173A8A34}"/>
+              </c:ext>
+            </c:extLst>
           </c:dPt>
           <c:dPt>
             <c:idx val="1"/>
@@ -219,6 +229,11 @@
               </a:ln>
               <a:effectLst/>
             </c:spPr>
+            <c:extLst>
+              <c:ext xmlns:c16="http://schemas.microsoft.com/office/drawing/2014/chart" uri="{C3380CC4-5D6E-409C-BE32-E72D297353CC}">
+                <c16:uniqueId val="{00000003-E0A5-4ACF-A496-5C1F173A8A34}"/>
+              </c:ext>
+            </c:extLst>
           </c:dPt>
           <c:cat>
             <c:strRef>
@@ -416,6 +431,11 @@
               </a:ln>
               <a:effectLst/>
             </c:spPr>
+            <c:extLst>
+              <c:ext xmlns:c16="http://schemas.microsoft.com/office/drawing/2014/chart" uri="{C3380CC4-5D6E-409C-BE32-E72D297353CC}">
+                <c16:uniqueId val="{00000001-68F8-4089-98E4-EC92BE7E6C58}"/>
+              </c:ext>
+            </c:extLst>
           </c:dPt>
           <c:dPt>
             <c:idx val="1"/>
@@ -431,6 +451,11 @@
               </a:ln>
               <a:effectLst/>
             </c:spPr>
+            <c:extLst>
+              <c:ext xmlns:c16="http://schemas.microsoft.com/office/drawing/2014/chart" uri="{C3380CC4-5D6E-409C-BE32-E72D297353CC}">
+                <c16:uniqueId val="{00000003-68F8-4089-98E4-EC92BE7E6C58}"/>
+              </c:ext>
+            </c:extLst>
           </c:dPt>
           <c:dPt>
             <c:idx val="2"/>
@@ -446,6 +471,11 @@
               </a:ln>
               <a:effectLst/>
             </c:spPr>
+            <c:extLst>
+              <c:ext xmlns:c16="http://schemas.microsoft.com/office/drawing/2014/chart" uri="{C3380CC4-5D6E-409C-BE32-E72D297353CC}">
+                <c16:uniqueId val="{00000005-68F8-4089-98E4-EC92BE7E6C58}"/>
+              </c:ext>
+            </c:extLst>
           </c:dPt>
           <c:dPt>
             <c:idx val="3"/>
@@ -461,6 +491,11 @@
               </a:ln>
               <a:effectLst/>
             </c:spPr>
+            <c:extLst>
+              <c:ext xmlns:c16="http://schemas.microsoft.com/office/drawing/2014/chart" uri="{C3380CC4-5D6E-409C-BE32-E72D297353CC}">
+                <c16:uniqueId val="{00000007-68F8-4089-98E4-EC92BE7E6C58}"/>
+              </c:ext>
+            </c:extLst>
           </c:dPt>
           <c:dPt>
             <c:idx val="4"/>
@@ -476,6 +511,11 @@
               </a:ln>
               <a:effectLst/>
             </c:spPr>
+            <c:extLst>
+              <c:ext xmlns:c16="http://schemas.microsoft.com/office/drawing/2014/chart" uri="{C3380CC4-5D6E-409C-BE32-E72D297353CC}">
+                <c16:uniqueId val="{00000009-68F8-4089-98E4-EC92BE7E6C58}"/>
+              </c:ext>
+            </c:extLst>
           </c:dPt>
           <c:cat>
             <c:strRef>
@@ -1811,7 +1851,7 @@
           <a:p>
             <a:fld id="{E12D9C4C-9121-4085-B3EA-7F4D0BA9B364}" type="datetimeFigureOut">
               <a:rPr lang="pt-BR" smtClean="0"/>
-              <a:t>29/07/2024</a:t>
+              <a:t>01/08/2024</a:t>
             </a:fld>
             <a:endParaRPr lang="pt-BR"/>
           </a:p>
@@ -2348,7 +2388,7 @@
           <a:p>
             <a:fld id="{25BEFFFA-BAB7-42A8-89B1-EED45F3B1741}" type="datetimeFigureOut">
               <a:rPr lang="pt-BR" smtClean="0"/>
-              <a:t>21/07/2024</a:t>
+              <a:t>01/08/2024</a:t>
             </a:fld>
             <a:endParaRPr lang="pt-BR"/>
           </a:p>
@@ -2623,7 +2663,7 @@
           <a:p>
             <a:fld id="{25BEFFFA-BAB7-42A8-89B1-EED45F3B1741}" type="datetimeFigureOut">
               <a:rPr lang="pt-BR" smtClean="0"/>
-              <a:t>21/07/2024</a:t>
+              <a:t>01/08/2024</a:t>
             </a:fld>
             <a:endParaRPr lang="pt-BR"/>
           </a:p>
@@ -2817,7 +2857,7 @@
           <a:p>
             <a:fld id="{25BEFFFA-BAB7-42A8-89B1-EED45F3B1741}" type="datetimeFigureOut">
               <a:rPr lang="pt-BR" smtClean="0"/>
-              <a:t>21/07/2024</a:t>
+              <a:t>01/08/2024</a:t>
             </a:fld>
             <a:endParaRPr lang="pt-BR"/>
           </a:p>
@@ -3090,7 +3130,7 @@
           <a:p>
             <a:fld id="{25BEFFFA-BAB7-42A8-89B1-EED45F3B1741}" type="datetimeFigureOut">
               <a:rPr lang="pt-BR" smtClean="0"/>
-              <a:t>21/07/2024</a:t>
+              <a:t>01/08/2024</a:t>
             </a:fld>
             <a:endParaRPr lang="pt-BR"/>
           </a:p>
@@ -3431,7 +3471,7 @@
           <a:p>
             <a:fld id="{25BEFFFA-BAB7-42A8-89B1-EED45F3B1741}" type="datetimeFigureOut">
               <a:rPr lang="pt-BR" smtClean="0"/>
-              <a:t>21/07/2024</a:t>
+              <a:t>01/08/2024</a:t>
             </a:fld>
             <a:endParaRPr lang="pt-BR"/>
           </a:p>
@@ -4054,7 +4094,7 @@
           <a:p>
             <a:fld id="{25BEFFFA-BAB7-42A8-89B1-EED45F3B1741}" type="datetimeFigureOut">
               <a:rPr lang="pt-BR" smtClean="0"/>
-              <a:t>21/07/2024</a:t>
+              <a:t>01/08/2024</a:t>
             </a:fld>
             <a:endParaRPr lang="pt-BR"/>
           </a:p>
@@ -4914,7 +4954,7 @@
           <a:p>
             <a:fld id="{25BEFFFA-BAB7-42A8-89B1-EED45F3B1741}" type="datetimeFigureOut">
               <a:rPr lang="pt-BR" smtClean="0"/>
-              <a:t>21/07/2024</a:t>
+              <a:t>01/08/2024</a:t>
             </a:fld>
             <a:endParaRPr lang="pt-BR"/>
           </a:p>
@@ -5084,7 +5124,7 @@
           <a:p>
             <a:fld id="{25BEFFFA-BAB7-42A8-89B1-EED45F3B1741}" type="datetimeFigureOut">
               <a:rPr lang="pt-BR" smtClean="0"/>
-              <a:t>21/07/2024</a:t>
+              <a:t>01/08/2024</a:t>
             </a:fld>
             <a:endParaRPr lang="pt-BR"/>
           </a:p>
@@ -5264,7 +5304,7 @@
           <a:p>
             <a:fld id="{25BEFFFA-BAB7-42A8-89B1-EED45F3B1741}" type="datetimeFigureOut">
               <a:rPr lang="pt-BR" smtClean="0"/>
-              <a:t>21/07/2024</a:t>
+              <a:t>01/08/2024</a:t>
             </a:fld>
             <a:endParaRPr lang="pt-BR"/>
           </a:p>
@@ -5434,7 +5474,7 @@
           <a:p>
             <a:fld id="{25BEFFFA-BAB7-42A8-89B1-EED45F3B1741}" type="datetimeFigureOut">
               <a:rPr lang="pt-BR" smtClean="0"/>
-              <a:t>21/07/2024</a:t>
+              <a:t>01/08/2024</a:t>
             </a:fld>
             <a:endParaRPr lang="pt-BR"/>
           </a:p>
@@ -5681,7 +5721,7 @@
           <a:p>
             <a:fld id="{25BEFFFA-BAB7-42A8-89B1-EED45F3B1741}" type="datetimeFigureOut">
               <a:rPr lang="pt-BR" smtClean="0"/>
-              <a:t>21/07/2024</a:t>
+              <a:t>01/08/2024</a:t>
             </a:fld>
             <a:endParaRPr lang="pt-BR"/>
           </a:p>
@@ -5973,7 +6013,7 @@
           <a:p>
             <a:fld id="{25BEFFFA-BAB7-42A8-89B1-EED45F3B1741}" type="datetimeFigureOut">
               <a:rPr lang="pt-BR" smtClean="0"/>
-              <a:t>21/07/2024</a:t>
+              <a:t>01/08/2024</a:t>
             </a:fld>
             <a:endParaRPr lang="pt-BR"/>
           </a:p>
@@ -6417,7 +6457,7 @@
           <a:p>
             <a:fld id="{25BEFFFA-BAB7-42A8-89B1-EED45F3B1741}" type="datetimeFigureOut">
               <a:rPr lang="pt-BR" smtClean="0"/>
-              <a:t>21/07/2024</a:t>
+              <a:t>01/08/2024</a:t>
             </a:fld>
             <a:endParaRPr lang="pt-BR"/>
           </a:p>
@@ -6535,7 +6575,7 @@
           <a:p>
             <a:fld id="{25BEFFFA-BAB7-42A8-89B1-EED45F3B1741}" type="datetimeFigureOut">
               <a:rPr lang="pt-BR" smtClean="0"/>
-              <a:t>21/07/2024</a:t>
+              <a:t>01/08/2024</a:t>
             </a:fld>
             <a:endParaRPr lang="pt-BR"/>
           </a:p>
@@ -6630,7 +6670,7 @@
           <a:p>
             <a:fld id="{25BEFFFA-BAB7-42A8-89B1-EED45F3B1741}" type="datetimeFigureOut">
               <a:rPr lang="pt-BR" smtClean="0"/>
-              <a:t>21/07/2024</a:t>
+              <a:t>01/08/2024</a:t>
             </a:fld>
             <a:endParaRPr lang="pt-BR"/>
           </a:p>
@@ -6909,7 +6949,7 @@
           <a:p>
             <a:fld id="{25BEFFFA-BAB7-42A8-89B1-EED45F3B1741}" type="datetimeFigureOut">
               <a:rPr lang="pt-BR" smtClean="0"/>
-              <a:t>21/07/2024</a:t>
+              <a:t>01/08/2024</a:t>
             </a:fld>
             <a:endParaRPr lang="pt-BR"/>
           </a:p>
@@ -7184,7 +7224,7 @@
           <a:p>
             <a:fld id="{25BEFFFA-BAB7-42A8-89B1-EED45F3B1741}" type="datetimeFigureOut">
               <a:rPr lang="pt-BR" smtClean="0"/>
-              <a:t>21/07/2024</a:t>
+              <a:t>01/08/2024</a:t>
             </a:fld>
             <a:endParaRPr lang="pt-BR"/>
           </a:p>
@@ -7613,7 +7653,7 @@
           <a:p>
             <a:fld id="{25BEFFFA-BAB7-42A8-89B1-EED45F3B1741}" type="datetimeFigureOut">
               <a:rPr lang="pt-BR" smtClean="0"/>
-              <a:t>21/07/2024</a:t>
+              <a:t>01/08/2024</a:t>
             </a:fld>
             <a:endParaRPr lang="pt-BR"/>
           </a:p>
@@ -9592,7 +9632,30 @@
             <a:pPr lvl="1"/>
             <a:r>
               <a:rPr lang="pt-BR" dirty="0"/>
-              <a:t>Demora 40 </a:t>
+              <a:t>O </a:t>
+            </a:r>
+            <a:r>
+              <a:rPr lang="pt-BR" dirty="0" err="1"/>
+              <a:t>packet</a:t>
+            </a:r>
+            <a:r>
+              <a:rPr lang="pt-BR" dirty="0"/>
+              <a:t> tem 44bytes de tamanho devido ao </a:t>
+            </a:r>
+            <a:r>
+              <a:rPr lang="pt-BR" dirty="0" err="1"/>
+              <a:t>padding</a:t>
+            </a:r>
+            <a:r>
+              <a:rPr lang="pt-BR" dirty="0"/>
+              <a:t> e a organização das variáveis (seria interessante explicar isso?)</a:t>
+            </a:r>
+          </a:p>
+          <a:p>
+            <a:pPr lvl="1"/>
+            <a:r>
+              <a:rPr lang="pt-BR" dirty="0"/>
+              <a:t>Demora 46 </a:t>
             </a:r>
             <a:r>
               <a:rPr lang="pt-BR" dirty="0" err="1"/>

--- a/TCC.pptx
+++ b/TCC.pptx
@@ -5,7 +5,7 @@
     <p:sldMasterId id="2147483660" r:id="rId1"/>
   </p:sldMasterIdLst>
   <p:notesMasterIdLst>
-    <p:notesMasterId r:id="rId20"/>
+    <p:notesMasterId r:id="rId21"/>
   </p:notesMasterIdLst>
   <p:sldIdLst>
     <p:sldId id="266" r:id="rId2"/>
@@ -16,16 +16,17 @@
     <p:sldId id="262" r:id="rId7"/>
     <p:sldId id="263" r:id="rId8"/>
     <p:sldId id="270" r:id="rId9"/>
-    <p:sldId id="271" r:id="rId10"/>
-    <p:sldId id="272" r:id="rId11"/>
-    <p:sldId id="264" r:id="rId12"/>
-    <p:sldId id="268" r:id="rId13"/>
-    <p:sldId id="267" r:id="rId14"/>
-    <p:sldId id="265" r:id="rId15"/>
-    <p:sldId id="269" r:id="rId16"/>
-    <p:sldId id="273" r:id="rId17"/>
-    <p:sldId id="274" r:id="rId18"/>
-    <p:sldId id="275" r:id="rId19"/>
+    <p:sldId id="277" r:id="rId10"/>
+    <p:sldId id="271" r:id="rId11"/>
+    <p:sldId id="272" r:id="rId12"/>
+    <p:sldId id="264" r:id="rId13"/>
+    <p:sldId id="268" r:id="rId14"/>
+    <p:sldId id="267" r:id="rId15"/>
+    <p:sldId id="265" r:id="rId16"/>
+    <p:sldId id="269" r:id="rId17"/>
+    <p:sldId id="273" r:id="rId18"/>
+    <p:sldId id="274" r:id="rId19"/>
+    <p:sldId id="275" r:id="rId20"/>
   </p:sldIdLst>
   <p:sldSz cx="12192000" cy="6858000"/>
   <p:notesSz cx="6858000" cy="9144000"/>
@@ -1851,7 +1852,7 @@
           <a:p>
             <a:fld id="{E12D9C4C-9121-4085-B3EA-7F4D0BA9B364}" type="datetimeFigureOut">
               <a:rPr lang="pt-BR" smtClean="0"/>
-              <a:t>01/08/2024</a:t>
+              <a:t>31/08/2024</a:t>
             </a:fld>
             <a:endParaRPr lang="pt-BR"/>
           </a:p>
@@ -2388,7 +2389,7 @@
           <a:p>
             <a:fld id="{25BEFFFA-BAB7-42A8-89B1-EED45F3B1741}" type="datetimeFigureOut">
               <a:rPr lang="pt-BR" smtClean="0"/>
-              <a:t>01/08/2024</a:t>
+              <a:t>31/08/2024</a:t>
             </a:fld>
             <a:endParaRPr lang="pt-BR"/>
           </a:p>
@@ -2663,7 +2664,7 @@
           <a:p>
             <a:fld id="{25BEFFFA-BAB7-42A8-89B1-EED45F3B1741}" type="datetimeFigureOut">
               <a:rPr lang="pt-BR" smtClean="0"/>
-              <a:t>01/08/2024</a:t>
+              <a:t>31/08/2024</a:t>
             </a:fld>
             <a:endParaRPr lang="pt-BR"/>
           </a:p>
@@ -2857,7 +2858,7 @@
           <a:p>
             <a:fld id="{25BEFFFA-BAB7-42A8-89B1-EED45F3B1741}" type="datetimeFigureOut">
               <a:rPr lang="pt-BR" smtClean="0"/>
-              <a:t>01/08/2024</a:t>
+              <a:t>31/08/2024</a:t>
             </a:fld>
             <a:endParaRPr lang="pt-BR"/>
           </a:p>
@@ -3130,7 +3131,7 @@
           <a:p>
             <a:fld id="{25BEFFFA-BAB7-42A8-89B1-EED45F3B1741}" type="datetimeFigureOut">
               <a:rPr lang="pt-BR" smtClean="0"/>
-              <a:t>01/08/2024</a:t>
+              <a:t>31/08/2024</a:t>
             </a:fld>
             <a:endParaRPr lang="pt-BR"/>
           </a:p>
@@ -3471,7 +3472,7 @@
           <a:p>
             <a:fld id="{25BEFFFA-BAB7-42A8-89B1-EED45F3B1741}" type="datetimeFigureOut">
               <a:rPr lang="pt-BR" smtClean="0"/>
-              <a:t>01/08/2024</a:t>
+              <a:t>31/08/2024</a:t>
             </a:fld>
             <a:endParaRPr lang="pt-BR"/>
           </a:p>
@@ -4094,7 +4095,7 @@
           <a:p>
             <a:fld id="{25BEFFFA-BAB7-42A8-89B1-EED45F3B1741}" type="datetimeFigureOut">
               <a:rPr lang="pt-BR" smtClean="0"/>
-              <a:t>01/08/2024</a:t>
+              <a:t>31/08/2024</a:t>
             </a:fld>
             <a:endParaRPr lang="pt-BR"/>
           </a:p>
@@ -4954,7 +4955,7 @@
           <a:p>
             <a:fld id="{25BEFFFA-BAB7-42A8-89B1-EED45F3B1741}" type="datetimeFigureOut">
               <a:rPr lang="pt-BR" smtClean="0"/>
-              <a:t>01/08/2024</a:t>
+              <a:t>31/08/2024</a:t>
             </a:fld>
             <a:endParaRPr lang="pt-BR"/>
           </a:p>
@@ -5124,7 +5125,7 @@
           <a:p>
             <a:fld id="{25BEFFFA-BAB7-42A8-89B1-EED45F3B1741}" type="datetimeFigureOut">
               <a:rPr lang="pt-BR" smtClean="0"/>
-              <a:t>01/08/2024</a:t>
+              <a:t>31/08/2024</a:t>
             </a:fld>
             <a:endParaRPr lang="pt-BR"/>
           </a:p>
@@ -5304,7 +5305,7 @@
           <a:p>
             <a:fld id="{25BEFFFA-BAB7-42A8-89B1-EED45F3B1741}" type="datetimeFigureOut">
               <a:rPr lang="pt-BR" smtClean="0"/>
-              <a:t>01/08/2024</a:t>
+              <a:t>31/08/2024</a:t>
             </a:fld>
             <a:endParaRPr lang="pt-BR"/>
           </a:p>
@@ -5474,7 +5475,7 @@
           <a:p>
             <a:fld id="{25BEFFFA-BAB7-42A8-89B1-EED45F3B1741}" type="datetimeFigureOut">
               <a:rPr lang="pt-BR" smtClean="0"/>
-              <a:t>01/08/2024</a:t>
+              <a:t>31/08/2024</a:t>
             </a:fld>
             <a:endParaRPr lang="pt-BR"/>
           </a:p>
@@ -5721,7 +5722,7 @@
           <a:p>
             <a:fld id="{25BEFFFA-BAB7-42A8-89B1-EED45F3B1741}" type="datetimeFigureOut">
               <a:rPr lang="pt-BR" smtClean="0"/>
-              <a:t>01/08/2024</a:t>
+              <a:t>31/08/2024</a:t>
             </a:fld>
             <a:endParaRPr lang="pt-BR"/>
           </a:p>
@@ -6013,7 +6014,7 @@
           <a:p>
             <a:fld id="{25BEFFFA-BAB7-42A8-89B1-EED45F3B1741}" type="datetimeFigureOut">
               <a:rPr lang="pt-BR" smtClean="0"/>
-              <a:t>01/08/2024</a:t>
+              <a:t>31/08/2024</a:t>
             </a:fld>
             <a:endParaRPr lang="pt-BR"/>
           </a:p>
@@ -6457,7 +6458,7 @@
           <a:p>
             <a:fld id="{25BEFFFA-BAB7-42A8-89B1-EED45F3B1741}" type="datetimeFigureOut">
               <a:rPr lang="pt-BR" smtClean="0"/>
-              <a:t>01/08/2024</a:t>
+              <a:t>31/08/2024</a:t>
             </a:fld>
             <a:endParaRPr lang="pt-BR"/>
           </a:p>
@@ -6575,7 +6576,7 @@
           <a:p>
             <a:fld id="{25BEFFFA-BAB7-42A8-89B1-EED45F3B1741}" type="datetimeFigureOut">
               <a:rPr lang="pt-BR" smtClean="0"/>
-              <a:t>01/08/2024</a:t>
+              <a:t>31/08/2024</a:t>
             </a:fld>
             <a:endParaRPr lang="pt-BR"/>
           </a:p>
@@ -6670,7 +6671,7 @@
           <a:p>
             <a:fld id="{25BEFFFA-BAB7-42A8-89B1-EED45F3B1741}" type="datetimeFigureOut">
               <a:rPr lang="pt-BR" smtClean="0"/>
-              <a:t>01/08/2024</a:t>
+              <a:t>31/08/2024</a:t>
             </a:fld>
             <a:endParaRPr lang="pt-BR"/>
           </a:p>
@@ -6949,7 +6950,7 @@
           <a:p>
             <a:fld id="{25BEFFFA-BAB7-42A8-89B1-EED45F3B1741}" type="datetimeFigureOut">
               <a:rPr lang="pt-BR" smtClean="0"/>
-              <a:t>01/08/2024</a:t>
+              <a:t>31/08/2024</a:t>
             </a:fld>
             <a:endParaRPr lang="pt-BR"/>
           </a:p>
@@ -7224,7 +7225,7 @@
           <a:p>
             <a:fld id="{25BEFFFA-BAB7-42A8-89B1-EED45F3B1741}" type="datetimeFigureOut">
               <a:rPr lang="pt-BR" smtClean="0"/>
-              <a:t>01/08/2024</a:t>
+              <a:t>31/08/2024</a:t>
             </a:fld>
             <a:endParaRPr lang="pt-BR"/>
           </a:p>
@@ -7653,7 +7654,7 @@
           <a:p>
             <a:fld id="{25BEFFFA-BAB7-42A8-89B1-EED45F3B1741}" type="datetimeFigureOut">
               <a:rPr lang="pt-BR" smtClean="0"/>
-              <a:t>01/08/2024</a:t>
+              <a:t>31/08/2024</a:t>
             </a:fld>
             <a:endParaRPr lang="pt-BR"/>
           </a:p>
@@ -8537,7 +8538,7 @@
           <p:cNvPr id="2" name="Título 1">
             <a:extLst>
               <a:ext uri="{FF2B5EF4-FFF2-40B4-BE49-F238E27FC236}">
-                <a16:creationId xmlns:a16="http://schemas.microsoft.com/office/drawing/2014/main" id="{B412F6FC-C370-8896-819F-AC7A2BE29AA9}"/>
+                <a16:creationId xmlns:a16="http://schemas.microsoft.com/office/drawing/2014/main" id="{D97D639C-E657-21D2-9248-C31C56ACB75D}"/>
               </a:ext>
             </a:extLst>
           </p:cNvPr>
@@ -8545,7 +8546,7 @@
             <a:spLocks noGrp="1"/>
           </p:cNvSpPr>
           <p:nvPr>
-            <p:ph type="ctrTitle"/>
+            <p:ph type="title"/>
           </p:nvPr>
         </p:nvSpPr>
         <p:spPr/>
@@ -8554,18 +8555,19 @@
           <a:lstStyle/>
           <a:p>
             <a:r>
-              <a:rPr lang="pt-BR" dirty="0"/>
-              <a:t>Comunicação Serial</a:t>
-            </a:r>
-          </a:p>
-        </p:txBody>
-      </p:sp>
-      <p:sp>
-        <p:nvSpPr>
-          <p:cNvPr id="3" name="Subtítulo 2">
+              <a:rPr lang="pt-BR" dirty="0" err="1"/>
+              <a:t>Datalogger</a:t>
+            </a:r>
+            <a:endParaRPr lang="pt-BR" dirty="0"/>
+          </a:p>
+        </p:txBody>
+      </p:sp>
+      <p:sp>
+        <p:nvSpPr>
+          <p:cNvPr id="3" name="Espaço Reservado para Conteúdo 2">
             <a:extLst>
               <a:ext uri="{FF2B5EF4-FFF2-40B4-BE49-F238E27FC236}">
-                <a16:creationId xmlns:a16="http://schemas.microsoft.com/office/drawing/2014/main" id="{E1E88534-8F41-1EC7-C0BB-98C5946374C3}"/>
+                <a16:creationId xmlns:a16="http://schemas.microsoft.com/office/drawing/2014/main" id="{3141DBFD-CFD8-022E-741D-EACBA98A5323}"/>
               </a:ext>
             </a:extLst>
           </p:cNvPr>
@@ -8573,7 +8575,7 @@
             <a:spLocks noGrp="1"/>
           </p:cNvSpPr>
           <p:nvPr>
-            <p:ph type="subTitle" idx="1"/>
+            <p:ph idx="1"/>
           </p:nvPr>
         </p:nvSpPr>
         <p:spPr/>
@@ -8581,17 +8583,57 @@
           <a:bodyPr/>
           <a:lstStyle/>
           <a:p>
+            <a:pPr marL="0" indent="0">
+              <a:buNone/>
+            </a:pPr>
             <a:r>
               <a:rPr lang="pt-BR" dirty="0"/>
-              <a:t>Estufa - SLAVE</a:t>
-            </a:r>
+              <a:t>Em progresso:</a:t>
+            </a:r>
+          </a:p>
+          <a:p>
+            <a:r>
+              <a:rPr lang="pt-BR" dirty="0"/>
+              <a:t>Reescrevendo serial e realizando testes de </a:t>
+            </a:r>
+            <a:r>
+              <a:rPr lang="pt-BR" dirty="0" err="1"/>
+              <a:t>handshake</a:t>
+            </a:r>
+            <a:r>
+              <a:rPr lang="pt-BR" dirty="0"/>
+              <a:t> e simulação de conversa</a:t>
+            </a:r>
+          </a:p>
+          <a:p>
+            <a:r>
+              <a:rPr lang="pt-BR" dirty="0"/>
+              <a:t>Reaproveitando código das configurações do próprio controlador</a:t>
+            </a:r>
+          </a:p>
+          <a:p>
+            <a:r>
+              <a:rPr lang="pt-BR" dirty="0"/>
+              <a:t>Decisão de projeto: Simplificar controle autônomo que o </a:t>
+            </a:r>
+            <a:r>
+              <a:rPr lang="pt-BR" dirty="0" err="1"/>
+              <a:t>Datalogger</a:t>
+            </a:r>
+            <a:r>
+              <a:rPr lang="pt-BR" dirty="0"/>
+              <a:t> consegue exercer no trabalho? Ou manter como cópia? Faz sentido isso? Se manter como cópia há o problema de duplicar todas as portas, aumento de gastos, não faz MUUUUITO sentido.</a:t>
+            </a:r>
+          </a:p>
+          <a:p>
+            <a:endParaRPr lang="pt-BR" dirty="0"/>
           </a:p>
         </p:txBody>
       </p:sp>
     </p:spTree>
     <p:extLst>
       <p:ext uri="{BB962C8B-B14F-4D97-AF65-F5344CB8AC3E}">
-        <p14:creationId xmlns:p14="http://schemas.microsoft.com/office/powerpoint/2010/main" val="2480837362"/>
+        <p14:creationId xmlns:p14="http://schemas.microsoft.com/office/powerpoint/2010/main" val="328590948"/>
       </p:ext>
     </p:extLst>
   </p:cSld>
@@ -8623,7 +8665,7 @@
           <p:cNvPr id="2" name="Título 1">
             <a:extLst>
               <a:ext uri="{FF2B5EF4-FFF2-40B4-BE49-F238E27FC236}">
-                <a16:creationId xmlns:a16="http://schemas.microsoft.com/office/drawing/2014/main" id="{086422E0-7ADE-CD71-71CA-F51A4724C719}"/>
+                <a16:creationId xmlns:a16="http://schemas.microsoft.com/office/drawing/2014/main" id="{B412F6FC-C370-8896-819F-AC7A2BE29AA9}"/>
               </a:ext>
             </a:extLst>
           </p:cNvPr>
@@ -8631,7 +8673,7 @@
             <a:spLocks noGrp="1"/>
           </p:cNvSpPr>
           <p:nvPr>
-            <p:ph type="title"/>
+            <p:ph type="ctrTitle"/>
           </p:nvPr>
         </p:nvSpPr>
         <p:spPr/>
@@ -8643,27 +8685,15 @@
               <a:rPr lang="pt-BR" dirty="0"/>
               <a:t>Comunicação Serial</a:t>
             </a:r>
-            <a:br>
-              <a:rPr lang="pt-BR" dirty="0"/>
-            </a:br>
-            <a:r>
-              <a:rPr lang="pt-BR" dirty="0"/>
-              <a:t>Controlador ↔ </a:t>
-            </a:r>
-            <a:r>
-              <a:rPr lang="pt-BR" dirty="0" err="1"/>
-              <a:t>Datalogger</a:t>
-            </a:r>
-            <a:endParaRPr lang="pt-BR" dirty="0"/>
-          </a:p>
-        </p:txBody>
-      </p:sp>
-      <p:sp>
-        <p:nvSpPr>
-          <p:cNvPr id="12" name="Espaço Reservado para Conteúdo 11">
+          </a:p>
+        </p:txBody>
+      </p:sp>
+      <p:sp>
+        <p:nvSpPr>
+          <p:cNvPr id="3" name="Subtítulo 2">
             <a:extLst>
               <a:ext uri="{FF2B5EF4-FFF2-40B4-BE49-F238E27FC236}">
-                <a16:creationId xmlns:a16="http://schemas.microsoft.com/office/drawing/2014/main" id="{504FEA92-2576-6631-8CA0-0AD7958B2A3C}"/>
+                <a16:creationId xmlns:a16="http://schemas.microsoft.com/office/drawing/2014/main" id="{E1E88534-8F41-1EC7-C0BB-98C5946374C3}"/>
               </a:ext>
             </a:extLst>
           </p:cNvPr>
@@ -8671,154 +8701,17 @@
             <a:spLocks noGrp="1"/>
           </p:cNvSpPr>
           <p:nvPr>
-            <p:ph sz="half" idx="1"/>
+            <p:ph type="subTitle" idx="1"/>
           </p:nvPr>
         </p:nvSpPr>
         <p:spPr/>
         <p:txBody>
-          <a:bodyPr>
-            <a:normAutofit/>
-          </a:bodyPr>
+          <a:bodyPr/>
           <a:lstStyle/>
           <a:p>
             <a:r>
               <a:rPr lang="pt-BR" dirty="0"/>
-              <a:t>Protocolos disponíveis:</a:t>
-            </a:r>
-          </a:p>
-          <a:p>
-            <a:r>
-              <a:rPr lang="pt-BR" dirty="0"/>
-              <a:t>Sem fio:</a:t>
-            </a:r>
-          </a:p>
-          <a:p>
-            <a:pPr lvl="1"/>
-            <a:r>
-              <a:rPr lang="pt-BR" dirty="0"/>
-              <a:t>Wi-Fi</a:t>
-            </a:r>
-          </a:p>
-          <a:p>
-            <a:pPr lvl="1"/>
-            <a:r>
-              <a:rPr lang="pt-BR" dirty="0"/>
-              <a:t>Bluetooth/BLE</a:t>
-            </a:r>
-          </a:p>
-          <a:p>
-            <a:r>
-              <a:rPr lang="pt-BR" dirty="0"/>
-              <a:t>Com fio:</a:t>
-            </a:r>
-          </a:p>
-          <a:p>
-            <a:pPr lvl="1"/>
-            <a:r>
-              <a:rPr lang="pt-BR" dirty="0"/>
-              <a:t>UART</a:t>
-            </a:r>
-          </a:p>
-          <a:p>
-            <a:pPr lvl="1"/>
-            <a:r>
-              <a:rPr lang="pt-BR" dirty="0"/>
-              <a:t>SPI</a:t>
-            </a:r>
-          </a:p>
-          <a:p>
-            <a:pPr lvl="1"/>
-            <a:r>
-              <a:rPr lang="pt-BR" dirty="0"/>
-              <a:t>I2C</a:t>
-            </a:r>
-          </a:p>
-          <a:p>
-            <a:pPr lvl="1"/>
-            <a:r>
-              <a:rPr lang="pt-BR" dirty="0"/>
-              <a:t>LoRa (Módulo adicional requerido)</a:t>
-            </a:r>
-          </a:p>
-          <a:p>
-            <a:pPr lvl="1"/>
-            <a:r>
-              <a:rPr lang="pt-BR" dirty="0"/>
-              <a:t>Ethernet (Módulo adicional requerido)</a:t>
-            </a:r>
-          </a:p>
-        </p:txBody>
-      </p:sp>
-      <p:sp>
-        <p:nvSpPr>
-          <p:cNvPr id="19" name="Espaço Reservado para Conteúdo 18">
-            <a:extLst>
-              <a:ext uri="{FF2B5EF4-FFF2-40B4-BE49-F238E27FC236}">
-                <a16:creationId xmlns:a16="http://schemas.microsoft.com/office/drawing/2014/main" id="{E6223CDC-478D-3727-1571-36617AB2E594}"/>
-              </a:ext>
-            </a:extLst>
-          </p:cNvPr>
-          <p:cNvSpPr>
-            <a:spLocks noGrp="1"/>
-          </p:cNvSpPr>
-          <p:nvPr>
-            <p:ph sz="half" idx="2"/>
-          </p:nvPr>
-        </p:nvSpPr>
-        <p:spPr/>
-        <p:txBody>
-          <a:bodyPr>
-            <a:normAutofit/>
-          </a:bodyPr>
-          <a:lstStyle/>
-          <a:p>
-            <a:r>
-              <a:rPr lang="pt-BR" dirty="0"/>
-              <a:t>Escolhido: UART</a:t>
-            </a:r>
-          </a:p>
-          <a:p>
-            <a:pPr lvl="1"/>
-            <a:r>
-              <a:rPr lang="pt-BR" dirty="0"/>
-              <a:t>Distância de até 15m para </a:t>
-            </a:r>
-            <a:r>
-              <a:rPr lang="pt-BR" dirty="0" err="1"/>
-              <a:t>baundrate</a:t>
-            </a:r>
-            <a:r>
-              <a:rPr lang="pt-BR" dirty="0"/>
-              <a:t> de 115200 (comum em ESP32) e 100metros para 9600. Controlador e </a:t>
-            </a:r>
-            <a:r>
-              <a:rPr lang="pt-BR" dirty="0" err="1"/>
-              <a:t>Datalogger</a:t>
-            </a:r>
-            <a:r>
-              <a:rPr lang="pt-BR" dirty="0"/>
-              <a:t> esperasse que estejam próximos e/ou juntos</a:t>
-            </a:r>
-          </a:p>
-          <a:p>
-            <a:pPr lvl="1"/>
-            <a:r>
-              <a:rPr lang="pt-BR" dirty="0"/>
-              <a:t>Simplicidade e quantidade de fios</a:t>
-            </a:r>
-          </a:p>
-          <a:p>
-            <a:pPr lvl="1"/>
-            <a:r>
-              <a:rPr lang="pt-BR" dirty="0"/>
-              <a:t>Tem um buffer típico de 128bytes</a:t>
-            </a:r>
-          </a:p>
-          <a:p>
-            <a:pPr lvl="1"/>
-            <a:r>
-              <a:rPr lang="pt-BR" dirty="0"/>
-              <a:t>Usa uma interface UART somente.</a:t>
+              <a:t>Estufa - SLAVE</a:t>
             </a:r>
           </a:p>
         </p:txBody>
@@ -8826,7 +8719,7 @@
     </p:spTree>
     <p:extLst>
       <p:ext uri="{BB962C8B-B14F-4D97-AF65-F5344CB8AC3E}">
-        <p14:creationId xmlns:p14="http://schemas.microsoft.com/office/powerpoint/2010/main" val="2199843464"/>
+        <p14:creationId xmlns:p14="http://schemas.microsoft.com/office/powerpoint/2010/main" val="2480837362"/>
       </p:ext>
     </p:extLst>
   </p:cSld>
@@ -8918,44 +8811,68 @@
           <a:p>
             <a:r>
               <a:rPr lang="pt-BR" dirty="0"/>
-              <a:t>Não escolhidos </a:t>
-            </a:r>
-            <a:r>
-              <a:rPr lang="pt-BR" dirty="0" err="1"/>
-              <a:t>pq</a:t>
-            </a:r>
+              <a:t>Protocolos disponíveis:</a:t>
+            </a:r>
+          </a:p>
+          <a:p>
             <a:r>
               <a:rPr lang="pt-BR" dirty="0"/>
-              <a:t>?</a:t>
+              <a:t>Sem fio:</a:t>
             </a:r>
           </a:p>
           <a:p>
             <a:pPr lvl="1"/>
             <a:r>
               <a:rPr lang="pt-BR" dirty="0"/>
-              <a:t>SPI – Usa uma interface que poderia ser utilizada para sensores e outras comunicações, normalmente usado em ambientes com múltiplos </a:t>
-            </a:r>
-            <a:r>
-              <a:rPr lang="pt-BR" dirty="0" err="1"/>
-              <a:t>slaves</a:t>
-            </a:r>
+              <a:t>Wi-Fi</a:t>
+            </a:r>
+          </a:p>
+          <a:p>
+            <a:pPr lvl="1"/>
             <a:r>
               <a:rPr lang="pt-BR" dirty="0"/>
-              <a:t> o que não seria o caso dessa comunicação</a:t>
+              <a:t>Bluetooth/BLE</a:t>
+            </a:r>
+          </a:p>
+          <a:p>
+            <a:r>
+              <a:rPr lang="pt-BR" dirty="0"/>
+              <a:t>Com fio:</a:t>
             </a:r>
           </a:p>
           <a:p>
             <a:pPr lvl="1"/>
             <a:r>
               <a:rPr lang="pt-BR" dirty="0"/>
-              <a:t>I2C – semelhante ao caso SPI</a:t>
+              <a:t>UART</a:t>
             </a:r>
           </a:p>
           <a:p>
             <a:pPr lvl="1"/>
             <a:r>
               <a:rPr lang="pt-BR" dirty="0"/>
-              <a:t>Ethernet – necessita de módulo adiciona, aumentam os gastos e não tendo vantagens significativas em distância</a:t>
+              <a:t>SPI</a:t>
+            </a:r>
+          </a:p>
+          <a:p>
+            <a:pPr lvl="1"/>
+            <a:r>
+              <a:rPr lang="pt-BR" dirty="0"/>
+              <a:t>I2C</a:t>
+            </a:r>
+          </a:p>
+          <a:p>
+            <a:pPr lvl="1"/>
+            <a:r>
+              <a:rPr lang="pt-BR" dirty="0"/>
+              <a:t>LoRa (Módulo adicional requerido)</a:t>
+            </a:r>
+          </a:p>
+          <a:p>
+            <a:pPr lvl="1"/>
+            <a:r>
+              <a:rPr lang="pt-BR" dirty="0"/>
+              <a:t>Ethernet (Módulo adicional requerido)</a:t>
             </a:r>
           </a:p>
         </p:txBody>
@@ -8983,80 +8900,61 @@
           </a:bodyPr>
           <a:lstStyle/>
           <a:p>
+            <a:r>
+              <a:rPr lang="pt-BR" dirty="0"/>
+              <a:t>Escolhido: UART</a:t>
+            </a:r>
+          </a:p>
+          <a:p>
             <a:pPr lvl="1"/>
             <a:r>
               <a:rPr lang="pt-BR" dirty="0"/>
-              <a:t>Bluetooth é over-</a:t>
+              <a:t>Distância de até 15m para </a:t>
             </a:r>
             <a:r>
               <a:rPr lang="pt-BR" dirty="0" err="1"/>
-              <a:t>the</a:t>
+              <a:t>baundrate</a:t>
             </a:r>
             <a:r>
               <a:rPr lang="pt-BR" dirty="0"/>
-              <a:t>-</a:t>
+              <a:t> de 115200 (comum em ESP32) e 100metros para 9600. Controlador e </a:t>
             </a:r>
             <a:r>
               <a:rPr lang="pt-BR" dirty="0" err="1"/>
-              <a:t>air</a:t>
+              <a:t>Datalogger</a:t>
             </a:r>
             <a:r>
               <a:rPr lang="pt-BR" dirty="0"/>
-              <a:t>, poluindo a frequência (menos importante), complexidade da comunicação(mais importante)</a:t>
+              <a:t> esperasse que estejam próximos e/ou juntos</a:t>
             </a:r>
           </a:p>
           <a:p>
             <a:pPr lvl="1"/>
             <a:r>
-              <a:rPr lang="pt-BR" dirty="0" err="1"/>
-              <a:t>Wi-FI</a:t>
-            </a:r>
-            <a:r>
               <a:rPr lang="pt-BR" dirty="0"/>
-              <a:t> é over-</a:t>
-            </a:r>
-            <a:r>
-              <a:rPr lang="pt-BR" dirty="0" err="1"/>
-              <a:t>the</a:t>
-            </a:r>
+              <a:t>Simplicidade e quantidade de fios</a:t>
+            </a:r>
+          </a:p>
+          <a:p>
+            <a:pPr lvl="1"/>
             <a:r>
               <a:rPr lang="pt-BR" dirty="0"/>
-              <a:t>-</a:t>
-            </a:r>
-            <a:r>
-              <a:rPr lang="pt-BR" dirty="0" err="1"/>
-              <a:t>air</a:t>
-            </a:r>
+              <a:t>Tem um buffer típico de 128bytes</a:t>
+            </a:r>
+          </a:p>
+          <a:p>
+            <a:pPr lvl="1"/>
             <a:r>
               <a:rPr lang="pt-BR" dirty="0"/>
-              <a:t>, já está sendo usado para comunicação com o master, a ideia é usar uma conexão diferente para servir de backup</a:t>
-            </a:r>
-          </a:p>
-          <a:p>
-            <a:pPr lvl="1"/>
-            <a:r>
-              <a:rPr lang="pt-BR" dirty="0"/>
-              <a:t>LoRa – necessita de módulo adicional, para baixa distância </a:t>
-            </a:r>
-            <a:r>
-              <a:rPr lang="pt-BR" b="1" dirty="0"/>
-              <a:t>não compensa esse gasto</a:t>
-            </a:r>
-            <a:r>
-              <a:rPr lang="pt-BR" dirty="0"/>
-              <a:t>, bom para grandes distâncias, usaria uma interface de comunicação SPI</a:t>
-            </a:r>
-          </a:p>
-          <a:p>
-            <a:pPr lvl="1"/>
-            <a:endParaRPr lang="pt-BR" dirty="0"/>
+              <a:t>Usa uma interface UART somente.</a:t>
+            </a:r>
           </a:p>
         </p:txBody>
       </p:sp>
     </p:spTree>
     <p:extLst>
       <p:ext uri="{BB962C8B-B14F-4D97-AF65-F5344CB8AC3E}">
-        <p14:creationId xmlns:p14="http://schemas.microsoft.com/office/powerpoint/2010/main" val="3376760284"/>
+        <p14:creationId xmlns:p14="http://schemas.microsoft.com/office/powerpoint/2010/main" val="2199843464"/>
       </p:ext>
     </p:extLst>
   </p:cSld>
@@ -9142,6 +9040,236 @@
         <p:spPr/>
         <p:txBody>
           <a:bodyPr>
+            <a:normAutofit/>
+          </a:bodyPr>
+          <a:lstStyle/>
+          <a:p>
+            <a:r>
+              <a:rPr lang="pt-BR" dirty="0"/>
+              <a:t>Não escolhidos </a:t>
+            </a:r>
+            <a:r>
+              <a:rPr lang="pt-BR" dirty="0" err="1"/>
+              <a:t>pq</a:t>
+            </a:r>
+            <a:r>
+              <a:rPr lang="pt-BR" dirty="0"/>
+              <a:t>?</a:t>
+            </a:r>
+          </a:p>
+          <a:p>
+            <a:pPr lvl="1"/>
+            <a:r>
+              <a:rPr lang="pt-BR" dirty="0"/>
+              <a:t>SPI – Usa uma interface que poderia ser utilizada para sensores e outras comunicações, normalmente usado em ambientes com múltiplos </a:t>
+            </a:r>
+            <a:r>
+              <a:rPr lang="pt-BR" dirty="0" err="1"/>
+              <a:t>slaves</a:t>
+            </a:r>
+            <a:r>
+              <a:rPr lang="pt-BR" dirty="0"/>
+              <a:t> o que não seria o caso dessa comunicação</a:t>
+            </a:r>
+          </a:p>
+          <a:p>
+            <a:pPr lvl="1"/>
+            <a:r>
+              <a:rPr lang="pt-BR" dirty="0"/>
+              <a:t>I2C – semelhante ao caso SPI</a:t>
+            </a:r>
+          </a:p>
+          <a:p>
+            <a:pPr lvl="1"/>
+            <a:r>
+              <a:rPr lang="pt-BR" dirty="0"/>
+              <a:t>Ethernet – necessita de módulo adiciona, aumentam os gastos e não tendo vantagens significativas em distância</a:t>
+            </a:r>
+          </a:p>
+        </p:txBody>
+      </p:sp>
+      <p:sp>
+        <p:nvSpPr>
+          <p:cNvPr id="19" name="Espaço Reservado para Conteúdo 18">
+            <a:extLst>
+              <a:ext uri="{FF2B5EF4-FFF2-40B4-BE49-F238E27FC236}">
+                <a16:creationId xmlns:a16="http://schemas.microsoft.com/office/drawing/2014/main" id="{E6223CDC-478D-3727-1571-36617AB2E594}"/>
+              </a:ext>
+            </a:extLst>
+          </p:cNvPr>
+          <p:cNvSpPr>
+            <a:spLocks noGrp="1"/>
+          </p:cNvSpPr>
+          <p:nvPr>
+            <p:ph sz="half" idx="2"/>
+          </p:nvPr>
+        </p:nvSpPr>
+        <p:spPr/>
+        <p:txBody>
+          <a:bodyPr>
+            <a:normAutofit/>
+          </a:bodyPr>
+          <a:lstStyle/>
+          <a:p>
+            <a:pPr lvl="1"/>
+            <a:r>
+              <a:rPr lang="pt-BR" dirty="0"/>
+              <a:t>Bluetooth é over-</a:t>
+            </a:r>
+            <a:r>
+              <a:rPr lang="pt-BR" dirty="0" err="1"/>
+              <a:t>the</a:t>
+            </a:r>
+            <a:r>
+              <a:rPr lang="pt-BR" dirty="0"/>
+              <a:t>-</a:t>
+            </a:r>
+            <a:r>
+              <a:rPr lang="pt-BR" dirty="0" err="1"/>
+              <a:t>air</a:t>
+            </a:r>
+            <a:r>
+              <a:rPr lang="pt-BR" dirty="0"/>
+              <a:t>, poluindo a frequência (menos importante), complexidade da comunicação(mais importante)</a:t>
+            </a:r>
+          </a:p>
+          <a:p>
+            <a:pPr lvl="1"/>
+            <a:r>
+              <a:rPr lang="pt-BR" dirty="0" err="1"/>
+              <a:t>Wi-FI</a:t>
+            </a:r>
+            <a:r>
+              <a:rPr lang="pt-BR" dirty="0"/>
+              <a:t> é over-</a:t>
+            </a:r>
+            <a:r>
+              <a:rPr lang="pt-BR" dirty="0" err="1"/>
+              <a:t>the</a:t>
+            </a:r>
+            <a:r>
+              <a:rPr lang="pt-BR" dirty="0"/>
+              <a:t>-</a:t>
+            </a:r>
+            <a:r>
+              <a:rPr lang="pt-BR" dirty="0" err="1"/>
+              <a:t>air</a:t>
+            </a:r>
+            <a:r>
+              <a:rPr lang="pt-BR" dirty="0"/>
+              <a:t>, já está sendo usado para comunicação com o master, a ideia é usar uma conexão diferente para servir de backup</a:t>
+            </a:r>
+          </a:p>
+          <a:p>
+            <a:pPr lvl="1"/>
+            <a:r>
+              <a:rPr lang="pt-BR" dirty="0"/>
+              <a:t>LoRa – necessita de módulo adicional, para baixa distância </a:t>
+            </a:r>
+            <a:r>
+              <a:rPr lang="pt-BR" b="1" dirty="0"/>
+              <a:t>não compensa esse gasto</a:t>
+            </a:r>
+            <a:r>
+              <a:rPr lang="pt-BR" dirty="0"/>
+              <a:t>, bom para grandes distâncias, usaria uma interface de comunicação SPI</a:t>
+            </a:r>
+          </a:p>
+          <a:p>
+            <a:pPr lvl="1"/>
+            <a:endParaRPr lang="pt-BR" dirty="0"/>
+          </a:p>
+        </p:txBody>
+      </p:sp>
+    </p:spTree>
+    <p:extLst>
+      <p:ext uri="{BB962C8B-B14F-4D97-AF65-F5344CB8AC3E}">
+        <p14:creationId xmlns:p14="http://schemas.microsoft.com/office/powerpoint/2010/main" val="3376760284"/>
+      </p:ext>
+    </p:extLst>
+  </p:cSld>
+  <p:clrMapOvr>
+    <a:masterClrMapping/>
+  </p:clrMapOvr>
+</p:sld>
+</file>
+
+<file path=ppt/slides/slide14.xml><?xml version="1.0" encoding="utf-8"?>
+<p:sld xmlns:a="http://schemas.openxmlformats.org/drawingml/2006/main" xmlns:r="http://schemas.openxmlformats.org/officeDocument/2006/relationships" xmlns:p="http://schemas.openxmlformats.org/presentationml/2006/main">
+  <p:cSld>
+    <p:spTree>
+      <p:nvGrpSpPr>
+        <p:cNvPr id="1" name=""/>
+        <p:cNvGrpSpPr/>
+        <p:nvPr/>
+      </p:nvGrpSpPr>
+      <p:grpSpPr>
+        <a:xfrm>
+          <a:off x="0" y="0"/>
+          <a:ext cx="0" cy="0"/>
+          <a:chOff x="0" y="0"/>
+          <a:chExt cx="0" cy="0"/>
+        </a:xfrm>
+      </p:grpSpPr>
+      <p:sp>
+        <p:nvSpPr>
+          <p:cNvPr id="2" name="Título 1">
+            <a:extLst>
+              <a:ext uri="{FF2B5EF4-FFF2-40B4-BE49-F238E27FC236}">
+                <a16:creationId xmlns:a16="http://schemas.microsoft.com/office/drawing/2014/main" id="{086422E0-7ADE-CD71-71CA-F51A4724C719}"/>
+              </a:ext>
+            </a:extLst>
+          </p:cNvPr>
+          <p:cNvSpPr>
+            <a:spLocks noGrp="1"/>
+          </p:cNvSpPr>
+          <p:nvPr>
+            <p:ph type="title"/>
+          </p:nvPr>
+        </p:nvSpPr>
+        <p:spPr/>
+        <p:txBody>
+          <a:bodyPr/>
+          <a:lstStyle/>
+          <a:p>
+            <a:r>
+              <a:rPr lang="pt-BR" dirty="0"/>
+              <a:t>Comunicação Serial</a:t>
+            </a:r>
+            <a:br>
+              <a:rPr lang="pt-BR" dirty="0"/>
+            </a:br>
+            <a:r>
+              <a:rPr lang="pt-BR" dirty="0"/>
+              <a:t>Controlador ↔ </a:t>
+            </a:r>
+            <a:r>
+              <a:rPr lang="pt-BR" dirty="0" err="1"/>
+              <a:t>Datalogger</a:t>
+            </a:r>
+            <a:endParaRPr lang="pt-BR" dirty="0"/>
+          </a:p>
+        </p:txBody>
+      </p:sp>
+      <p:sp>
+        <p:nvSpPr>
+          <p:cNvPr id="12" name="Espaço Reservado para Conteúdo 11">
+            <a:extLst>
+              <a:ext uri="{FF2B5EF4-FFF2-40B4-BE49-F238E27FC236}">
+                <a16:creationId xmlns:a16="http://schemas.microsoft.com/office/drawing/2014/main" id="{504FEA92-2576-6631-8CA0-0AD7958B2A3C}"/>
+              </a:ext>
+            </a:extLst>
+          </p:cNvPr>
+          <p:cNvSpPr>
+            <a:spLocks noGrp="1"/>
+          </p:cNvSpPr>
+          <p:nvPr>
+            <p:ph sz="half" idx="1"/>
+          </p:nvPr>
+        </p:nvSpPr>
+        <p:spPr/>
+        <p:txBody>
+          <a:bodyPr>
             <a:normAutofit fontScale="92500" lnSpcReduction="10000"/>
           </a:bodyPr>
           <a:lstStyle/>
@@ -9284,7 +9412,7 @@
 </p:sld>
 </file>
 
-<file path=ppt/slides/slide14.xml><?xml version="1.0" encoding="utf-8"?>
+<file path=ppt/slides/slide15.xml><?xml version="1.0" encoding="utf-8"?>
 <p:sld xmlns:a="http://schemas.openxmlformats.org/drawingml/2006/main" xmlns:r="http://schemas.openxmlformats.org/officeDocument/2006/relationships" xmlns:p="http://schemas.openxmlformats.org/presentationml/2006/main">
   <p:cSld>
     <p:spTree>
@@ -9435,7 +9563,7 @@
 </p:sld>
 </file>
 
-<file path=ppt/slides/slide15.xml><?xml version="1.0" encoding="utf-8"?>
+<file path=ppt/slides/slide16.xml><?xml version="1.0" encoding="utf-8"?>
 <p:sld xmlns:a="http://schemas.openxmlformats.org/drawingml/2006/main" xmlns:r="http://schemas.openxmlformats.org/officeDocument/2006/relationships" xmlns:p="http://schemas.openxmlformats.org/presentationml/2006/main">
   <p:cSld>
     <p:spTree>
@@ -9545,146 +9673,6 @@
 </p:sld>
 </file>
 
-<file path=ppt/slides/slide16.xml><?xml version="1.0" encoding="utf-8"?>
-<p:sld xmlns:a="http://schemas.openxmlformats.org/drawingml/2006/main" xmlns:r="http://schemas.openxmlformats.org/officeDocument/2006/relationships" xmlns:p="http://schemas.openxmlformats.org/presentationml/2006/main">
-  <p:cSld>
-    <p:spTree>
-      <p:nvGrpSpPr>
-        <p:cNvPr id="1" name=""/>
-        <p:cNvGrpSpPr/>
-        <p:nvPr/>
-      </p:nvGrpSpPr>
-      <p:grpSpPr>
-        <a:xfrm>
-          <a:off x="0" y="0"/>
-          <a:ext cx="0" cy="0"/>
-          <a:chOff x="0" y="0"/>
-          <a:chExt cx="0" cy="0"/>
-        </a:xfrm>
-      </p:grpSpPr>
-      <p:sp>
-        <p:nvSpPr>
-          <p:cNvPr id="2" name="Título 1">
-            <a:extLst>
-              <a:ext uri="{FF2B5EF4-FFF2-40B4-BE49-F238E27FC236}">
-                <a16:creationId xmlns:a16="http://schemas.microsoft.com/office/drawing/2014/main" id="{086422E0-7ADE-CD71-71CA-F51A4724C719}"/>
-              </a:ext>
-            </a:extLst>
-          </p:cNvPr>
-          <p:cNvSpPr>
-            <a:spLocks noGrp="1"/>
-          </p:cNvSpPr>
-          <p:nvPr>
-            <p:ph type="title"/>
-          </p:nvPr>
-        </p:nvSpPr>
-        <p:spPr/>
-        <p:txBody>
-          <a:bodyPr/>
-          <a:lstStyle/>
-          <a:p>
-            <a:r>
-              <a:rPr lang="pt-BR" dirty="0"/>
-              <a:t>Comunicação Serial</a:t>
-            </a:r>
-            <a:br>
-              <a:rPr lang="pt-BR" dirty="0"/>
-            </a:br>
-            <a:r>
-              <a:rPr lang="pt-BR" dirty="0"/>
-              <a:t>Controlador ↔ </a:t>
-            </a:r>
-            <a:r>
-              <a:rPr lang="pt-BR" dirty="0" err="1"/>
-              <a:t>Datalogger</a:t>
-            </a:r>
-            <a:endParaRPr lang="pt-BR" dirty="0"/>
-          </a:p>
-        </p:txBody>
-      </p:sp>
-      <p:sp>
-        <p:nvSpPr>
-          <p:cNvPr id="5" name="Espaço Reservado para Conteúdo 4">
-            <a:extLst>
-              <a:ext uri="{FF2B5EF4-FFF2-40B4-BE49-F238E27FC236}">
-                <a16:creationId xmlns:a16="http://schemas.microsoft.com/office/drawing/2014/main" id="{BF1E603D-65EA-4EF4-71C6-BB196F60AF64}"/>
-              </a:ext>
-            </a:extLst>
-          </p:cNvPr>
-          <p:cNvSpPr>
-            <a:spLocks noGrp="1"/>
-          </p:cNvSpPr>
-          <p:nvPr>
-            <p:ph idx="1"/>
-          </p:nvPr>
-        </p:nvSpPr>
-        <p:spPr/>
-        <p:txBody>
-          <a:bodyPr/>
-          <a:lstStyle/>
-          <a:p>
-            <a:r>
-              <a:rPr lang="pt-BR" dirty="0"/>
-              <a:t>Como vai funcionar:</a:t>
-            </a:r>
-          </a:p>
-          <a:p>
-            <a:pPr lvl="1"/>
-            <a:r>
-              <a:rPr lang="pt-BR" dirty="0"/>
-              <a:t>O </a:t>
-            </a:r>
-            <a:r>
-              <a:rPr lang="pt-BR" dirty="0" err="1"/>
-              <a:t>packet</a:t>
-            </a:r>
-            <a:r>
-              <a:rPr lang="pt-BR" dirty="0"/>
-              <a:t> tem 44bytes de tamanho devido ao </a:t>
-            </a:r>
-            <a:r>
-              <a:rPr lang="pt-BR" dirty="0" err="1"/>
-              <a:t>padding</a:t>
-            </a:r>
-            <a:r>
-              <a:rPr lang="pt-BR" dirty="0"/>
-              <a:t> e a organização das variáveis (seria interessante explicar isso?)</a:t>
-            </a:r>
-          </a:p>
-          <a:p>
-            <a:pPr lvl="1"/>
-            <a:r>
-              <a:rPr lang="pt-BR" dirty="0"/>
-              <a:t>Demora 46 </a:t>
-            </a:r>
-            <a:r>
-              <a:rPr lang="pt-BR" dirty="0" err="1"/>
-              <a:t>ms</a:t>
-            </a:r>
-            <a:r>
-              <a:rPr lang="pt-BR" dirty="0"/>
-              <a:t> aproximadamente cada pacote</a:t>
-            </a:r>
-          </a:p>
-          <a:p>
-            <a:pPr lvl="1"/>
-            <a:endParaRPr lang="pt-BR" dirty="0"/>
-          </a:p>
-        </p:txBody>
-      </p:sp>
-    </p:spTree>
-    <p:extLst>
-      <p:ext uri="{BB962C8B-B14F-4D97-AF65-F5344CB8AC3E}">
-        <p14:creationId xmlns:p14="http://schemas.microsoft.com/office/powerpoint/2010/main" val="49295097"/>
-      </p:ext>
-    </p:extLst>
-  </p:cSld>
-  <p:clrMapOvr>
-    <a:masterClrMapping/>
-  </p:clrMapOvr>
-</p:sld>
-</file>
-
 <file path=ppt/slides/slide17.xml><?xml version="1.0" encoding="utf-8"?>
 <p:sld xmlns:a="http://schemas.openxmlformats.org/drawingml/2006/main" xmlns:r="http://schemas.openxmlformats.org/officeDocument/2006/relationships" xmlns:p="http://schemas.openxmlformats.org/presentationml/2006/main">
   <p:cSld>
@@ -9707,6 +9695,146 @@
           <p:cNvPr id="2" name="Título 1">
             <a:extLst>
               <a:ext uri="{FF2B5EF4-FFF2-40B4-BE49-F238E27FC236}">
+                <a16:creationId xmlns:a16="http://schemas.microsoft.com/office/drawing/2014/main" id="{086422E0-7ADE-CD71-71CA-F51A4724C719}"/>
+              </a:ext>
+            </a:extLst>
+          </p:cNvPr>
+          <p:cNvSpPr>
+            <a:spLocks noGrp="1"/>
+          </p:cNvSpPr>
+          <p:nvPr>
+            <p:ph type="title"/>
+          </p:nvPr>
+        </p:nvSpPr>
+        <p:spPr/>
+        <p:txBody>
+          <a:bodyPr/>
+          <a:lstStyle/>
+          <a:p>
+            <a:r>
+              <a:rPr lang="pt-BR" dirty="0"/>
+              <a:t>Comunicação Serial</a:t>
+            </a:r>
+            <a:br>
+              <a:rPr lang="pt-BR" dirty="0"/>
+            </a:br>
+            <a:r>
+              <a:rPr lang="pt-BR" dirty="0"/>
+              <a:t>Controlador ↔ </a:t>
+            </a:r>
+            <a:r>
+              <a:rPr lang="pt-BR" dirty="0" err="1"/>
+              <a:t>Datalogger</a:t>
+            </a:r>
+            <a:endParaRPr lang="pt-BR" dirty="0"/>
+          </a:p>
+        </p:txBody>
+      </p:sp>
+      <p:sp>
+        <p:nvSpPr>
+          <p:cNvPr id="5" name="Espaço Reservado para Conteúdo 4">
+            <a:extLst>
+              <a:ext uri="{FF2B5EF4-FFF2-40B4-BE49-F238E27FC236}">
+                <a16:creationId xmlns:a16="http://schemas.microsoft.com/office/drawing/2014/main" id="{BF1E603D-65EA-4EF4-71C6-BB196F60AF64}"/>
+              </a:ext>
+            </a:extLst>
+          </p:cNvPr>
+          <p:cNvSpPr>
+            <a:spLocks noGrp="1"/>
+          </p:cNvSpPr>
+          <p:nvPr>
+            <p:ph idx="1"/>
+          </p:nvPr>
+        </p:nvSpPr>
+        <p:spPr/>
+        <p:txBody>
+          <a:bodyPr/>
+          <a:lstStyle/>
+          <a:p>
+            <a:r>
+              <a:rPr lang="pt-BR" dirty="0"/>
+              <a:t>Como vai funcionar:</a:t>
+            </a:r>
+          </a:p>
+          <a:p>
+            <a:pPr lvl="1"/>
+            <a:r>
+              <a:rPr lang="pt-BR" dirty="0"/>
+              <a:t>O </a:t>
+            </a:r>
+            <a:r>
+              <a:rPr lang="pt-BR" dirty="0" err="1"/>
+              <a:t>packet</a:t>
+            </a:r>
+            <a:r>
+              <a:rPr lang="pt-BR" dirty="0"/>
+              <a:t> tem 44bytes de tamanho devido ao </a:t>
+            </a:r>
+            <a:r>
+              <a:rPr lang="pt-BR" dirty="0" err="1"/>
+              <a:t>padding</a:t>
+            </a:r>
+            <a:r>
+              <a:rPr lang="pt-BR" dirty="0"/>
+              <a:t> e a organização das variáveis (seria interessante explicar isso?)</a:t>
+            </a:r>
+          </a:p>
+          <a:p>
+            <a:pPr lvl="1"/>
+            <a:r>
+              <a:rPr lang="pt-BR" dirty="0"/>
+              <a:t>Demora 46 </a:t>
+            </a:r>
+            <a:r>
+              <a:rPr lang="pt-BR" dirty="0" err="1"/>
+              <a:t>ms</a:t>
+            </a:r>
+            <a:r>
+              <a:rPr lang="pt-BR" dirty="0"/>
+              <a:t> aproximadamente cada pacote</a:t>
+            </a:r>
+          </a:p>
+          <a:p>
+            <a:pPr lvl="1"/>
+            <a:endParaRPr lang="pt-BR" dirty="0"/>
+          </a:p>
+        </p:txBody>
+      </p:sp>
+    </p:spTree>
+    <p:extLst>
+      <p:ext uri="{BB962C8B-B14F-4D97-AF65-F5344CB8AC3E}">
+        <p14:creationId xmlns:p14="http://schemas.microsoft.com/office/powerpoint/2010/main" val="49295097"/>
+      </p:ext>
+    </p:extLst>
+  </p:cSld>
+  <p:clrMapOvr>
+    <a:masterClrMapping/>
+  </p:clrMapOvr>
+</p:sld>
+</file>
+
+<file path=ppt/slides/slide18.xml><?xml version="1.0" encoding="utf-8"?>
+<p:sld xmlns:a="http://schemas.openxmlformats.org/drawingml/2006/main" xmlns:r="http://schemas.openxmlformats.org/officeDocument/2006/relationships" xmlns:p="http://schemas.openxmlformats.org/presentationml/2006/main">
+  <p:cSld>
+    <p:spTree>
+      <p:nvGrpSpPr>
+        <p:cNvPr id="1" name=""/>
+        <p:cNvGrpSpPr/>
+        <p:nvPr/>
+      </p:nvGrpSpPr>
+      <p:grpSpPr>
+        <a:xfrm>
+          <a:off x="0" y="0"/>
+          <a:ext cx="0" cy="0"/>
+          <a:chOff x="0" y="0"/>
+          <a:chExt cx="0" cy="0"/>
+        </a:xfrm>
+      </p:grpSpPr>
+      <p:sp>
+        <p:nvSpPr>
+          <p:cNvPr id="2" name="Título 1">
+            <a:extLst>
+              <a:ext uri="{FF2B5EF4-FFF2-40B4-BE49-F238E27FC236}">
                 <a16:creationId xmlns:a16="http://schemas.microsoft.com/office/drawing/2014/main" id="{B412F6FC-C370-8896-819F-AC7A2BE29AA9}"/>
               </a:ext>
             </a:extLst>
@@ -9783,7 +9911,7 @@
 </p:sld>
 </file>
 
-<file path=ppt/slides/slide18.xml><?xml version="1.0" encoding="utf-8"?>
+<file path=ppt/slides/slide19.xml><?xml version="1.0" encoding="utf-8"?>
 <p:sld xmlns:a="http://schemas.openxmlformats.org/drawingml/2006/main" xmlns:r="http://schemas.openxmlformats.org/officeDocument/2006/relationships" xmlns:p="http://schemas.openxmlformats.org/presentationml/2006/main">
   <p:cSld>
     <p:spTree>
@@ -10873,96 +11001,5215 @@
           <a:chExt cx="0" cy="0"/>
         </a:xfrm>
       </p:grpSpPr>
-      <p:sp>
-        <p:nvSpPr>
-          <p:cNvPr id="2" name="Título 1">
+      <p:pic>
+        <p:nvPicPr>
+          <p:cNvPr id="5" name="Espaço Reservado para Conteúdo 4">
             <a:extLst>
               <a:ext uri="{FF2B5EF4-FFF2-40B4-BE49-F238E27FC236}">
-                <a16:creationId xmlns:a16="http://schemas.microsoft.com/office/drawing/2014/main" id="{D97D639C-E657-21D2-9248-C31C56ACB75D}"/>
+                <a16:creationId xmlns:a16="http://schemas.microsoft.com/office/drawing/2014/main" id="{597A519B-282F-334E-8B9C-F03EC15E0E57}"/>
               </a:ext>
             </a:extLst>
           </p:cNvPr>
-          <p:cNvSpPr>
-            <a:spLocks noGrp="1"/>
-          </p:cNvSpPr>
+          <p:cNvPicPr>
+            <a:picLocks noGrp="1" noChangeAspect="1"/>
+          </p:cNvPicPr>
           <p:nvPr>
-            <p:ph type="title"/>
+            <p:ph idx="1"/>
           </p:nvPr>
-        </p:nvSpPr>
-        <p:spPr/>
-        <p:txBody>
-          <a:bodyPr/>
-          <a:lstStyle/>
-          <a:p>
-            <a:r>
-              <a:rPr lang="pt-BR" dirty="0" err="1"/>
-              <a:t>Datalogger</a:t>
-            </a:r>
-            <a:endParaRPr lang="pt-BR" dirty="0"/>
-          </a:p>
-        </p:txBody>
-      </p:sp>
-      <p:sp>
-        <p:nvSpPr>
-          <p:cNvPr id="3" name="Espaço Reservado para Conteúdo 2">
+        </p:nvPicPr>
+        <p:blipFill>
+          <a:blip r:embed="rId2"/>
+          <a:stretch>
+            <a:fillRect/>
+          </a:stretch>
+        </p:blipFill>
+        <p:spPr>
+          <a:xfrm>
+            <a:off x="4598190" y="589046"/>
+            <a:ext cx="3291439" cy="5956573"/>
+          </a:xfrm>
+        </p:spPr>
+      </p:pic>
+      <p:cxnSp>
+        <p:nvCxnSpPr>
+          <p:cNvPr id="7" name="Conector reto 6">
             <a:extLst>
               <a:ext uri="{FF2B5EF4-FFF2-40B4-BE49-F238E27FC236}">
-                <a16:creationId xmlns:a16="http://schemas.microsoft.com/office/drawing/2014/main" id="{3141DBFD-CFD8-022E-741D-EACBA98A5323}"/>
+                <a16:creationId xmlns:a16="http://schemas.microsoft.com/office/drawing/2014/main" id="{B31547D9-C5B3-D72D-6C4E-CCD25F809946}"/>
               </a:ext>
             </a:extLst>
           </p:cNvPr>
-          <p:cNvSpPr>
-            <a:spLocks noGrp="1"/>
-          </p:cNvSpPr>
-          <p:nvPr>
-            <p:ph idx="1"/>
-          </p:nvPr>
-        </p:nvSpPr>
-        <p:spPr/>
-        <p:txBody>
-          <a:bodyPr/>
-          <a:lstStyle/>
+          <p:cNvCxnSpPr>
+            <a:cxnSpLocks/>
+          </p:cNvCxnSpPr>
+          <p:nvPr/>
+        </p:nvCxnSpPr>
+        <p:spPr>
+          <a:xfrm flipH="1">
+            <a:off x="4108167" y="1322362"/>
+            <a:ext cx="703385" cy="0"/>
+          </a:xfrm>
+          <a:prstGeom prst="line">
+            <a:avLst/>
+          </a:prstGeom>
+          <a:ln w="114300">
+            <a:solidFill>
+              <a:schemeClr val="bg1">
+                <a:lumMod val="95000"/>
+                <a:lumOff val="5000"/>
+              </a:schemeClr>
+            </a:solidFill>
+          </a:ln>
+        </p:spPr>
+        <p:style>
+          <a:lnRef idx="1">
+            <a:schemeClr val="accent1"/>
+          </a:lnRef>
+          <a:fillRef idx="0">
+            <a:schemeClr val="accent1"/>
+          </a:fillRef>
+          <a:effectRef idx="0">
+            <a:schemeClr val="accent1"/>
+          </a:effectRef>
+          <a:fontRef idx="minor">
+            <a:schemeClr val="tx1"/>
+          </a:fontRef>
+        </p:style>
+      </p:cxnSp>
+      <p:cxnSp>
+        <p:nvCxnSpPr>
+          <p:cNvPr id="9" name="Conector reto 8">
+            <a:extLst>
+              <a:ext uri="{FF2B5EF4-FFF2-40B4-BE49-F238E27FC236}">
+                <a16:creationId xmlns:a16="http://schemas.microsoft.com/office/drawing/2014/main" id="{CD258262-76E4-73F5-5FAB-E9C0947C77EA}"/>
+              </a:ext>
+            </a:extLst>
+          </p:cNvPr>
+          <p:cNvCxnSpPr>
+            <a:cxnSpLocks/>
+          </p:cNvCxnSpPr>
+          <p:nvPr/>
+        </p:nvCxnSpPr>
+        <p:spPr>
+          <a:xfrm flipH="1">
+            <a:off x="4122234" y="3018694"/>
+            <a:ext cx="703385" cy="0"/>
+          </a:xfrm>
+          <a:prstGeom prst="line">
+            <a:avLst/>
+          </a:prstGeom>
+          <a:ln w="114300">
+            <a:solidFill>
+              <a:srgbClr val="00B0F0"/>
+            </a:solidFill>
+          </a:ln>
+        </p:spPr>
+        <p:style>
+          <a:lnRef idx="1">
+            <a:schemeClr val="accent1"/>
+          </a:lnRef>
+          <a:fillRef idx="0">
+            <a:schemeClr val="accent1"/>
+          </a:fillRef>
+          <a:effectRef idx="0">
+            <a:schemeClr val="accent1"/>
+          </a:effectRef>
+          <a:fontRef idx="minor">
+            <a:schemeClr val="tx1"/>
+          </a:fontRef>
+        </p:style>
+      </p:cxnSp>
+      <p:cxnSp>
+        <p:nvCxnSpPr>
+          <p:cNvPr id="10" name="Conector reto 9">
+            <a:extLst>
+              <a:ext uri="{FF2B5EF4-FFF2-40B4-BE49-F238E27FC236}">
+                <a16:creationId xmlns:a16="http://schemas.microsoft.com/office/drawing/2014/main" id="{998BF0CB-8FA2-666D-5CF4-E6C09455C98C}"/>
+              </a:ext>
+            </a:extLst>
+          </p:cNvPr>
+          <p:cNvCxnSpPr>
+            <a:cxnSpLocks/>
+          </p:cNvCxnSpPr>
+          <p:nvPr/>
+        </p:nvCxnSpPr>
+        <p:spPr>
+          <a:xfrm flipH="1">
+            <a:off x="4134354" y="2740849"/>
+            <a:ext cx="703385" cy="0"/>
+          </a:xfrm>
+          <a:prstGeom prst="line">
+            <a:avLst/>
+          </a:prstGeom>
+          <a:ln w="114300">
+            <a:solidFill>
+              <a:srgbClr val="00B0F0"/>
+            </a:solidFill>
+          </a:ln>
+        </p:spPr>
+        <p:style>
+          <a:lnRef idx="1">
+            <a:schemeClr val="accent1"/>
+          </a:lnRef>
+          <a:fillRef idx="0">
+            <a:schemeClr val="accent1"/>
+          </a:fillRef>
+          <a:effectRef idx="0">
+            <a:schemeClr val="accent1"/>
+          </a:effectRef>
+          <a:fontRef idx="minor">
+            <a:schemeClr val="tx1"/>
+          </a:fontRef>
+        </p:style>
+      </p:cxnSp>
+      <p:cxnSp>
+        <p:nvCxnSpPr>
+          <p:cNvPr id="11" name="Conector reto 10">
+            <a:extLst>
+              <a:ext uri="{FF2B5EF4-FFF2-40B4-BE49-F238E27FC236}">
+                <a16:creationId xmlns:a16="http://schemas.microsoft.com/office/drawing/2014/main" id="{5B30813A-5D8F-3199-210B-BB3161E2C043}"/>
+              </a:ext>
+            </a:extLst>
+          </p:cNvPr>
+          <p:cNvCxnSpPr>
+            <a:cxnSpLocks/>
+          </p:cNvCxnSpPr>
+          <p:nvPr/>
+        </p:nvCxnSpPr>
+        <p:spPr>
+          <a:xfrm flipH="1">
+            <a:off x="4120289" y="3880338"/>
+            <a:ext cx="703385" cy="0"/>
+          </a:xfrm>
+          <a:prstGeom prst="line">
+            <a:avLst/>
+          </a:prstGeom>
+          <a:ln w="114300"/>
+        </p:spPr>
+        <p:style>
+          <a:lnRef idx="1">
+            <a:schemeClr val="accent1"/>
+          </a:lnRef>
+          <a:fillRef idx="0">
+            <a:schemeClr val="accent1"/>
+          </a:fillRef>
+          <a:effectRef idx="0">
+            <a:schemeClr val="accent1"/>
+          </a:effectRef>
+          <a:fontRef idx="minor">
+            <a:schemeClr val="tx1"/>
+          </a:fontRef>
+        </p:style>
+      </p:cxnSp>
+      <p:cxnSp>
+        <p:nvCxnSpPr>
+          <p:cNvPr id="12" name="Conector reto 11">
+            <a:extLst>
+              <a:ext uri="{FF2B5EF4-FFF2-40B4-BE49-F238E27FC236}">
+                <a16:creationId xmlns:a16="http://schemas.microsoft.com/office/drawing/2014/main" id="{85C54114-9D5D-2F87-085E-19B9B6DB9842}"/>
+              </a:ext>
+            </a:extLst>
+          </p:cNvPr>
+          <p:cNvCxnSpPr>
+            <a:cxnSpLocks/>
+          </p:cNvCxnSpPr>
+          <p:nvPr/>
+        </p:nvCxnSpPr>
+        <p:spPr>
+          <a:xfrm flipH="1">
+            <a:off x="7681360" y="3880338"/>
+            <a:ext cx="703385" cy="0"/>
+          </a:xfrm>
+          <a:prstGeom prst="line">
+            <a:avLst/>
+          </a:prstGeom>
+          <a:ln w="114300">
+            <a:solidFill>
+              <a:srgbClr val="00B050"/>
+            </a:solidFill>
+          </a:ln>
+        </p:spPr>
+        <p:style>
+          <a:lnRef idx="1">
+            <a:schemeClr val="accent1"/>
+          </a:lnRef>
+          <a:fillRef idx="0">
+            <a:schemeClr val="accent1"/>
+          </a:fillRef>
+          <a:effectRef idx="0">
+            <a:schemeClr val="accent1"/>
+          </a:effectRef>
+          <a:fontRef idx="minor">
+            <a:schemeClr val="tx1"/>
+          </a:fontRef>
+        </p:style>
+      </p:cxnSp>
+      <p:cxnSp>
+        <p:nvCxnSpPr>
+          <p:cNvPr id="13" name="Conector reto 12">
+            <a:extLst>
+              <a:ext uri="{FF2B5EF4-FFF2-40B4-BE49-F238E27FC236}">
+                <a16:creationId xmlns:a16="http://schemas.microsoft.com/office/drawing/2014/main" id="{B542381A-191F-F35B-78A9-066058D768C9}"/>
+              </a:ext>
+            </a:extLst>
+          </p:cNvPr>
+          <p:cNvCxnSpPr>
+            <a:cxnSpLocks/>
+          </p:cNvCxnSpPr>
+          <p:nvPr/>
+        </p:nvCxnSpPr>
+        <p:spPr>
+          <a:xfrm flipH="1">
+            <a:off x="7681360" y="3595467"/>
+            <a:ext cx="703385" cy="0"/>
+          </a:xfrm>
+          <a:prstGeom prst="line">
+            <a:avLst/>
+          </a:prstGeom>
+          <a:ln w="114300">
+            <a:solidFill>
+              <a:srgbClr val="00B050"/>
+            </a:solidFill>
+          </a:ln>
+        </p:spPr>
+        <p:style>
+          <a:lnRef idx="1">
+            <a:schemeClr val="accent1"/>
+          </a:lnRef>
+          <a:fillRef idx="0">
+            <a:schemeClr val="accent1"/>
+          </a:fillRef>
+          <a:effectRef idx="0">
+            <a:schemeClr val="accent1"/>
+          </a:effectRef>
+          <a:fontRef idx="minor">
+            <a:schemeClr val="tx1"/>
+          </a:fontRef>
+        </p:style>
+      </p:cxnSp>
+      <p:sp>
+        <p:nvSpPr>
+          <p:cNvPr id="14" name="Espaço Reservado para Conteúdo 2">
+            <a:extLst>
+              <a:ext uri="{FF2B5EF4-FFF2-40B4-BE49-F238E27FC236}">
+                <a16:creationId xmlns:a16="http://schemas.microsoft.com/office/drawing/2014/main" id="{AB0266E1-5A50-D7E9-4F71-4B3115221E36}"/>
+              </a:ext>
+            </a:extLst>
+          </p:cNvPr>
+          <p:cNvSpPr txBox="1">
+            <a:spLocks/>
+          </p:cNvSpPr>
+          <p:nvPr/>
+        </p:nvSpPr>
+        <p:spPr>
+          <a:xfrm>
+            <a:off x="8365585" y="3540354"/>
+            <a:ext cx="2999762" cy="410086"/>
+          </a:xfrm>
+          <a:prstGeom prst="rect">
+            <a:avLst/>
+          </a:prstGeom>
+        </p:spPr>
+        <p:txBody>
+          <a:bodyPr vert="horz" lIns="91440" tIns="45720" rIns="91440" bIns="45720" rtlCol="0">
+            <a:normAutofit/>
+          </a:bodyPr>
+          <a:lstStyle>
+            <a:lvl1pPr marL="342900" indent="-342900" algn="l" defTabSz="457200" rtl="0" eaLnBrk="1" latinLnBrk="0" hangingPunct="1">
+              <a:spcBef>
+                <a:spcPts val="1000"/>
+              </a:spcBef>
+              <a:spcAft>
+                <a:spcPts val="0"/>
+              </a:spcAft>
+              <a:buClr>
+                <a:schemeClr val="bg2">
+                  <a:lumMod val="40000"/>
+                  <a:lumOff val="60000"/>
+                </a:schemeClr>
+              </a:buClr>
+              <a:buSzPct val="80000"/>
+              <a:buFont typeface="Wingdings 3" charset="2"/>
+              <a:buChar char=""/>
+              <a:defRPr sz="2000" b="0" i="0" kern="1200">
+                <a:solidFill>
+                  <a:schemeClr val="tx1"/>
+                </a:solidFill>
+                <a:latin typeface="+mj-lt"/>
+                <a:ea typeface="+mj-ea"/>
+                <a:cs typeface="+mj-cs"/>
+              </a:defRPr>
+            </a:lvl1pPr>
+            <a:lvl2pPr marL="742950" indent="-285750" algn="l" defTabSz="457200" rtl="0" eaLnBrk="1" latinLnBrk="0" hangingPunct="1">
+              <a:spcBef>
+                <a:spcPts val="1000"/>
+              </a:spcBef>
+              <a:spcAft>
+                <a:spcPts val="0"/>
+              </a:spcAft>
+              <a:buClr>
+                <a:schemeClr val="bg2">
+                  <a:lumMod val="40000"/>
+                  <a:lumOff val="60000"/>
+                </a:schemeClr>
+              </a:buClr>
+              <a:buSzPct val="80000"/>
+              <a:buFont typeface="Wingdings 3" charset="2"/>
+              <a:buChar char=""/>
+              <a:defRPr sz="1800" b="0" i="0" kern="1200">
+                <a:solidFill>
+                  <a:schemeClr val="tx1"/>
+                </a:solidFill>
+                <a:latin typeface="+mj-lt"/>
+                <a:ea typeface="+mj-ea"/>
+                <a:cs typeface="+mj-cs"/>
+              </a:defRPr>
+            </a:lvl2pPr>
+            <a:lvl3pPr marL="1143000" indent="-228600" algn="l" defTabSz="457200" rtl="0" eaLnBrk="1" latinLnBrk="0" hangingPunct="1">
+              <a:spcBef>
+                <a:spcPts val="1000"/>
+              </a:spcBef>
+              <a:spcAft>
+                <a:spcPts val="0"/>
+              </a:spcAft>
+              <a:buClr>
+                <a:schemeClr val="bg2">
+                  <a:lumMod val="40000"/>
+                  <a:lumOff val="60000"/>
+                </a:schemeClr>
+              </a:buClr>
+              <a:buSzPct val="80000"/>
+              <a:buFont typeface="Wingdings 3" charset="2"/>
+              <a:buChar char=""/>
+              <a:defRPr sz="1600" b="0" i="0" kern="1200">
+                <a:solidFill>
+                  <a:schemeClr val="tx1"/>
+                </a:solidFill>
+                <a:latin typeface="+mj-lt"/>
+                <a:ea typeface="+mj-ea"/>
+                <a:cs typeface="+mj-cs"/>
+              </a:defRPr>
+            </a:lvl3pPr>
+            <a:lvl4pPr marL="1600200" indent="-228600" algn="l" defTabSz="457200" rtl="0" eaLnBrk="1" latinLnBrk="0" hangingPunct="1">
+              <a:spcBef>
+                <a:spcPts val="1000"/>
+              </a:spcBef>
+              <a:spcAft>
+                <a:spcPts val="0"/>
+              </a:spcAft>
+              <a:buClr>
+                <a:schemeClr val="bg2">
+                  <a:lumMod val="40000"/>
+                  <a:lumOff val="60000"/>
+                </a:schemeClr>
+              </a:buClr>
+              <a:buSzPct val="80000"/>
+              <a:buFont typeface="Wingdings 3" charset="2"/>
+              <a:buChar char=""/>
+              <a:defRPr sz="1400" b="0" i="0" kern="1200">
+                <a:solidFill>
+                  <a:schemeClr val="tx1"/>
+                </a:solidFill>
+                <a:latin typeface="+mj-lt"/>
+                <a:ea typeface="+mj-ea"/>
+                <a:cs typeface="+mj-cs"/>
+              </a:defRPr>
+            </a:lvl4pPr>
+            <a:lvl5pPr marL="2057400" indent="-228600" algn="l" defTabSz="457200" rtl="0" eaLnBrk="1" latinLnBrk="0" hangingPunct="1">
+              <a:spcBef>
+                <a:spcPts val="1000"/>
+              </a:spcBef>
+              <a:spcAft>
+                <a:spcPts val="0"/>
+              </a:spcAft>
+              <a:buClr>
+                <a:schemeClr val="bg2">
+                  <a:lumMod val="40000"/>
+                  <a:lumOff val="60000"/>
+                </a:schemeClr>
+              </a:buClr>
+              <a:buSzPct val="80000"/>
+              <a:buFont typeface="Wingdings 3" charset="2"/>
+              <a:buChar char=""/>
+              <a:defRPr sz="1400" b="0" i="0" kern="1200">
+                <a:solidFill>
+                  <a:schemeClr val="tx1"/>
+                </a:solidFill>
+                <a:latin typeface="+mj-lt"/>
+                <a:ea typeface="+mj-ea"/>
+                <a:cs typeface="+mj-cs"/>
+              </a:defRPr>
+            </a:lvl5pPr>
+            <a:lvl6pPr marL="2506000" indent="-228600" algn="l" defTabSz="457200" rtl="0" eaLnBrk="1" latinLnBrk="0" hangingPunct="1">
+              <a:spcBef>
+                <a:spcPts val="1000"/>
+              </a:spcBef>
+              <a:spcAft>
+                <a:spcPts val="0"/>
+              </a:spcAft>
+              <a:buClr>
+                <a:schemeClr val="bg2">
+                  <a:lumMod val="40000"/>
+                  <a:lumOff val="60000"/>
+                </a:schemeClr>
+              </a:buClr>
+              <a:buSzPct val="80000"/>
+              <a:buFont typeface="Wingdings 3" charset="2"/>
+              <a:buChar char=""/>
+              <a:defRPr sz="1400" b="0" i="0" kern="1200">
+                <a:solidFill>
+                  <a:schemeClr val="tx1"/>
+                </a:solidFill>
+                <a:latin typeface="+mj-lt"/>
+                <a:ea typeface="+mj-ea"/>
+                <a:cs typeface="+mj-cs"/>
+              </a:defRPr>
+            </a:lvl6pPr>
+            <a:lvl7pPr marL="2971800" indent="-228600" algn="l" defTabSz="457200" rtl="0" eaLnBrk="1" latinLnBrk="0" hangingPunct="1">
+              <a:spcBef>
+                <a:spcPts val="1000"/>
+              </a:spcBef>
+              <a:spcAft>
+                <a:spcPts val="0"/>
+              </a:spcAft>
+              <a:buClr>
+                <a:schemeClr val="bg2">
+                  <a:lumMod val="40000"/>
+                  <a:lumOff val="60000"/>
+                </a:schemeClr>
+              </a:buClr>
+              <a:buSzPct val="80000"/>
+              <a:buFont typeface="Wingdings 3" charset="2"/>
+              <a:buChar char=""/>
+              <a:defRPr sz="1400" b="0" i="0" kern="1200">
+                <a:solidFill>
+                  <a:schemeClr val="tx1"/>
+                </a:solidFill>
+                <a:latin typeface="+mj-lt"/>
+                <a:ea typeface="+mj-ea"/>
+                <a:cs typeface="+mj-cs"/>
+              </a:defRPr>
+            </a:lvl7pPr>
+            <a:lvl8pPr marL="3429000" indent="-228600" algn="l" defTabSz="457200" rtl="0" eaLnBrk="1" latinLnBrk="0" hangingPunct="1">
+              <a:spcBef>
+                <a:spcPts val="1000"/>
+              </a:spcBef>
+              <a:spcAft>
+                <a:spcPts val="0"/>
+              </a:spcAft>
+              <a:buClr>
+                <a:schemeClr val="bg2">
+                  <a:lumMod val="40000"/>
+                  <a:lumOff val="60000"/>
+                </a:schemeClr>
+              </a:buClr>
+              <a:buSzPct val="80000"/>
+              <a:buFont typeface="Wingdings 3" charset="2"/>
+              <a:buChar char=""/>
+              <a:defRPr sz="1400" b="0" i="0" kern="1200">
+                <a:solidFill>
+                  <a:schemeClr val="tx1"/>
+                </a:solidFill>
+                <a:latin typeface="+mj-lt"/>
+                <a:ea typeface="+mj-ea"/>
+                <a:cs typeface="+mj-cs"/>
+              </a:defRPr>
+            </a:lvl8pPr>
+            <a:lvl9pPr marL="3886200" indent="-228600" algn="l" defTabSz="457200" rtl="0" eaLnBrk="1" latinLnBrk="0" hangingPunct="1">
+              <a:spcBef>
+                <a:spcPts val="1000"/>
+              </a:spcBef>
+              <a:spcAft>
+                <a:spcPts val="0"/>
+              </a:spcAft>
+              <a:buClr>
+                <a:schemeClr val="bg2">
+                  <a:lumMod val="40000"/>
+                  <a:lumOff val="60000"/>
+                </a:schemeClr>
+              </a:buClr>
+              <a:buSzPct val="80000"/>
+              <a:buFont typeface="Wingdings 3" charset="2"/>
+              <a:buChar char=""/>
+              <a:defRPr sz="1400" b="0" i="0" kern="1200">
+                <a:solidFill>
+                  <a:schemeClr val="tx1"/>
+                </a:solidFill>
+                <a:latin typeface="+mj-lt"/>
+                <a:ea typeface="+mj-ea"/>
+                <a:cs typeface="+mj-cs"/>
+              </a:defRPr>
+            </a:lvl9pPr>
+          </a:lstStyle>
           <a:p>
             <a:pPr marL="0" indent="0">
+              <a:buFont typeface="Wingdings 3" charset="2"/>
               <a:buNone/>
             </a:pPr>
             <a:r>
               <a:rPr lang="pt-BR" dirty="0"/>
-              <a:t>Em progresso:</a:t>
-            </a:r>
-          </a:p>
-          <a:p>
+              <a:t>Comunicação Serial</a:t>
+            </a:r>
+          </a:p>
+          <a:p>
+            <a:endParaRPr lang="pt-BR" dirty="0"/>
+          </a:p>
+        </p:txBody>
+      </p:sp>
+      <p:sp>
+        <p:nvSpPr>
+          <p:cNvPr id="15" name="Espaço Reservado para Conteúdo 2">
+            <a:extLst>
+              <a:ext uri="{FF2B5EF4-FFF2-40B4-BE49-F238E27FC236}">
+                <a16:creationId xmlns:a16="http://schemas.microsoft.com/office/drawing/2014/main" id="{83F59ED5-F614-7E6E-103D-6B1B7B4FA7F7}"/>
+              </a:ext>
+            </a:extLst>
+          </p:cNvPr>
+          <p:cNvSpPr txBox="1">
+            <a:spLocks/>
+          </p:cNvSpPr>
+          <p:nvPr/>
+        </p:nvSpPr>
+        <p:spPr>
+          <a:xfrm>
+            <a:off x="2552286" y="2508249"/>
+            <a:ext cx="1766497" cy="437064"/>
+          </a:xfrm>
+          <a:prstGeom prst="rect">
+            <a:avLst/>
+          </a:prstGeom>
+        </p:spPr>
+        <p:txBody>
+          <a:bodyPr vert="horz" lIns="91440" tIns="45720" rIns="91440" bIns="45720" rtlCol="0">
+            <a:normAutofit/>
+          </a:bodyPr>
+          <a:lstStyle>
+            <a:lvl1pPr marL="342900" indent="-342900" algn="l" defTabSz="457200" rtl="0" eaLnBrk="1" latinLnBrk="0" hangingPunct="1">
+              <a:spcBef>
+                <a:spcPts val="1000"/>
+              </a:spcBef>
+              <a:spcAft>
+                <a:spcPts val="0"/>
+              </a:spcAft>
+              <a:buClr>
+                <a:schemeClr val="bg2">
+                  <a:lumMod val="40000"/>
+                  <a:lumOff val="60000"/>
+                </a:schemeClr>
+              </a:buClr>
+              <a:buSzPct val="80000"/>
+              <a:buFont typeface="Wingdings 3" charset="2"/>
+              <a:buChar char=""/>
+              <a:defRPr sz="2000" b="0" i="0" kern="1200">
+                <a:solidFill>
+                  <a:schemeClr val="tx1"/>
+                </a:solidFill>
+                <a:latin typeface="+mj-lt"/>
+                <a:ea typeface="+mj-ea"/>
+                <a:cs typeface="+mj-cs"/>
+              </a:defRPr>
+            </a:lvl1pPr>
+            <a:lvl2pPr marL="742950" indent="-285750" algn="l" defTabSz="457200" rtl="0" eaLnBrk="1" latinLnBrk="0" hangingPunct="1">
+              <a:spcBef>
+                <a:spcPts val="1000"/>
+              </a:spcBef>
+              <a:spcAft>
+                <a:spcPts val="0"/>
+              </a:spcAft>
+              <a:buClr>
+                <a:schemeClr val="bg2">
+                  <a:lumMod val="40000"/>
+                  <a:lumOff val="60000"/>
+                </a:schemeClr>
+              </a:buClr>
+              <a:buSzPct val="80000"/>
+              <a:buFont typeface="Wingdings 3" charset="2"/>
+              <a:buChar char=""/>
+              <a:defRPr sz="1800" b="0" i="0" kern="1200">
+                <a:solidFill>
+                  <a:schemeClr val="tx1"/>
+                </a:solidFill>
+                <a:latin typeface="+mj-lt"/>
+                <a:ea typeface="+mj-ea"/>
+                <a:cs typeface="+mj-cs"/>
+              </a:defRPr>
+            </a:lvl2pPr>
+            <a:lvl3pPr marL="1143000" indent="-228600" algn="l" defTabSz="457200" rtl="0" eaLnBrk="1" latinLnBrk="0" hangingPunct="1">
+              <a:spcBef>
+                <a:spcPts val="1000"/>
+              </a:spcBef>
+              <a:spcAft>
+                <a:spcPts val="0"/>
+              </a:spcAft>
+              <a:buClr>
+                <a:schemeClr val="bg2">
+                  <a:lumMod val="40000"/>
+                  <a:lumOff val="60000"/>
+                </a:schemeClr>
+              </a:buClr>
+              <a:buSzPct val="80000"/>
+              <a:buFont typeface="Wingdings 3" charset="2"/>
+              <a:buChar char=""/>
+              <a:defRPr sz="1600" b="0" i="0" kern="1200">
+                <a:solidFill>
+                  <a:schemeClr val="tx1"/>
+                </a:solidFill>
+                <a:latin typeface="+mj-lt"/>
+                <a:ea typeface="+mj-ea"/>
+                <a:cs typeface="+mj-cs"/>
+              </a:defRPr>
+            </a:lvl3pPr>
+            <a:lvl4pPr marL="1600200" indent="-228600" algn="l" defTabSz="457200" rtl="0" eaLnBrk="1" latinLnBrk="0" hangingPunct="1">
+              <a:spcBef>
+                <a:spcPts val="1000"/>
+              </a:spcBef>
+              <a:spcAft>
+                <a:spcPts val="0"/>
+              </a:spcAft>
+              <a:buClr>
+                <a:schemeClr val="bg2">
+                  <a:lumMod val="40000"/>
+                  <a:lumOff val="60000"/>
+                </a:schemeClr>
+              </a:buClr>
+              <a:buSzPct val="80000"/>
+              <a:buFont typeface="Wingdings 3" charset="2"/>
+              <a:buChar char=""/>
+              <a:defRPr sz="1400" b="0" i="0" kern="1200">
+                <a:solidFill>
+                  <a:schemeClr val="tx1"/>
+                </a:solidFill>
+                <a:latin typeface="+mj-lt"/>
+                <a:ea typeface="+mj-ea"/>
+                <a:cs typeface="+mj-cs"/>
+              </a:defRPr>
+            </a:lvl4pPr>
+            <a:lvl5pPr marL="2057400" indent="-228600" algn="l" defTabSz="457200" rtl="0" eaLnBrk="1" latinLnBrk="0" hangingPunct="1">
+              <a:spcBef>
+                <a:spcPts val="1000"/>
+              </a:spcBef>
+              <a:spcAft>
+                <a:spcPts val="0"/>
+              </a:spcAft>
+              <a:buClr>
+                <a:schemeClr val="bg2">
+                  <a:lumMod val="40000"/>
+                  <a:lumOff val="60000"/>
+                </a:schemeClr>
+              </a:buClr>
+              <a:buSzPct val="80000"/>
+              <a:buFont typeface="Wingdings 3" charset="2"/>
+              <a:buChar char=""/>
+              <a:defRPr sz="1400" b="0" i="0" kern="1200">
+                <a:solidFill>
+                  <a:schemeClr val="tx1"/>
+                </a:solidFill>
+                <a:latin typeface="+mj-lt"/>
+                <a:ea typeface="+mj-ea"/>
+                <a:cs typeface="+mj-cs"/>
+              </a:defRPr>
+            </a:lvl5pPr>
+            <a:lvl6pPr marL="2506000" indent="-228600" algn="l" defTabSz="457200" rtl="0" eaLnBrk="1" latinLnBrk="0" hangingPunct="1">
+              <a:spcBef>
+                <a:spcPts val="1000"/>
+              </a:spcBef>
+              <a:spcAft>
+                <a:spcPts val="0"/>
+              </a:spcAft>
+              <a:buClr>
+                <a:schemeClr val="bg2">
+                  <a:lumMod val="40000"/>
+                  <a:lumOff val="60000"/>
+                </a:schemeClr>
+              </a:buClr>
+              <a:buSzPct val="80000"/>
+              <a:buFont typeface="Wingdings 3" charset="2"/>
+              <a:buChar char=""/>
+              <a:defRPr sz="1400" b="0" i="0" kern="1200">
+                <a:solidFill>
+                  <a:schemeClr val="tx1"/>
+                </a:solidFill>
+                <a:latin typeface="+mj-lt"/>
+                <a:ea typeface="+mj-ea"/>
+                <a:cs typeface="+mj-cs"/>
+              </a:defRPr>
+            </a:lvl6pPr>
+            <a:lvl7pPr marL="2971800" indent="-228600" algn="l" defTabSz="457200" rtl="0" eaLnBrk="1" latinLnBrk="0" hangingPunct="1">
+              <a:spcBef>
+                <a:spcPts val="1000"/>
+              </a:spcBef>
+              <a:spcAft>
+                <a:spcPts val="0"/>
+              </a:spcAft>
+              <a:buClr>
+                <a:schemeClr val="bg2">
+                  <a:lumMod val="40000"/>
+                  <a:lumOff val="60000"/>
+                </a:schemeClr>
+              </a:buClr>
+              <a:buSzPct val="80000"/>
+              <a:buFont typeface="Wingdings 3" charset="2"/>
+              <a:buChar char=""/>
+              <a:defRPr sz="1400" b="0" i="0" kern="1200">
+                <a:solidFill>
+                  <a:schemeClr val="tx1"/>
+                </a:solidFill>
+                <a:latin typeface="+mj-lt"/>
+                <a:ea typeface="+mj-ea"/>
+                <a:cs typeface="+mj-cs"/>
+              </a:defRPr>
+            </a:lvl7pPr>
+            <a:lvl8pPr marL="3429000" indent="-228600" algn="l" defTabSz="457200" rtl="0" eaLnBrk="1" latinLnBrk="0" hangingPunct="1">
+              <a:spcBef>
+                <a:spcPts val="1000"/>
+              </a:spcBef>
+              <a:spcAft>
+                <a:spcPts val="0"/>
+              </a:spcAft>
+              <a:buClr>
+                <a:schemeClr val="bg2">
+                  <a:lumMod val="40000"/>
+                  <a:lumOff val="60000"/>
+                </a:schemeClr>
+              </a:buClr>
+              <a:buSzPct val="80000"/>
+              <a:buFont typeface="Wingdings 3" charset="2"/>
+              <a:buChar char=""/>
+              <a:defRPr sz="1400" b="0" i="0" kern="1200">
+                <a:solidFill>
+                  <a:schemeClr val="tx1"/>
+                </a:solidFill>
+                <a:latin typeface="+mj-lt"/>
+                <a:ea typeface="+mj-ea"/>
+                <a:cs typeface="+mj-cs"/>
+              </a:defRPr>
+            </a:lvl8pPr>
+            <a:lvl9pPr marL="3886200" indent="-228600" algn="l" defTabSz="457200" rtl="0" eaLnBrk="1" latinLnBrk="0" hangingPunct="1">
+              <a:spcBef>
+                <a:spcPts val="1000"/>
+              </a:spcBef>
+              <a:spcAft>
+                <a:spcPts val="0"/>
+              </a:spcAft>
+              <a:buClr>
+                <a:schemeClr val="bg2">
+                  <a:lumMod val="40000"/>
+                  <a:lumOff val="60000"/>
+                </a:schemeClr>
+              </a:buClr>
+              <a:buSzPct val="80000"/>
+              <a:buFont typeface="Wingdings 3" charset="2"/>
+              <a:buChar char=""/>
+              <a:defRPr sz="1400" b="0" i="0" kern="1200">
+                <a:solidFill>
+                  <a:schemeClr val="tx1"/>
+                </a:solidFill>
+                <a:latin typeface="+mj-lt"/>
+                <a:ea typeface="+mj-ea"/>
+                <a:cs typeface="+mj-cs"/>
+              </a:defRPr>
+            </a:lvl9pPr>
+          </a:lstStyle>
+          <a:p>
+            <a:pPr marL="0" indent="0">
+              <a:buFont typeface="Wingdings 3" charset="2"/>
+              <a:buNone/>
+            </a:pPr>
             <a:r>
               <a:rPr lang="pt-BR" dirty="0"/>
-              <a:t>Reescrevendo serial e realizando testes de </a:t>
-            </a:r>
+              <a:t>Status LED1</a:t>
+            </a:r>
+          </a:p>
+          <a:p>
+            <a:endParaRPr lang="pt-BR" dirty="0"/>
+          </a:p>
+        </p:txBody>
+      </p:sp>
+      <p:sp>
+        <p:nvSpPr>
+          <p:cNvPr id="16" name="Espaço Reservado para Conteúdo 2">
+            <a:extLst>
+              <a:ext uri="{FF2B5EF4-FFF2-40B4-BE49-F238E27FC236}">
+                <a16:creationId xmlns:a16="http://schemas.microsoft.com/office/drawing/2014/main" id="{8EEF1ACF-08F3-8527-A573-C5FC1427B002}"/>
+              </a:ext>
+            </a:extLst>
+          </p:cNvPr>
+          <p:cNvSpPr txBox="1">
+            <a:spLocks/>
+          </p:cNvSpPr>
+          <p:nvPr/>
+        </p:nvSpPr>
+        <p:spPr>
+          <a:xfrm>
+            <a:off x="2552285" y="2833947"/>
+            <a:ext cx="1766498" cy="469399"/>
+          </a:xfrm>
+          <a:prstGeom prst="rect">
+            <a:avLst/>
+          </a:prstGeom>
+        </p:spPr>
+        <p:txBody>
+          <a:bodyPr vert="horz" lIns="91440" tIns="45720" rIns="91440" bIns="45720" rtlCol="0">
+            <a:normAutofit/>
+          </a:bodyPr>
+          <a:lstStyle>
+            <a:lvl1pPr marL="342900" indent="-342900" algn="l" defTabSz="457200" rtl="0" eaLnBrk="1" latinLnBrk="0" hangingPunct="1">
+              <a:spcBef>
+                <a:spcPts val="1000"/>
+              </a:spcBef>
+              <a:spcAft>
+                <a:spcPts val="0"/>
+              </a:spcAft>
+              <a:buClr>
+                <a:schemeClr val="bg2">
+                  <a:lumMod val="40000"/>
+                  <a:lumOff val="60000"/>
+                </a:schemeClr>
+              </a:buClr>
+              <a:buSzPct val="80000"/>
+              <a:buFont typeface="Wingdings 3" charset="2"/>
+              <a:buChar char=""/>
+              <a:defRPr sz="2000" b="0" i="0" kern="1200">
+                <a:solidFill>
+                  <a:schemeClr val="tx1"/>
+                </a:solidFill>
+                <a:latin typeface="+mj-lt"/>
+                <a:ea typeface="+mj-ea"/>
+                <a:cs typeface="+mj-cs"/>
+              </a:defRPr>
+            </a:lvl1pPr>
+            <a:lvl2pPr marL="742950" indent="-285750" algn="l" defTabSz="457200" rtl="0" eaLnBrk="1" latinLnBrk="0" hangingPunct="1">
+              <a:spcBef>
+                <a:spcPts val="1000"/>
+              </a:spcBef>
+              <a:spcAft>
+                <a:spcPts val="0"/>
+              </a:spcAft>
+              <a:buClr>
+                <a:schemeClr val="bg2">
+                  <a:lumMod val="40000"/>
+                  <a:lumOff val="60000"/>
+                </a:schemeClr>
+              </a:buClr>
+              <a:buSzPct val="80000"/>
+              <a:buFont typeface="Wingdings 3" charset="2"/>
+              <a:buChar char=""/>
+              <a:defRPr sz="1800" b="0" i="0" kern="1200">
+                <a:solidFill>
+                  <a:schemeClr val="tx1"/>
+                </a:solidFill>
+                <a:latin typeface="+mj-lt"/>
+                <a:ea typeface="+mj-ea"/>
+                <a:cs typeface="+mj-cs"/>
+              </a:defRPr>
+            </a:lvl2pPr>
+            <a:lvl3pPr marL="1143000" indent="-228600" algn="l" defTabSz="457200" rtl="0" eaLnBrk="1" latinLnBrk="0" hangingPunct="1">
+              <a:spcBef>
+                <a:spcPts val="1000"/>
+              </a:spcBef>
+              <a:spcAft>
+                <a:spcPts val="0"/>
+              </a:spcAft>
+              <a:buClr>
+                <a:schemeClr val="bg2">
+                  <a:lumMod val="40000"/>
+                  <a:lumOff val="60000"/>
+                </a:schemeClr>
+              </a:buClr>
+              <a:buSzPct val="80000"/>
+              <a:buFont typeface="Wingdings 3" charset="2"/>
+              <a:buChar char=""/>
+              <a:defRPr sz="1600" b="0" i="0" kern="1200">
+                <a:solidFill>
+                  <a:schemeClr val="tx1"/>
+                </a:solidFill>
+                <a:latin typeface="+mj-lt"/>
+                <a:ea typeface="+mj-ea"/>
+                <a:cs typeface="+mj-cs"/>
+              </a:defRPr>
+            </a:lvl3pPr>
+            <a:lvl4pPr marL="1600200" indent="-228600" algn="l" defTabSz="457200" rtl="0" eaLnBrk="1" latinLnBrk="0" hangingPunct="1">
+              <a:spcBef>
+                <a:spcPts val="1000"/>
+              </a:spcBef>
+              <a:spcAft>
+                <a:spcPts val="0"/>
+              </a:spcAft>
+              <a:buClr>
+                <a:schemeClr val="bg2">
+                  <a:lumMod val="40000"/>
+                  <a:lumOff val="60000"/>
+                </a:schemeClr>
+              </a:buClr>
+              <a:buSzPct val="80000"/>
+              <a:buFont typeface="Wingdings 3" charset="2"/>
+              <a:buChar char=""/>
+              <a:defRPr sz="1400" b="0" i="0" kern="1200">
+                <a:solidFill>
+                  <a:schemeClr val="tx1"/>
+                </a:solidFill>
+                <a:latin typeface="+mj-lt"/>
+                <a:ea typeface="+mj-ea"/>
+                <a:cs typeface="+mj-cs"/>
+              </a:defRPr>
+            </a:lvl4pPr>
+            <a:lvl5pPr marL="2057400" indent="-228600" algn="l" defTabSz="457200" rtl="0" eaLnBrk="1" latinLnBrk="0" hangingPunct="1">
+              <a:spcBef>
+                <a:spcPts val="1000"/>
+              </a:spcBef>
+              <a:spcAft>
+                <a:spcPts val="0"/>
+              </a:spcAft>
+              <a:buClr>
+                <a:schemeClr val="bg2">
+                  <a:lumMod val="40000"/>
+                  <a:lumOff val="60000"/>
+                </a:schemeClr>
+              </a:buClr>
+              <a:buSzPct val="80000"/>
+              <a:buFont typeface="Wingdings 3" charset="2"/>
+              <a:buChar char=""/>
+              <a:defRPr sz="1400" b="0" i="0" kern="1200">
+                <a:solidFill>
+                  <a:schemeClr val="tx1"/>
+                </a:solidFill>
+                <a:latin typeface="+mj-lt"/>
+                <a:ea typeface="+mj-ea"/>
+                <a:cs typeface="+mj-cs"/>
+              </a:defRPr>
+            </a:lvl5pPr>
+            <a:lvl6pPr marL="2506000" indent="-228600" algn="l" defTabSz="457200" rtl="0" eaLnBrk="1" latinLnBrk="0" hangingPunct="1">
+              <a:spcBef>
+                <a:spcPts val="1000"/>
+              </a:spcBef>
+              <a:spcAft>
+                <a:spcPts val="0"/>
+              </a:spcAft>
+              <a:buClr>
+                <a:schemeClr val="bg2">
+                  <a:lumMod val="40000"/>
+                  <a:lumOff val="60000"/>
+                </a:schemeClr>
+              </a:buClr>
+              <a:buSzPct val="80000"/>
+              <a:buFont typeface="Wingdings 3" charset="2"/>
+              <a:buChar char=""/>
+              <a:defRPr sz="1400" b="0" i="0" kern="1200">
+                <a:solidFill>
+                  <a:schemeClr val="tx1"/>
+                </a:solidFill>
+                <a:latin typeface="+mj-lt"/>
+                <a:ea typeface="+mj-ea"/>
+                <a:cs typeface="+mj-cs"/>
+              </a:defRPr>
+            </a:lvl6pPr>
+            <a:lvl7pPr marL="2971800" indent="-228600" algn="l" defTabSz="457200" rtl="0" eaLnBrk="1" latinLnBrk="0" hangingPunct="1">
+              <a:spcBef>
+                <a:spcPts val="1000"/>
+              </a:spcBef>
+              <a:spcAft>
+                <a:spcPts val="0"/>
+              </a:spcAft>
+              <a:buClr>
+                <a:schemeClr val="bg2">
+                  <a:lumMod val="40000"/>
+                  <a:lumOff val="60000"/>
+                </a:schemeClr>
+              </a:buClr>
+              <a:buSzPct val="80000"/>
+              <a:buFont typeface="Wingdings 3" charset="2"/>
+              <a:buChar char=""/>
+              <a:defRPr sz="1400" b="0" i="0" kern="1200">
+                <a:solidFill>
+                  <a:schemeClr val="tx1"/>
+                </a:solidFill>
+                <a:latin typeface="+mj-lt"/>
+                <a:ea typeface="+mj-ea"/>
+                <a:cs typeface="+mj-cs"/>
+              </a:defRPr>
+            </a:lvl7pPr>
+            <a:lvl8pPr marL="3429000" indent="-228600" algn="l" defTabSz="457200" rtl="0" eaLnBrk="1" latinLnBrk="0" hangingPunct="1">
+              <a:spcBef>
+                <a:spcPts val="1000"/>
+              </a:spcBef>
+              <a:spcAft>
+                <a:spcPts val="0"/>
+              </a:spcAft>
+              <a:buClr>
+                <a:schemeClr val="bg2">
+                  <a:lumMod val="40000"/>
+                  <a:lumOff val="60000"/>
+                </a:schemeClr>
+              </a:buClr>
+              <a:buSzPct val="80000"/>
+              <a:buFont typeface="Wingdings 3" charset="2"/>
+              <a:buChar char=""/>
+              <a:defRPr sz="1400" b="0" i="0" kern="1200">
+                <a:solidFill>
+                  <a:schemeClr val="tx1"/>
+                </a:solidFill>
+                <a:latin typeface="+mj-lt"/>
+                <a:ea typeface="+mj-ea"/>
+                <a:cs typeface="+mj-cs"/>
+              </a:defRPr>
+            </a:lvl8pPr>
+            <a:lvl9pPr marL="3886200" indent="-228600" algn="l" defTabSz="457200" rtl="0" eaLnBrk="1" latinLnBrk="0" hangingPunct="1">
+              <a:spcBef>
+                <a:spcPts val="1000"/>
+              </a:spcBef>
+              <a:spcAft>
+                <a:spcPts val="0"/>
+              </a:spcAft>
+              <a:buClr>
+                <a:schemeClr val="bg2">
+                  <a:lumMod val="40000"/>
+                  <a:lumOff val="60000"/>
+                </a:schemeClr>
+              </a:buClr>
+              <a:buSzPct val="80000"/>
+              <a:buFont typeface="Wingdings 3" charset="2"/>
+              <a:buChar char=""/>
+              <a:defRPr sz="1400" b="0" i="0" kern="1200">
+                <a:solidFill>
+                  <a:schemeClr val="tx1"/>
+                </a:solidFill>
+                <a:latin typeface="+mj-lt"/>
+                <a:ea typeface="+mj-ea"/>
+                <a:cs typeface="+mj-cs"/>
+              </a:defRPr>
+            </a:lvl9pPr>
+          </a:lstStyle>
+          <a:p>
+            <a:pPr marL="0" indent="0">
+              <a:buFont typeface="Wingdings 3" charset="2"/>
+              <a:buNone/>
+            </a:pPr>
+            <a:r>
+              <a:rPr lang="pt-BR" dirty="0"/>
+              <a:t>Status LED2</a:t>
+            </a:r>
+          </a:p>
+          <a:p>
+            <a:endParaRPr lang="pt-BR" dirty="0"/>
+          </a:p>
+        </p:txBody>
+      </p:sp>
+      <p:sp>
+        <p:nvSpPr>
+          <p:cNvPr id="17" name="Espaço Reservado para Conteúdo 2">
+            <a:extLst>
+              <a:ext uri="{FF2B5EF4-FFF2-40B4-BE49-F238E27FC236}">
+                <a16:creationId xmlns:a16="http://schemas.microsoft.com/office/drawing/2014/main" id="{A2D7D995-BB1E-754E-3B3D-89B9DD3BDBA4}"/>
+              </a:ext>
+            </a:extLst>
+          </p:cNvPr>
+          <p:cNvSpPr txBox="1">
+            <a:spLocks/>
+          </p:cNvSpPr>
+          <p:nvPr/>
+        </p:nvSpPr>
+        <p:spPr>
+          <a:xfrm>
+            <a:off x="3001704" y="3661800"/>
+            <a:ext cx="1203789" cy="469399"/>
+          </a:xfrm>
+          <a:prstGeom prst="rect">
+            <a:avLst/>
+          </a:prstGeom>
+        </p:spPr>
+        <p:txBody>
+          <a:bodyPr vert="horz" lIns="91440" tIns="45720" rIns="91440" bIns="45720" rtlCol="0">
+            <a:normAutofit/>
+          </a:bodyPr>
+          <a:lstStyle>
+            <a:lvl1pPr marL="342900" indent="-342900" algn="l" defTabSz="457200" rtl="0" eaLnBrk="1" latinLnBrk="0" hangingPunct="1">
+              <a:spcBef>
+                <a:spcPts val="1000"/>
+              </a:spcBef>
+              <a:spcAft>
+                <a:spcPts val="0"/>
+              </a:spcAft>
+              <a:buClr>
+                <a:schemeClr val="bg2">
+                  <a:lumMod val="40000"/>
+                  <a:lumOff val="60000"/>
+                </a:schemeClr>
+              </a:buClr>
+              <a:buSzPct val="80000"/>
+              <a:buFont typeface="Wingdings 3" charset="2"/>
+              <a:buChar char=""/>
+              <a:defRPr sz="2000" b="0" i="0" kern="1200">
+                <a:solidFill>
+                  <a:schemeClr val="tx1"/>
+                </a:solidFill>
+                <a:latin typeface="+mj-lt"/>
+                <a:ea typeface="+mj-ea"/>
+                <a:cs typeface="+mj-cs"/>
+              </a:defRPr>
+            </a:lvl1pPr>
+            <a:lvl2pPr marL="742950" indent="-285750" algn="l" defTabSz="457200" rtl="0" eaLnBrk="1" latinLnBrk="0" hangingPunct="1">
+              <a:spcBef>
+                <a:spcPts val="1000"/>
+              </a:spcBef>
+              <a:spcAft>
+                <a:spcPts val="0"/>
+              </a:spcAft>
+              <a:buClr>
+                <a:schemeClr val="bg2">
+                  <a:lumMod val="40000"/>
+                  <a:lumOff val="60000"/>
+                </a:schemeClr>
+              </a:buClr>
+              <a:buSzPct val="80000"/>
+              <a:buFont typeface="Wingdings 3" charset="2"/>
+              <a:buChar char=""/>
+              <a:defRPr sz="1800" b="0" i="0" kern="1200">
+                <a:solidFill>
+                  <a:schemeClr val="tx1"/>
+                </a:solidFill>
+                <a:latin typeface="+mj-lt"/>
+                <a:ea typeface="+mj-ea"/>
+                <a:cs typeface="+mj-cs"/>
+              </a:defRPr>
+            </a:lvl2pPr>
+            <a:lvl3pPr marL="1143000" indent="-228600" algn="l" defTabSz="457200" rtl="0" eaLnBrk="1" latinLnBrk="0" hangingPunct="1">
+              <a:spcBef>
+                <a:spcPts val="1000"/>
+              </a:spcBef>
+              <a:spcAft>
+                <a:spcPts val="0"/>
+              </a:spcAft>
+              <a:buClr>
+                <a:schemeClr val="bg2">
+                  <a:lumMod val="40000"/>
+                  <a:lumOff val="60000"/>
+                </a:schemeClr>
+              </a:buClr>
+              <a:buSzPct val="80000"/>
+              <a:buFont typeface="Wingdings 3" charset="2"/>
+              <a:buChar char=""/>
+              <a:defRPr sz="1600" b="0" i="0" kern="1200">
+                <a:solidFill>
+                  <a:schemeClr val="tx1"/>
+                </a:solidFill>
+                <a:latin typeface="+mj-lt"/>
+                <a:ea typeface="+mj-ea"/>
+                <a:cs typeface="+mj-cs"/>
+              </a:defRPr>
+            </a:lvl3pPr>
+            <a:lvl4pPr marL="1600200" indent="-228600" algn="l" defTabSz="457200" rtl="0" eaLnBrk="1" latinLnBrk="0" hangingPunct="1">
+              <a:spcBef>
+                <a:spcPts val="1000"/>
+              </a:spcBef>
+              <a:spcAft>
+                <a:spcPts val="0"/>
+              </a:spcAft>
+              <a:buClr>
+                <a:schemeClr val="bg2">
+                  <a:lumMod val="40000"/>
+                  <a:lumOff val="60000"/>
+                </a:schemeClr>
+              </a:buClr>
+              <a:buSzPct val="80000"/>
+              <a:buFont typeface="Wingdings 3" charset="2"/>
+              <a:buChar char=""/>
+              <a:defRPr sz="1400" b="0" i="0" kern="1200">
+                <a:solidFill>
+                  <a:schemeClr val="tx1"/>
+                </a:solidFill>
+                <a:latin typeface="+mj-lt"/>
+                <a:ea typeface="+mj-ea"/>
+                <a:cs typeface="+mj-cs"/>
+              </a:defRPr>
+            </a:lvl4pPr>
+            <a:lvl5pPr marL="2057400" indent="-228600" algn="l" defTabSz="457200" rtl="0" eaLnBrk="1" latinLnBrk="0" hangingPunct="1">
+              <a:spcBef>
+                <a:spcPts val="1000"/>
+              </a:spcBef>
+              <a:spcAft>
+                <a:spcPts val="0"/>
+              </a:spcAft>
+              <a:buClr>
+                <a:schemeClr val="bg2">
+                  <a:lumMod val="40000"/>
+                  <a:lumOff val="60000"/>
+                </a:schemeClr>
+              </a:buClr>
+              <a:buSzPct val="80000"/>
+              <a:buFont typeface="Wingdings 3" charset="2"/>
+              <a:buChar char=""/>
+              <a:defRPr sz="1400" b="0" i="0" kern="1200">
+                <a:solidFill>
+                  <a:schemeClr val="tx1"/>
+                </a:solidFill>
+                <a:latin typeface="+mj-lt"/>
+                <a:ea typeface="+mj-ea"/>
+                <a:cs typeface="+mj-cs"/>
+              </a:defRPr>
+            </a:lvl5pPr>
+            <a:lvl6pPr marL="2506000" indent="-228600" algn="l" defTabSz="457200" rtl="0" eaLnBrk="1" latinLnBrk="0" hangingPunct="1">
+              <a:spcBef>
+                <a:spcPts val="1000"/>
+              </a:spcBef>
+              <a:spcAft>
+                <a:spcPts val="0"/>
+              </a:spcAft>
+              <a:buClr>
+                <a:schemeClr val="bg2">
+                  <a:lumMod val="40000"/>
+                  <a:lumOff val="60000"/>
+                </a:schemeClr>
+              </a:buClr>
+              <a:buSzPct val="80000"/>
+              <a:buFont typeface="Wingdings 3" charset="2"/>
+              <a:buChar char=""/>
+              <a:defRPr sz="1400" b="0" i="0" kern="1200">
+                <a:solidFill>
+                  <a:schemeClr val="tx1"/>
+                </a:solidFill>
+                <a:latin typeface="+mj-lt"/>
+                <a:ea typeface="+mj-ea"/>
+                <a:cs typeface="+mj-cs"/>
+              </a:defRPr>
+            </a:lvl6pPr>
+            <a:lvl7pPr marL="2971800" indent="-228600" algn="l" defTabSz="457200" rtl="0" eaLnBrk="1" latinLnBrk="0" hangingPunct="1">
+              <a:spcBef>
+                <a:spcPts val="1000"/>
+              </a:spcBef>
+              <a:spcAft>
+                <a:spcPts val="0"/>
+              </a:spcAft>
+              <a:buClr>
+                <a:schemeClr val="bg2">
+                  <a:lumMod val="40000"/>
+                  <a:lumOff val="60000"/>
+                </a:schemeClr>
+              </a:buClr>
+              <a:buSzPct val="80000"/>
+              <a:buFont typeface="Wingdings 3" charset="2"/>
+              <a:buChar char=""/>
+              <a:defRPr sz="1400" b="0" i="0" kern="1200">
+                <a:solidFill>
+                  <a:schemeClr val="tx1"/>
+                </a:solidFill>
+                <a:latin typeface="+mj-lt"/>
+                <a:ea typeface="+mj-ea"/>
+                <a:cs typeface="+mj-cs"/>
+              </a:defRPr>
+            </a:lvl7pPr>
+            <a:lvl8pPr marL="3429000" indent="-228600" algn="l" defTabSz="457200" rtl="0" eaLnBrk="1" latinLnBrk="0" hangingPunct="1">
+              <a:spcBef>
+                <a:spcPts val="1000"/>
+              </a:spcBef>
+              <a:spcAft>
+                <a:spcPts val="0"/>
+              </a:spcAft>
+              <a:buClr>
+                <a:schemeClr val="bg2">
+                  <a:lumMod val="40000"/>
+                  <a:lumOff val="60000"/>
+                </a:schemeClr>
+              </a:buClr>
+              <a:buSzPct val="80000"/>
+              <a:buFont typeface="Wingdings 3" charset="2"/>
+              <a:buChar char=""/>
+              <a:defRPr sz="1400" b="0" i="0" kern="1200">
+                <a:solidFill>
+                  <a:schemeClr val="tx1"/>
+                </a:solidFill>
+                <a:latin typeface="+mj-lt"/>
+                <a:ea typeface="+mj-ea"/>
+                <a:cs typeface="+mj-cs"/>
+              </a:defRPr>
+            </a:lvl8pPr>
+            <a:lvl9pPr marL="3886200" indent="-228600" algn="l" defTabSz="457200" rtl="0" eaLnBrk="1" latinLnBrk="0" hangingPunct="1">
+              <a:spcBef>
+                <a:spcPts val="1000"/>
+              </a:spcBef>
+              <a:spcAft>
+                <a:spcPts val="0"/>
+              </a:spcAft>
+              <a:buClr>
+                <a:schemeClr val="bg2">
+                  <a:lumMod val="40000"/>
+                  <a:lumOff val="60000"/>
+                </a:schemeClr>
+              </a:buClr>
+              <a:buSzPct val="80000"/>
+              <a:buFont typeface="Wingdings 3" charset="2"/>
+              <a:buChar char=""/>
+              <a:defRPr sz="1400" b="0" i="0" kern="1200">
+                <a:solidFill>
+                  <a:schemeClr val="tx1"/>
+                </a:solidFill>
+                <a:latin typeface="+mj-lt"/>
+                <a:ea typeface="+mj-ea"/>
+                <a:cs typeface="+mj-cs"/>
+              </a:defRPr>
+            </a:lvl9pPr>
+          </a:lstStyle>
+          <a:p>
+            <a:pPr marL="0" indent="0">
+              <a:buFont typeface="Wingdings 3" charset="2"/>
+              <a:buNone/>
+            </a:pPr>
+            <a:r>
+              <a:rPr lang="pt-BR" dirty="0"/>
+              <a:t>Botão 1</a:t>
+            </a:r>
+          </a:p>
+          <a:p>
+            <a:endParaRPr lang="pt-BR" dirty="0"/>
+          </a:p>
+        </p:txBody>
+      </p:sp>
+      <p:sp>
+        <p:nvSpPr>
+          <p:cNvPr id="18" name="Espaço Reservado para Conteúdo 2">
+            <a:extLst>
+              <a:ext uri="{FF2B5EF4-FFF2-40B4-BE49-F238E27FC236}">
+                <a16:creationId xmlns:a16="http://schemas.microsoft.com/office/drawing/2014/main" id="{F28E4E09-52F6-76CA-A527-2F091697F16B}"/>
+              </a:ext>
+            </a:extLst>
+          </p:cNvPr>
+          <p:cNvSpPr txBox="1">
+            <a:spLocks/>
+          </p:cNvSpPr>
+          <p:nvPr/>
+        </p:nvSpPr>
+        <p:spPr>
+          <a:xfrm>
+            <a:off x="2691989" y="1094908"/>
+            <a:ext cx="1766498" cy="469399"/>
+          </a:xfrm>
+          <a:prstGeom prst="rect">
+            <a:avLst/>
+          </a:prstGeom>
+        </p:spPr>
+        <p:txBody>
+          <a:bodyPr vert="horz" lIns="91440" tIns="45720" rIns="91440" bIns="45720" rtlCol="0">
+            <a:normAutofit/>
+          </a:bodyPr>
+          <a:lstStyle>
+            <a:lvl1pPr marL="342900" indent="-342900" algn="l" defTabSz="457200" rtl="0" eaLnBrk="1" latinLnBrk="0" hangingPunct="1">
+              <a:spcBef>
+                <a:spcPts val="1000"/>
+              </a:spcBef>
+              <a:spcAft>
+                <a:spcPts val="0"/>
+              </a:spcAft>
+              <a:buClr>
+                <a:schemeClr val="bg2">
+                  <a:lumMod val="40000"/>
+                  <a:lumOff val="60000"/>
+                </a:schemeClr>
+              </a:buClr>
+              <a:buSzPct val="80000"/>
+              <a:buFont typeface="Wingdings 3" charset="2"/>
+              <a:buChar char=""/>
+              <a:defRPr sz="2000" b="0" i="0" kern="1200">
+                <a:solidFill>
+                  <a:schemeClr val="tx1"/>
+                </a:solidFill>
+                <a:latin typeface="+mj-lt"/>
+                <a:ea typeface="+mj-ea"/>
+                <a:cs typeface="+mj-cs"/>
+              </a:defRPr>
+            </a:lvl1pPr>
+            <a:lvl2pPr marL="742950" indent="-285750" algn="l" defTabSz="457200" rtl="0" eaLnBrk="1" latinLnBrk="0" hangingPunct="1">
+              <a:spcBef>
+                <a:spcPts val="1000"/>
+              </a:spcBef>
+              <a:spcAft>
+                <a:spcPts val="0"/>
+              </a:spcAft>
+              <a:buClr>
+                <a:schemeClr val="bg2">
+                  <a:lumMod val="40000"/>
+                  <a:lumOff val="60000"/>
+                </a:schemeClr>
+              </a:buClr>
+              <a:buSzPct val="80000"/>
+              <a:buFont typeface="Wingdings 3" charset="2"/>
+              <a:buChar char=""/>
+              <a:defRPr sz="1800" b="0" i="0" kern="1200">
+                <a:solidFill>
+                  <a:schemeClr val="tx1"/>
+                </a:solidFill>
+                <a:latin typeface="+mj-lt"/>
+                <a:ea typeface="+mj-ea"/>
+                <a:cs typeface="+mj-cs"/>
+              </a:defRPr>
+            </a:lvl2pPr>
+            <a:lvl3pPr marL="1143000" indent="-228600" algn="l" defTabSz="457200" rtl="0" eaLnBrk="1" latinLnBrk="0" hangingPunct="1">
+              <a:spcBef>
+                <a:spcPts val="1000"/>
+              </a:spcBef>
+              <a:spcAft>
+                <a:spcPts val="0"/>
+              </a:spcAft>
+              <a:buClr>
+                <a:schemeClr val="bg2">
+                  <a:lumMod val="40000"/>
+                  <a:lumOff val="60000"/>
+                </a:schemeClr>
+              </a:buClr>
+              <a:buSzPct val="80000"/>
+              <a:buFont typeface="Wingdings 3" charset="2"/>
+              <a:buChar char=""/>
+              <a:defRPr sz="1600" b="0" i="0" kern="1200">
+                <a:solidFill>
+                  <a:schemeClr val="tx1"/>
+                </a:solidFill>
+                <a:latin typeface="+mj-lt"/>
+                <a:ea typeface="+mj-ea"/>
+                <a:cs typeface="+mj-cs"/>
+              </a:defRPr>
+            </a:lvl3pPr>
+            <a:lvl4pPr marL="1600200" indent="-228600" algn="l" defTabSz="457200" rtl="0" eaLnBrk="1" latinLnBrk="0" hangingPunct="1">
+              <a:spcBef>
+                <a:spcPts val="1000"/>
+              </a:spcBef>
+              <a:spcAft>
+                <a:spcPts val="0"/>
+              </a:spcAft>
+              <a:buClr>
+                <a:schemeClr val="bg2">
+                  <a:lumMod val="40000"/>
+                  <a:lumOff val="60000"/>
+                </a:schemeClr>
+              </a:buClr>
+              <a:buSzPct val="80000"/>
+              <a:buFont typeface="Wingdings 3" charset="2"/>
+              <a:buChar char=""/>
+              <a:defRPr sz="1400" b="0" i="0" kern="1200">
+                <a:solidFill>
+                  <a:schemeClr val="tx1"/>
+                </a:solidFill>
+                <a:latin typeface="+mj-lt"/>
+                <a:ea typeface="+mj-ea"/>
+                <a:cs typeface="+mj-cs"/>
+              </a:defRPr>
+            </a:lvl4pPr>
+            <a:lvl5pPr marL="2057400" indent="-228600" algn="l" defTabSz="457200" rtl="0" eaLnBrk="1" latinLnBrk="0" hangingPunct="1">
+              <a:spcBef>
+                <a:spcPts val="1000"/>
+              </a:spcBef>
+              <a:spcAft>
+                <a:spcPts val="0"/>
+              </a:spcAft>
+              <a:buClr>
+                <a:schemeClr val="bg2">
+                  <a:lumMod val="40000"/>
+                  <a:lumOff val="60000"/>
+                </a:schemeClr>
+              </a:buClr>
+              <a:buSzPct val="80000"/>
+              <a:buFont typeface="Wingdings 3" charset="2"/>
+              <a:buChar char=""/>
+              <a:defRPr sz="1400" b="0" i="0" kern="1200">
+                <a:solidFill>
+                  <a:schemeClr val="tx1"/>
+                </a:solidFill>
+                <a:latin typeface="+mj-lt"/>
+                <a:ea typeface="+mj-ea"/>
+                <a:cs typeface="+mj-cs"/>
+              </a:defRPr>
+            </a:lvl5pPr>
+            <a:lvl6pPr marL="2506000" indent="-228600" algn="l" defTabSz="457200" rtl="0" eaLnBrk="1" latinLnBrk="0" hangingPunct="1">
+              <a:spcBef>
+                <a:spcPts val="1000"/>
+              </a:spcBef>
+              <a:spcAft>
+                <a:spcPts val="0"/>
+              </a:spcAft>
+              <a:buClr>
+                <a:schemeClr val="bg2">
+                  <a:lumMod val="40000"/>
+                  <a:lumOff val="60000"/>
+                </a:schemeClr>
+              </a:buClr>
+              <a:buSzPct val="80000"/>
+              <a:buFont typeface="Wingdings 3" charset="2"/>
+              <a:buChar char=""/>
+              <a:defRPr sz="1400" b="0" i="0" kern="1200">
+                <a:solidFill>
+                  <a:schemeClr val="tx1"/>
+                </a:solidFill>
+                <a:latin typeface="+mj-lt"/>
+                <a:ea typeface="+mj-ea"/>
+                <a:cs typeface="+mj-cs"/>
+              </a:defRPr>
+            </a:lvl6pPr>
+            <a:lvl7pPr marL="2971800" indent="-228600" algn="l" defTabSz="457200" rtl="0" eaLnBrk="1" latinLnBrk="0" hangingPunct="1">
+              <a:spcBef>
+                <a:spcPts val="1000"/>
+              </a:spcBef>
+              <a:spcAft>
+                <a:spcPts val="0"/>
+              </a:spcAft>
+              <a:buClr>
+                <a:schemeClr val="bg2">
+                  <a:lumMod val="40000"/>
+                  <a:lumOff val="60000"/>
+                </a:schemeClr>
+              </a:buClr>
+              <a:buSzPct val="80000"/>
+              <a:buFont typeface="Wingdings 3" charset="2"/>
+              <a:buChar char=""/>
+              <a:defRPr sz="1400" b="0" i="0" kern="1200">
+                <a:solidFill>
+                  <a:schemeClr val="tx1"/>
+                </a:solidFill>
+                <a:latin typeface="+mj-lt"/>
+                <a:ea typeface="+mj-ea"/>
+                <a:cs typeface="+mj-cs"/>
+              </a:defRPr>
+            </a:lvl7pPr>
+            <a:lvl8pPr marL="3429000" indent="-228600" algn="l" defTabSz="457200" rtl="0" eaLnBrk="1" latinLnBrk="0" hangingPunct="1">
+              <a:spcBef>
+                <a:spcPts val="1000"/>
+              </a:spcBef>
+              <a:spcAft>
+                <a:spcPts val="0"/>
+              </a:spcAft>
+              <a:buClr>
+                <a:schemeClr val="bg2">
+                  <a:lumMod val="40000"/>
+                  <a:lumOff val="60000"/>
+                </a:schemeClr>
+              </a:buClr>
+              <a:buSzPct val="80000"/>
+              <a:buFont typeface="Wingdings 3" charset="2"/>
+              <a:buChar char=""/>
+              <a:defRPr sz="1400" b="0" i="0" kern="1200">
+                <a:solidFill>
+                  <a:schemeClr val="tx1"/>
+                </a:solidFill>
+                <a:latin typeface="+mj-lt"/>
+                <a:ea typeface="+mj-ea"/>
+                <a:cs typeface="+mj-cs"/>
+              </a:defRPr>
+            </a:lvl8pPr>
+            <a:lvl9pPr marL="3886200" indent="-228600" algn="l" defTabSz="457200" rtl="0" eaLnBrk="1" latinLnBrk="0" hangingPunct="1">
+              <a:spcBef>
+                <a:spcPts val="1000"/>
+              </a:spcBef>
+              <a:spcAft>
+                <a:spcPts val="0"/>
+              </a:spcAft>
+              <a:buClr>
+                <a:schemeClr val="bg2">
+                  <a:lumMod val="40000"/>
+                  <a:lumOff val="60000"/>
+                </a:schemeClr>
+              </a:buClr>
+              <a:buSzPct val="80000"/>
+              <a:buFont typeface="Wingdings 3" charset="2"/>
+              <a:buChar char=""/>
+              <a:defRPr sz="1400" b="0" i="0" kern="1200">
+                <a:solidFill>
+                  <a:schemeClr val="tx1"/>
+                </a:solidFill>
+                <a:latin typeface="+mj-lt"/>
+                <a:ea typeface="+mj-ea"/>
+                <a:cs typeface="+mj-cs"/>
+              </a:defRPr>
+            </a:lvl9pPr>
+          </a:lstStyle>
+          <a:p>
+            <a:pPr marL="0" indent="0">
+              <a:buFont typeface="Wingdings 3" charset="2"/>
+              <a:buNone/>
+            </a:pPr>
             <a:r>
               <a:rPr lang="pt-BR" dirty="0" err="1"/>
-              <a:t>handshake</a:t>
-            </a:r>
+              <a:t>Hardreset</a:t>
+            </a:r>
+            <a:endParaRPr lang="pt-BR" dirty="0"/>
+          </a:p>
+          <a:p>
+            <a:endParaRPr lang="pt-BR" dirty="0"/>
+          </a:p>
+        </p:txBody>
+      </p:sp>
+      <p:sp>
+        <p:nvSpPr>
+          <p:cNvPr id="19" name="Espaço Reservado para Conteúdo 2">
+            <a:extLst>
+              <a:ext uri="{FF2B5EF4-FFF2-40B4-BE49-F238E27FC236}">
+                <a16:creationId xmlns:a16="http://schemas.microsoft.com/office/drawing/2014/main" id="{4D7EFA35-AEF6-1C7C-B2A5-EDC00C7E2E39}"/>
+              </a:ext>
+            </a:extLst>
+          </p:cNvPr>
+          <p:cNvSpPr txBox="1">
+            <a:spLocks/>
+          </p:cNvSpPr>
+          <p:nvPr/>
+        </p:nvSpPr>
+        <p:spPr>
+          <a:xfrm>
+            <a:off x="8384745" y="1832101"/>
+            <a:ext cx="2999762" cy="410086"/>
+          </a:xfrm>
+          <a:prstGeom prst="rect">
+            <a:avLst/>
+          </a:prstGeom>
+        </p:spPr>
+        <p:txBody>
+          <a:bodyPr vert="horz" lIns="91440" tIns="45720" rIns="91440" bIns="45720" rtlCol="0">
+            <a:normAutofit/>
+          </a:bodyPr>
+          <a:lstStyle>
+            <a:lvl1pPr marL="342900" indent="-342900" algn="l" defTabSz="457200" rtl="0" eaLnBrk="1" latinLnBrk="0" hangingPunct="1">
+              <a:spcBef>
+                <a:spcPts val="1000"/>
+              </a:spcBef>
+              <a:spcAft>
+                <a:spcPts val="0"/>
+              </a:spcAft>
+              <a:buClr>
+                <a:schemeClr val="bg2">
+                  <a:lumMod val="40000"/>
+                  <a:lumOff val="60000"/>
+                </a:schemeClr>
+              </a:buClr>
+              <a:buSzPct val="80000"/>
+              <a:buFont typeface="Wingdings 3" charset="2"/>
+              <a:buChar char=""/>
+              <a:defRPr sz="2000" b="0" i="0" kern="1200">
+                <a:solidFill>
+                  <a:schemeClr val="tx1"/>
+                </a:solidFill>
+                <a:latin typeface="+mj-lt"/>
+                <a:ea typeface="+mj-ea"/>
+                <a:cs typeface="+mj-cs"/>
+              </a:defRPr>
+            </a:lvl1pPr>
+            <a:lvl2pPr marL="742950" indent="-285750" algn="l" defTabSz="457200" rtl="0" eaLnBrk="1" latinLnBrk="0" hangingPunct="1">
+              <a:spcBef>
+                <a:spcPts val="1000"/>
+              </a:spcBef>
+              <a:spcAft>
+                <a:spcPts val="0"/>
+              </a:spcAft>
+              <a:buClr>
+                <a:schemeClr val="bg2">
+                  <a:lumMod val="40000"/>
+                  <a:lumOff val="60000"/>
+                </a:schemeClr>
+              </a:buClr>
+              <a:buSzPct val="80000"/>
+              <a:buFont typeface="Wingdings 3" charset="2"/>
+              <a:buChar char=""/>
+              <a:defRPr sz="1800" b="0" i="0" kern="1200">
+                <a:solidFill>
+                  <a:schemeClr val="tx1"/>
+                </a:solidFill>
+                <a:latin typeface="+mj-lt"/>
+                <a:ea typeface="+mj-ea"/>
+                <a:cs typeface="+mj-cs"/>
+              </a:defRPr>
+            </a:lvl2pPr>
+            <a:lvl3pPr marL="1143000" indent="-228600" algn="l" defTabSz="457200" rtl="0" eaLnBrk="1" latinLnBrk="0" hangingPunct="1">
+              <a:spcBef>
+                <a:spcPts val="1000"/>
+              </a:spcBef>
+              <a:spcAft>
+                <a:spcPts val="0"/>
+              </a:spcAft>
+              <a:buClr>
+                <a:schemeClr val="bg2">
+                  <a:lumMod val="40000"/>
+                  <a:lumOff val="60000"/>
+                </a:schemeClr>
+              </a:buClr>
+              <a:buSzPct val="80000"/>
+              <a:buFont typeface="Wingdings 3" charset="2"/>
+              <a:buChar char=""/>
+              <a:defRPr sz="1600" b="0" i="0" kern="1200">
+                <a:solidFill>
+                  <a:schemeClr val="tx1"/>
+                </a:solidFill>
+                <a:latin typeface="+mj-lt"/>
+                <a:ea typeface="+mj-ea"/>
+                <a:cs typeface="+mj-cs"/>
+              </a:defRPr>
+            </a:lvl3pPr>
+            <a:lvl4pPr marL="1600200" indent="-228600" algn="l" defTabSz="457200" rtl="0" eaLnBrk="1" latinLnBrk="0" hangingPunct="1">
+              <a:spcBef>
+                <a:spcPts val="1000"/>
+              </a:spcBef>
+              <a:spcAft>
+                <a:spcPts val="0"/>
+              </a:spcAft>
+              <a:buClr>
+                <a:schemeClr val="bg2">
+                  <a:lumMod val="40000"/>
+                  <a:lumOff val="60000"/>
+                </a:schemeClr>
+              </a:buClr>
+              <a:buSzPct val="80000"/>
+              <a:buFont typeface="Wingdings 3" charset="2"/>
+              <a:buChar char=""/>
+              <a:defRPr sz="1400" b="0" i="0" kern="1200">
+                <a:solidFill>
+                  <a:schemeClr val="tx1"/>
+                </a:solidFill>
+                <a:latin typeface="+mj-lt"/>
+                <a:ea typeface="+mj-ea"/>
+                <a:cs typeface="+mj-cs"/>
+              </a:defRPr>
+            </a:lvl4pPr>
+            <a:lvl5pPr marL="2057400" indent="-228600" algn="l" defTabSz="457200" rtl="0" eaLnBrk="1" latinLnBrk="0" hangingPunct="1">
+              <a:spcBef>
+                <a:spcPts val="1000"/>
+              </a:spcBef>
+              <a:spcAft>
+                <a:spcPts val="0"/>
+              </a:spcAft>
+              <a:buClr>
+                <a:schemeClr val="bg2">
+                  <a:lumMod val="40000"/>
+                  <a:lumOff val="60000"/>
+                </a:schemeClr>
+              </a:buClr>
+              <a:buSzPct val="80000"/>
+              <a:buFont typeface="Wingdings 3" charset="2"/>
+              <a:buChar char=""/>
+              <a:defRPr sz="1400" b="0" i="0" kern="1200">
+                <a:solidFill>
+                  <a:schemeClr val="tx1"/>
+                </a:solidFill>
+                <a:latin typeface="+mj-lt"/>
+                <a:ea typeface="+mj-ea"/>
+                <a:cs typeface="+mj-cs"/>
+              </a:defRPr>
+            </a:lvl5pPr>
+            <a:lvl6pPr marL="2506000" indent="-228600" algn="l" defTabSz="457200" rtl="0" eaLnBrk="1" latinLnBrk="0" hangingPunct="1">
+              <a:spcBef>
+                <a:spcPts val="1000"/>
+              </a:spcBef>
+              <a:spcAft>
+                <a:spcPts val="0"/>
+              </a:spcAft>
+              <a:buClr>
+                <a:schemeClr val="bg2">
+                  <a:lumMod val="40000"/>
+                  <a:lumOff val="60000"/>
+                </a:schemeClr>
+              </a:buClr>
+              <a:buSzPct val="80000"/>
+              <a:buFont typeface="Wingdings 3" charset="2"/>
+              <a:buChar char=""/>
+              <a:defRPr sz="1400" b="0" i="0" kern="1200">
+                <a:solidFill>
+                  <a:schemeClr val="tx1"/>
+                </a:solidFill>
+                <a:latin typeface="+mj-lt"/>
+                <a:ea typeface="+mj-ea"/>
+                <a:cs typeface="+mj-cs"/>
+              </a:defRPr>
+            </a:lvl6pPr>
+            <a:lvl7pPr marL="2971800" indent="-228600" algn="l" defTabSz="457200" rtl="0" eaLnBrk="1" latinLnBrk="0" hangingPunct="1">
+              <a:spcBef>
+                <a:spcPts val="1000"/>
+              </a:spcBef>
+              <a:spcAft>
+                <a:spcPts val="0"/>
+              </a:spcAft>
+              <a:buClr>
+                <a:schemeClr val="bg2">
+                  <a:lumMod val="40000"/>
+                  <a:lumOff val="60000"/>
+                </a:schemeClr>
+              </a:buClr>
+              <a:buSzPct val="80000"/>
+              <a:buFont typeface="Wingdings 3" charset="2"/>
+              <a:buChar char=""/>
+              <a:defRPr sz="1400" b="0" i="0" kern="1200">
+                <a:solidFill>
+                  <a:schemeClr val="tx1"/>
+                </a:solidFill>
+                <a:latin typeface="+mj-lt"/>
+                <a:ea typeface="+mj-ea"/>
+                <a:cs typeface="+mj-cs"/>
+              </a:defRPr>
+            </a:lvl7pPr>
+            <a:lvl8pPr marL="3429000" indent="-228600" algn="l" defTabSz="457200" rtl="0" eaLnBrk="1" latinLnBrk="0" hangingPunct="1">
+              <a:spcBef>
+                <a:spcPts val="1000"/>
+              </a:spcBef>
+              <a:spcAft>
+                <a:spcPts val="0"/>
+              </a:spcAft>
+              <a:buClr>
+                <a:schemeClr val="bg2">
+                  <a:lumMod val="40000"/>
+                  <a:lumOff val="60000"/>
+                </a:schemeClr>
+              </a:buClr>
+              <a:buSzPct val="80000"/>
+              <a:buFont typeface="Wingdings 3" charset="2"/>
+              <a:buChar char=""/>
+              <a:defRPr sz="1400" b="0" i="0" kern="1200">
+                <a:solidFill>
+                  <a:schemeClr val="tx1"/>
+                </a:solidFill>
+                <a:latin typeface="+mj-lt"/>
+                <a:ea typeface="+mj-ea"/>
+                <a:cs typeface="+mj-cs"/>
+              </a:defRPr>
+            </a:lvl8pPr>
+            <a:lvl9pPr marL="3886200" indent="-228600" algn="l" defTabSz="457200" rtl="0" eaLnBrk="1" latinLnBrk="0" hangingPunct="1">
+              <a:spcBef>
+                <a:spcPts val="1000"/>
+              </a:spcBef>
+              <a:spcAft>
+                <a:spcPts val="0"/>
+              </a:spcAft>
+              <a:buClr>
+                <a:schemeClr val="bg2">
+                  <a:lumMod val="40000"/>
+                  <a:lumOff val="60000"/>
+                </a:schemeClr>
+              </a:buClr>
+              <a:buSzPct val="80000"/>
+              <a:buFont typeface="Wingdings 3" charset="2"/>
+              <a:buChar char=""/>
+              <a:defRPr sz="1400" b="0" i="0" kern="1200">
+                <a:solidFill>
+                  <a:schemeClr val="tx1"/>
+                </a:solidFill>
+                <a:latin typeface="+mj-lt"/>
+                <a:ea typeface="+mj-ea"/>
+                <a:cs typeface="+mj-cs"/>
+              </a:defRPr>
+            </a:lvl9pPr>
+          </a:lstStyle>
+          <a:p>
+            <a:pPr marL="0" indent="0">
+              <a:buFont typeface="Wingdings 3" charset="2"/>
+              <a:buNone/>
+            </a:pPr>
             <a:r>
               <a:rPr lang="pt-BR" dirty="0"/>
-              <a:t> e simulação de conversa</a:t>
-            </a:r>
-          </a:p>
-          <a:p>
+              <a:t>USB Serial</a:t>
+            </a:r>
+          </a:p>
+          <a:p>
+            <a:endParaRPr lang="pt-BR" dirty="0"/>
+          </a:p>
+        </p:txBody>
+      </p:sp>
+      <p:cxnSp>
+        <p:nvCxnSpPr>
+          <p:cNvPr id="20" name="Conector reto 19">
+            <a:extLst>
+              <a:ext uri="{FF2B5EF4-FFF2-40B4-BE49-F238E27FC236}">
+                <a16:creationId xmlns:a16="http://schemas.microsoft.com/office/drawing/2014/main" id="{4A2A8CDE-9462-97E1-BEE0-4A4BC5AF9FE7}"/>
+              </a:ext>
+            </a:extLst>
+          </p:cNvPr>
+          <p:cNvCxnSpPr>
+            <a:cxnSpLocks/>
+          </p:cNvCxnSpPr>
+          <p:nvPr/>
+        </p:nvCxnSpPr>
+        <p:spPr>
+          <a:xfrm flipH="1">
+            <a:off x="7667292" y="2185915"/>
+            <a:ext cx="703385" cy="0"/>
+          </a:xfrm>
+          <a:prstGeom prst="line">
+            <a:avLst/>
+          </a:prstGeom>
+          <a:ln w="114300">
+            <a:solidFill>
+              <a:srgbClr val="92D050"/>
+            </a:solidFill>
+          </a:ln>
+        </p:spPr>
+        <p:style>
+          <a:lnRef idx="1">
+            <a:schemeClr val="accent1"/>
+          </a:lnRef>
+          <a:fillRef idx="0">
+            <a:schemeClr val="accent1"/>
+          </a:fillRef>
+          <a:effectRef idx="0">
+            <a:schemeClr val="accent1"/>
+          </a:effectRef>
+          <a:fontRef idx="minor">
+            <a:schemeClr val="tx1"/>
+          </a:fontRef>
+        </p:style>
+      </p:cxnSp>
+      <p:cxnSp>
+        <p:nvCxnSpPr>
+          <p:cNvPr id="21" name="Conector reto 20">
+            <a:extLst>
+              <a:ext uri="{FF2B5EF4-FFF2-40B4-BE49-F238E27FC236}">
+                <a16:creationId xmlns:a16="http://schemas.microsoft.com/office/drawing/2014/main" id="{FCAEF7DF-37D7-AFCB-0728-DEFFB9F9DBC7}"/>
+              </a:ext>
+            </a:extLst>
+          </p:cNvPr>
+          <p:cNvCxnSpPr>
+            <a:cxnSpLocks/>
+          </p:cNvCxnSpPr>
+          <p:nvPr/>
+        </p:nvCxnSpPr>
+        <p:spPr>
+          <a:xfrm flipH="1">
+            <a:off x="7667292" y="1901044"/>
+            <a:ext cx="703385" cy="0"/>
+          </a:xfrm>
+          <a:prstGeom prst="line">
+            <a:avLst/>
+          </a:prstGeom>
+          <a:ln w="114300">
+            <a:solidFill>
+              <a:srgbClr val="92D050"/>
+            </a:solidFill>
+          </a:ln>
+        </p:spPr>
+        <p:style>
+          <a:lnRef idx="1">
+            <a:schemeClr val="accent1"/>
+          </a:lnRef>
+          <a:fillRef idx="0">
+            <a:schemeClr val="accent1"/>
+          </a:fillRef>
+          <a:effectRef idx="0">
+            <a:schemeClr val="accent1"/>
+          </a:effectRef>
+          <a:fontRef idx="minor">
+            <a:schemeClr val="tx1"/>
+          </a:fontRef>
+        </p:style>
+      </p:cxnSp>
+      <p:cxnSp>
+        <p:nvCxnSpPr>
+          <p:cNvPr id="22" name="Conector reto 21">
+            <a:extLst>
+              <a:ext uri="{FF2B5EF4-FFF2-40B4-BE49-F238E27FC236}">
+                <a16:creationId xmlns:a16="http://schemas.microsoft.com/office/drawing/2014/main" id="{1F66BD85-A71B-688D-207E-3FF927E6B541}"/>
+              </a:ext>
+            </a:extLst>
+          </p:cNvPr>
+          <p:cNvCxnSpPr>
+            <a:cxnSpLocks/>
+          </p:cNvCxnSpPr>
+          <p:nvPr/>
+        </p:nvCxnSpPr>
+        <p:spPr>
+          <a:xfrm flipH="1">
+            <a:off x="4106794" y="5005752"/>
+            <a:ext cx="703385" cy="0"/>
+          </a:xfrm>
+          <a:prstGeom prst="line">
+            <a:avLst/>
+          </a:prstGeom>
+          <a:ln w="114300">
+            <a:solidFill>
+              <a:schemeClr val="bg1">
+                <a:lumMod val="95000"/>
+                <a:lumOff val="5000"/>
+              </a:schemeClr>
+            </a:solidFill>
+          </a:ln>
+        </p:spPr>
+        <p:style>
+          <a:lnRef idx="1">
+            <a:schemeClr val="accent1"/>
+          </a:lnRef>
+          <a:fillRef idx="0">
+            <a:schemeClr val="accent1"/>
+          </a:fillRef>
+          <a:effectRef idx="0">
+            <a:schemeClr val="accent1"/>
+          </a:effectRef>
+          <a:fontRef idx="minor">
+            <a:schemeClr val="tx1"/>
+          </a:fontRef>
+        </p:style>
+      </p:cxnSp>
+      <p:cxnSp>
+        <p:nvCxnSpPr>
+          <p:cNvPr id="23" name="Conector reto 22">
+            <a:extLst>
+              <a:ext uri="{FF2B5EF4-FFF2-40B4-BE49-F238E27FC236}">
+                <a16:creationId xmlns:a16="http://schemas.microsoft.com/office/drawing/2014/main" id="{62AA97F6-DE15-A7F1-923F-6EEC8AA85ED5}"/>
+              </a:ext>
+            </a:extLst>
+          </p:cNvPr>
+          <p:cNvCxnSpPr>
+            <a:cxnSpLocks/>
+          </p:cNvCxnSpPr>
+          <p:nvPr/>
+        </p:nvCxnSpPr>
+        <p:spPr>
+          <a:xfrm flipH="1">
+            <a:off x="4106793" y="5312897"/>
+            <a:ext cx="703385" cy="0"/>
+          </a:xfrm>
+          <a:prstGeom prst="line">
+            <a:avLst/>
+          </a:prstGeom>
+          <a:ln w="114300">
+            <a:solidFill>
+              <a:schemeClr val="bg1">
+                <a:lumMod val="95000"/>
+                <a:lumOff val="5000"/>
+              </a:schemeClr>
+            </a:solidFill>
+          </a:ln>
+        </p:spPr>
+        <p:style>
+          <a:lnRef idx="1">
+            <a:schemeClr val="accent1"/>
+          </a:lnRef>
+          <a:fillRef idx="0">
+            <a:schemeClr val="accent1"/>
+          </a:fillRef>
+          <a:effectRef idx="0">
+            <a:schemeClr val="accent1"/>
+          </a:effectRef>
+          <a:fontRef idx="minor">
+            <a:schemeClr val="tx1"/>
+          </a:fontRef>
+        </p:style>
+      </p:cxnSp>
+      <p:cxnSp>
+        <p:nvCxnSpPr>
+          <p:cNvPr id="24" name="Conector reto 23">
+            <a:extLst>
+              <a:ext uri="{FF2B5EF4-FFF2-40B4-BE49-F238E27FC236}">
+                <a16:creationId xmlns:a16="http://schemas.microsoft.com/office/drawing/2014/main" id="{F8781F28-B932-8EE7-B505-664A41AC571D}"/>
+              </a:ext>
+            </a:extLst>
+          </p:cNvPr>
+          <p:cNvCxnSpPr>
+            <a:cxnSpLocks/>
+          </p:cNvCxnSpPr>
+          <p:nvPr/>
+        </p:nvCxnSpPr>
+        <p:spPr>
+          <a:xfrm flipH="1">
+            <a:off x="7681361" y="5005752"/>
+            <a:ext cx="703385" cy="0"/>
+          </a:xfrm>
+          <a:prstGeom prst="line">
+            <a:avLst/>
+          </a:prstGeom>
+          <a:ln w="114300">
+            <a:solidFill>
+              <a:schemeClr val="bg1">
+                <a:lumMod val="95000"/>
+                <a:lumOff val="5000"/>
+              </a:schemeClr>
+            </a:solidFill>
+          </a:ln>
+        </p:spPr>
+        <p:style>
+          <a:lnRef idx="1">
+            <a:schemeClr val="accent1"/>
+          </a:lnRef>
+          <a:fillRef idx="0">
+            <a:schemeClr val="accent1"/>
+          </a:fillRef>
+          <a:effectRef idx="0">
+            <a:schemeClr val="accent1"/>
+          </a:effectRef>
+          <a:fontRef idx="minor">
+            <a:schemeClr val="tx1"/>
+          </a:fontRef>
+        </p:style>
+      </p:cxnSp>
+      <p:cxnSp>
+        <p:nvCxnSpPr>
+          <p:cNvPr id="25" name="Conector reto 24">
+            <a:extLst>
+              <a:ext uri="{FF2B5EF4-FFF2-40B4-BE49-F238E27FC236}">
+                <a16:creationId xmlns:a16="http://schemas.microsoft.com/office/drawing/2014/main" id="{0BEB78EF-A5A5-A677-59DA-8C1077668506}"/>
+              </a:ext>
+            </a:extLst>
+          </p:cNvPr>
+          <p:cNvCxnSpPr>
+            <a:cxnSpLocks/>
+          </p:cNvCxnSpPr>
+          <p:nvPr/>
+        </p:nvCxnSpPr>
+        <p:spPr>
+          <a:xfrm flipH="1">
+            <a:off x="7681360" y="5312897"/>
+            <a:ext cx="703385" cy="0"/>
+          </a:xfrm>
+          <a:prstGeom prst="line">
+            <a:avLst/>
+          </a:prstGeom>
+          <a:ln w="114300">
+            <a:solidFill>
+              <a:schemeClr val="bg1">
+                <a:lumMod val="95000"/>
+                <a:lumOff val="5000"/>
+              </a:schemeClr>
+            </a:solidFill>
+          </a:ln>
+        </p:spPr>
+        <p:style>
+          <a:lnRef idx="1">
+            <a:schemeClr val="accent1"/>
+          </a:lnRef>
+          <a:fillRef idx="0">
+            <a:schemeClr val="accent1"/>
+          </a:fillRef>
+          <a:effectRef idx="0">
+            <a:schemeClr val="accent1"/>
+          </a:effectRef>
+          <a:fontRef idx="minor">
+            <a:schemeClr val="tx1"/>
+          </a:fontRef>
+        </p:style>
+      </p:cxnSp>
+      <p:cxnSp>
+        <p:nvCxnSpPr>
+          <p:cNvPr id="26" name="Conector reto 25">
+            <a:extLst>
+              <a:ext uri="{FF2B5EF4-FFF2-40B4-BE49-F238E27FC236}">
+                <a16:creationId xmlns:a16="http://schemas.microsoft.com/office/drawing/2014/main" id="{AF03369D-3D4A-4B5E-FAF1-DFC037D492EA}"/>
+              </a:ext>
+            </a:extLst>
+          </p:cNvPr>
+          <p:cNvCxnSpPr>
+            <a:cxnSpLocks/>
+          </p:cNvCxnSpPr>
+          <p:nvPr/>
+        </p:nvCxnSpPr>
+        <p:spPr>
+          <a:xfrm flipH="1">
+            <a:off x="4092724" y="1886976"/>
+            <a:ext cx="703385" cy="0"/>
+          </a:xfrm>
+          <a:prstGeom prst="line">
+            <a:avLst/>
+          </a:prstGeom>
+          <a:ln w="114300">
+            <a:solidFill>
+              <a:srgbClr val="FFFF00"/>
+            </a:solidFill>
+          </a:ln>
+        </p:spPr>
+        <p:style>
+          <a:lnRef idx="1">
+            <a:schemeClr val="accent1"/>
+          </a:lnRef>
+          <a:fillRef idx="0">
+            <a:schemeClr val="accent1"/>
+          </a:fillRef>
+          <a:effectRef idx="0">
+            <a:schemeClr val="accent1"/>
+          </a:effectRef>
+          <a:fontRef idx="minor">
+            <a:schemeClr val="tx1"/>
+          </a:fontRef>
+        </p:style>
+      </p:cxnSp>
+      <p:cxnSp>
+        <p:nvCxnSpPr>
+          <p:cNvPr id="27" name="Conector reto 26">
+            <a:extLst>
+              <a:ext uri="{FF2B5EF4-FFF2-40B4-BE49-F238E27FC236}">
+                <a16:creationId xmlns:a16="http://schemas.microsoft.com/office/drawing/2014/main" id="{A4E07072-7070-979F-FF01-337C225099F3}"/>
+              </a:ext>
+            </a:extLst>
+          </p:cNvPr>
+          <p:cNvCxnSpPr>
+            <a:cxnSpLocks/>
+          </p:cNvCxnSpPr>
+          <p:nvPr/>
+        </p:nvCxnSpPr>
+        <p:spPr>
+          <a:xfrm flipH="1">
+            <a:off x="4104844" y="1609131"/>
+            <a:ext cx="703385" cy="0"/>
+          </a:xfrm>
+          <a:prstGeom prst="line">
+            <a:avLst/>
+          </a:prstGeom>
+          <a:ln w="114300">
+            <a:solidFill>
+              <a:srgbClr val="FFFF00"/>
+            </a:solidFill>
+          </a:ln>
+        </p:spPr>
+        <p:style>
+          <a:lnRef idx="1">
+            <a:schemeClr val="accent1"/>
+          </a:lnRef>
+          <a:fillRef idx="0">
+            <a:schemeClr val="accent1"/>
+          </a:fillRef>
+          <a:effectRef idx="0">
+            <a:schemeClr val="accent1"/>
+          </a:effectRef>
+          <a:fontRef idx="minor">
+            <a:schemeClr val="tx1"/>
+          </a:fontRef>
+        </p:style>
+      </p:cxnSp>
+      <p:cxnSp>
+        <p:nvCxnSpPr>
+          <p:cNvPr id="28" name="Conector reto 27">
+            <a:extLst>
+              <a:ext uri="{FF2B5EF4-FFF2-40B4-BE49-F238E27FC236}">
+                <a16:creationId xmlns:a16="http://schemas.microsoft.com/office/drawing/2014/main" id="{0F60BF30-A6D8-8EF9-4CC1-D1FEA1EEA58D}"/>
+              </a:ext>
+            </a:extLst>
+          </p:cNvPr>
+          <p:cNvCxnSpPr>
+            <a:cxnSpLocks/>
+          </p:cNvCxnSpPr>
+          <p:nvPr/>
+        </p:nvCxnSpPr>
+        <p:spPr>
+          <a:xfrm flipH="1">
+            <a:off x="4092723" y="2457841"/>
+            <a:ext cx="703385" cy="0"/>
+          </a:xfrm>
+          <a:prstGeom prst="line">
+            <a:avLst/>
+          </a:prstGeom>
+          <a:ln w="114300">
+            <a:solidFill>
+              <a:srgbClr val="FFFF00"/>
+            </a:solidFill>
+          </a:ln>
+        </p:spPr>
+        <p:style>
+          <a:lnRef idx="1">
+            <a:schemeClr val="accent1"/>
+          </a:lnRef>
+          <a:fillRef idx="0">
+            <a:schemeClr val="accent1"/>
+          </a:fillRef>
+          <a:effectRef idx="0">
+            <a:schemeClr val="accent1"/>
+          </a:effectRef>
+          <a:fontRef idx="minor">
+            <a:schemeClr val="tx1"/>
+          </a:fontRef>
+        </p:style>
+      </p:cxnSp>
+      <p:cxnSp>
+        <p:nvCxnSpPr>
+          <p:cNvPr id="29" name="Conector reto 28">
+            <a:extLst>
+              <a:ext uri="{FF2B5EF4-FFF2-40B4-BE49-F238E27FC236}">
+                <a16:creationId xmlns:a16="http://schemas.microsoft.com/office/drawing/2014/main" id="{2A6DF007-C3A2-BBAD-5899-F602C89CE459}"/>
+              </a:ext>
+            </a:extLst>
+          </p:cNvPr>
+          <p:cNvCxnSpPr>
+            <a:cxnSpLocks/>
+          </p:cNvCxnSpPr>
+          <p:nvPr/>
+        </p:nvCxnSpPr>
+        <p:spPr>
+          <a:xfrm flipH="1">
+            <a:off x="4104843" y="2179996"/>
+            <a:ext cx="703385" cy="0"/>
+          </a:xfrm>
+          <a:prstGeom prst="line">
+            <a:avLst/>
+          </a:prstGeom>
+          <a:ln w="114300">
+            <a:solidFill>
+              <a:srgbClr val="FFFF00"/>
+            </a:solidFill>
+          </a:ln>
+        </p:spPr>
+        <p:style>
+          <a:lnRef idx="1">
+            <a:schemeClr val="accent1"/>
+          </a:lnRef>
+          <a:fillRef idx="0">
+            <a:schemeClr val="accent1"/>
+          </a:fillRef>
+          <a:effectRef idx="0">
+            <a:schemeClr val="accent1"/>
+          </a:effectRef>
+          <a:fontRef idx="minor">
+            <a:schemeClr val="tx1"/>
+          </a:fontRef>
+        </p:style>
+      </p:cxnSp>
+      <p:sp>
+        <p:nvSpPr>
+          <p:cNvPr id="30" name="Espaço Reservado para Conteúdo 2">
+            <a:extLst>
+              <a:ext uri="{FF2B5EF4-FFF2-40B4-BE49-F238E27FC236}">
+                <a16:creationId xmlns:a16="http://schemas.microsoft.com/office/drawing/2014/main" id="{B0EC6ED2-1EAD-860D-49AE-3DEBF11C9EA7}"/>
+              </a:ext>
+            </a:extLst>
+          </p:cNvPr>
+          <p:cNvSpPr txBox="1">
+            <a:spLocks/>
+          </p:cNvSpPr>
+          <p:nvPr/>
+        </p:nvSpPr>
+        <p:spPr>
+          <a:xfrm>
+            <a:off x="1808466" y="1841365"/>
+            <a:ext cx="2999762" cy="410086"/>
+          </a:xfrm>
+          <a:prstGeom prst="rect">
+            <a:avLst/>
+          </a:prstGeom>
+        </p:spPr>
+        <p:txBody>
+          <a:bodyPr vert="horz" lIns="91440" tIns="45720" rIns="91440" bIns="45720" rtlCol="0">
+            <a:normAutofit/>
+          </a:bodyPr>
+          <a:lstStyle>
+            <a:lvl1pPr marL="342900" indent="-342900" algn="l" defTabSz="457200" rtl="0" eaLnBrk="1" latinLnBrk="0" hangingPunct="1">
+              <a:spcBef>
+                <a:spcPts val="1000"/>
+              </a:spcBef>
+              <a:spcAft>
+                <a:spcPts val="0"/>
+              </a:spcAft>
+              <a:buClr>
+                <a:schemeClr val="bg2">
+                  <a:lumMod val="40000"/>
+                  <a:lumOff val="60000"/>
+                </a:schemeClr>
+              </a:buClr>
+              <a:buSzPct val="80000"/>
+              <a:buFont typeface="Wingdings 3" charset="2"/>
+              <a:buChar char=""/>
+              <a:defRPr sz="2000" b="0" i="0" kern="1200">
+                <a:solidFill>
+                  <a:schemeClr val="tx1"/>
+                </a:solidFill>
+                <a:latin typeface="+mj-lt"/>
+                <a:ea typeface="+mj-ea"/>
+                <a:cs typeface="+mj-cs"/>
+              </a:defRPr>
+            </a:lvl1pPr>
+            <a:lvl2pPr marL="742950" indent="-285750" algn="l" defTabSz="457200" rtl="0" eaLnBrk="1" latinLnBrk="0" hangingPunct="1">
+              <a:spcBef>
+                <a:spcPts val="1000"/>
+              </a:spcBef>
+              <a:spcAft>
+                <a:spcPts val="0"/>
+              </a:spcAft>
+              <a:buClr>
+                <a:schemeClr val="bg2">
+                  <a:lumMod val="40000"/>
+                  <a:lumOff val="60000"/>
+                </a:schemeClr>
+              </a:buClr>
+              <a:buSzPct val="80000"/>
+              <a:buFont typeface="Wingdings 3" charset="2"/>
+              <a:buChar char=""/>
+              <a:defRPr sz="1800" b="0" i="0" kern="1200">
+                <a:solidFill>
+                  <a:schemeClr val="tx1"/>
+                </a:solidFill>
+                <a:latin typeface="+mj-lt"/>
+                <a:ea typeface="+mj-ea"/>
+                <a:cs typeface="+mj-cs"/>
+              </a:defRPr>
+            </a:lvl2pPr>
+            <a:lvl3pPr marL="1143000" indent="-228600" algn="l" defTabSz="457200" rtl="0" eaLnBrk="1" latinLnBrk="0" hangingPunct="1">
+              <a:spcBef>
+                <a:spcPts val="1000"/>
+              </a:spcBef>
+              <a:spcAft>
+                <a:spcPts val="0"/>
+              </a:spcAft>
+              <a:buClr>
+                <a:schemeClr val="bg2">
+                  <a:lumMod val="40000"/>
+                  <a:lumOff val="60000"/>
+                </a:schemeClr>
+              </a:buClr>
+              <a:buSzPct val="80000"/>
+              <a:buFont typeface="Wingdings 3" charset="2"/>
+              <a:buChar char=""/>
+              <a:defRPr sz="1600" b="0" i="0" kern="1200">
+                <a:solidFill>
+                  <a:schemeClr val="tx1"/>
+                </a:solidFill>
+                <a:latin typeface="+mj-lt"/>
+                <a:ea typeface="+mj-ea"/>
+                <a:cs typeface="+mj-cs"/>
+              </a:defRPr>
+            </a:lvl3pPr>
+            <a:lvl4pPr marL="1600200" indent="-228600" algn="l" defTabSz="457200" rtl="0" eaLnBrk="1" latinLnBrk="0" hangingPunct="1">
+              <a:spcBef>
+                <a:spcPts val="1000"/>
+              </a:spcBef>
+              <a:spcAft>
+                <a:spcPts val="0"/>
+              </a:spcAft>
+              <a:buClr>
+                <a:schemeClr val="bg2">
+                  <a:lumMod val="40000"/>
+                  <a:lumOff val="60000"/>
+                </a:schemeClr>
+              </a:buClr>
+              <a:buSzPct val="80000"/>
+              <a:buFont typeface="Wingdings 3" charset="2"/>
+              <a:buChar char=""/>
+              <a:defRPr sz="1400" b="0" i="0" kern="1200">
+                <a:solidFill>
+                  <a:schemeClr val="tx1"/>
+                </a:solidFill>
+                <a:latin typeface="+mj-lt"/>
+                <a:ea typeface="+mj-ea"/>
+                <a:cs typeface="+mj-cs"/>
+              </a:defRPr>
+            </a:lvl4pPr>
+            <a:lvl5pPr marL="2057400" indent="-228600" algn="l" defTabSz="457200" rtl="0" eaLnBrk="1" latinLnBrk="0" hangingPunct="1">
+              <a:spcBef>
+                <a:spcPts val="1000"/>
+              </a:spcBef>
+              <a:spcAft>
+                <a:spcPts val="0"/>
+              </a:spcAft>
+              <a:buClr>
+                <a:schemeClr val="bg2">
+                  <a:lumMod val="40000"/>
+                  <a:lumOff val="60000"/>
+                </a:schemeClr>
+              </a:buClr>
+              <a:buSzPct val="80000"/>
+              <a:buFont typeface="Wingdings 3" charset="2"/>
+              <a:buChar char=""/>
+              <a:defRPr sz="1400" b="0" i="0" kern="1200">
+                <a:solidFill>
+                  <a:schemeClr val="tx1"/>
+                </a:solidFill>
+                <a:latin typeface="+mj-lt"/>
+                <a:ea typeface="+mj-ea"/>
+                <a:cs typeface="+mj-cs"/>
+              </a:defRPr>
+            </a:lvl5pPr>
+            <a:lvl6pPr marL="2506000" indent="-228600" algn="l" defTabSz="457200" rtl="0" eaLnBrk="1" latinLnBrk="0" hangingPunct="1">
+              <a:spcBef>
+                <a:spcPts val="1000"/>
+              </a:spcBef>
+              <a:spcAft>
+                <a:spcPts val="0"/>
+              </a:spcAft>
+              <a:buClr>
+                <a:schemeClr val="bg2">
+                  <a:lumMod val="40000"/>
+                  <a:lumOff val="60000"/>
+                </a:schemeClr>
+              </a:buClr>
+              <a:buSzPct val="80000"/>
+              <a:buFont typeface="Wingdings 3" charset="2"/>
+              <a:buChar char=""/>
+              <a:defRPr sz="1400" b="0" i="0" kern="1200">
+                <a:solidFill>
+                  <a:schemeClr val="tx1"/>
+                </a:solidFill>
+                <a:latin typeface="+mj-lt"/>
+                <a:ea typeface="+mj-ea"/>
+                <a:cs typeface="+mj-cs"/>
+              </a:defRPr>
+            </a:lvl6pPr>
+            <a:lvl7pPr marL="2971800" indent="-228600" algn="l" defTabSz="457200" rtl="0" eaLnBrk="1" latinLnBrk="0" hangingPunct="1">
+              <a:spcBef>
+                <a:spcPts val="1000"/>
+              </a:spcBef>
+              <a:spcAft>
+                <a:spcPts val="0"/>
+              </a:spcAft>
+              <a:buClr>
+                <a:schemeClr val="bg2">
+                  <a:lumMod val="40000"/>
+                  <a:lumOff val="60000"/>
+                </a:schemeClr>
+              </a:buClr>
+              <a:buSzPct val="80000"/>
+              <a:buFont typeface="Wingdings 3" charset="2"/>
+              <a:buChar char=""/>
+              <a:defRPr sz="1400" b="0" i="0" kern="1200">
+                <a:solidFill>
+                  <a:schemeClr val="tx1"/>
+                </a:solidFill>
+                <a:latin typeface="+mj-lt"/>
+                <a:ea typeface="+mj-ea"/>
+                <a:cs typeface="+mj-cs"/>
+              </a:defRPr>
+            </a:lvl7pPr>
+            <a:lvl8pPr marL="3429000" indent="-228600" algn="l" defTabSz="457200" rtl="0" eaLnBrk="1" latinLnBrk="0" hangingPunct="1">
+              <a:spcBef>
+                <a:spcPts val="1000"/>
+              </a:spcBef>
+              <a:spcAft>
+                <a:spcPts val="0"/>
+              </a:spcAft>
+              <a:buClr>
+                <a:schemeClr val="bg2">
+                  <a:lumMod val="40000"/>
+                  <a:lumOff val="60000"/>
+                </a:schemeClr>
+              </a:buClr>
+              <a:buSzPct val="80000"/>
+              <a:buFont typeface="Wingdings 3" charset="2"/>
+              <a:buChar char=""/>
+              <a:defRPr sz="1400" b="0" i="0" kern="1200">
+                <a:solidFill>
+                  <a:schemeClr val="tx1"/>
+                </a:solidFill>
+                <a:latin typeface="+mj-lt"/>
+                <a:ea typeface="+mj-ea"/>
+                <a:cs typeface="+mj-cs"/>
+              </a:defRPr>
+            </a:lvl8pPr>
+            <a:lvl9pPr marL="3886200" indent="-228600" algn="l" defTabSz="457200" rtl="0" eaLnBrk="1" latinLnBrk="0" hangingPunct="1">
+              <a:spcBef>
+                <a:spcPts val="1000"/>
+              </a:spcBef>
+              <a:spcAft>
+                <a:spcPts val="0"/>
+              </a:spcAft>
+              <a:buClr>
+                <a:schemeClr val="bg2">
+                  <a:lumMod val="40000"/>
+                  <a:lumOff val="60000"/>
+                </a:schemeClr>
+              </a:buClr>
+              <a:buSzPct val="80000"/>
+              <a:buFont typeface="Wingdings 3" charset="2"/>
+              <a:buChar char=""/>
+              <a:defRPr sz="1400" b="0" i="0" kern="1200">
+                <a:solidFill>
+                  <a:schemeClr val="tx1"/>
+                </a:solidFill>
+                <a:latin typeface="+mj-lt"/>
+                <a:ea typeface="+mj-ea"/>
+                <a:cs typeface="+mj-cs"/>
+              </a:defRPr>
+            </a:lvl9pPr>
+          </a:lstStyle>
+          <a:p>
+            <a:pPr marL="0" indent="0">
+              <a:buFont typeface="Wingdings 3" charset="2"/>
+              <a:buNone/>
+            </a:pPr>
+            <a:r>
+              <a:rPr lang="pt-BR" dirty="0" err="1"/>
+              <a:t>Analogic</a:t>
+            </a:r>
             <a:r>
               <a:rPr lang="pt-BR" dirty="0"/>
-              <a:t>Reaproveitando código das configurações do próprio controlador</a:t>
-            </a:r>
-          </a:p>
-          <a:p>
+              <a:t> Inputs</a:t>
+            </a:r>
+          </a:p>
+          <a:p>
+            <a:endParaRPr lang="pt-BR" dirty="0"/>
+          </a:p>
+        </p:txBody>
+      </p:sp>
+      <p:cxnSp>
+        <p:nvCxnSpPr>
+          <p:cNvPr id="31" name="Conector reto 30">
+            <a:extLst>
+              <a:ext uri="{FF2B5EF4-FFF2-40B4-BE49-F238E27FC236}">
+                <a16:creationId xmlns:a16="http://schemas.microsoft.com/office/drawing/2014/main" id="{70B7F8B9-56D9-C910-7B25-8147604661BA}"/>
+              </a:ext>
+            </a:extLst>
+          </p:cNvPr>
+          <p:cNvCxnSpPr>
+            <a:cxnSpLocks/>
+          </p:cNvCxnSpPr>
+          <p:nvPr/>
+        </p:nvCxnSpPr>
+        <p:spPr>
+          <a:xfrm flipH="1">
+            <a:off x="7662200" y="1322362"/>
+            <a:ext cx="703385" cy="0"/>
+          </a:xfrm>
+          <a:prstGeom prst="line">
+            <a:avLst/>
+          </a:prstGeom>
+          <a:ln w="114300">
+            <a:solidFill>
+              <a:schemeClr val="accent6">
+                <a:lumMod val="50000"/>
+              </a:schemeClr>
+            </a:solidFill>
+          </a:ln>
+        </p:spPr>
+        <p:style>
+          <a:lnRef idx="1">
+            <a:schemeClr val="accent1"/>
+          </a:lnRef>
+          <a:fillRef idx="0">
+            <a:schemeClr val="accent1"/>
+          </a:fillRef>
+          <a:effectRef idx="0">
+            <a:schemeClr val="accent1"/>
+          </a:effectRef>
+          <a:fontRef idx="minor">
+            <a:schemeClr val="tx1"/>
+          </a:fontRef>
+        </p:style>
+      </p:cxnSp>
+      <p:cxnSp>
+        <p:nvCxnSpPr>
+          <p:cNvPr id="32" name="Conector reto 31">
+            <a:extLst>
+              <a:ext uri="{FF2B5EF4-FFF2-40B4-BE49-F238E27FC236}">
+                <a16:creationId xmlns:a16="http://schemas.microsoft.com/office/drawing/2014/main" id="{306676A5-9FBC-8434-F9D7-3AC782F483BD}"/>
+              </a:ext>
+            </a:extLst>
+          </p:cNvPr>
+          <p:cNvCxnSpPr>
+            <a:cxnSpLocks/>
+          </p:cNvCxnSpPr>
+          <p:nvPr/>
+        </p:nvCxnSpPr>
+        <p:spPr>
+          <a:xfrm flipH="1">
+            <a:off x="7660254" y="2740849"/>
+            <a:ext cx="703385" cy="0"/>
+          </a:xfrm>
+          <a:prstGeom prst="line">
+            <a:avLst/>
+          </a:prstGeom>
+          <a:ln w="114300">
+            <a:solidFill>
+              <a:schemeClr val="accent6">
+                <a:lumMod val="50000"/>
+              </a:schemeClr>
+            </a:solidFill>
+          </a:ln>
+        </p:spPr>
+        <p:style>
+          <a:lnRef idx="1">
+            <a:schemeClr val="accent1"/>
+          </a:lnRef>
+          <a:fillRef idx="0">
+            <a:schemeClr val="accent1"/>
+          </a:fillRef>
+          <a:effectRef idx="0">
+            <a:schemeClr val="accent1"/>
+          </a:effectRef>
+          <a:fontRef idx="minor">
+            <a:schemeClr val="tx1"/>
+          </a:fontRef>
+        </p:style>
+      </p:cxnSp>
+      <p:cxnSp>
+        <p:nvCxnSpPr>
+          <p:cNvPr id="33" name="Conector reto 32">
+            <a:extLst>
+              <a:ext uri="{FF2B5EF4-FFF2-40B4-BE49-F238E27FC236}">
+                <a16:creationId xmlns:a16="http://schemas.microsoft.com/office/drawing/2014/main" id="{00337AF3-BB72-4B56-A72C-1A456FF97BB2}"/>
+              </a:ext>
+            </a:extLst>
+          </p:cNvPr>
+          <p:cNvCxnSpPr>
+            <a:cxnSpLocks/>
+          </p:cNvCxnSpPr>
+          <p:nvPr/>
+        </p:nvCxnSpPr>
+        <p:spPr>
+          <a:xfrm flipH="1">
+            <a:off x="7674322" y="3040510"/>
+            <a:ext cx="703385" cy="0"/>
+          </a:xfrm>
+          <a:prstGeom prst="line">
+            <a:avLst/>
+          </a:prstGeom>
+          <a:ln w="114300">
+            <a:solidFill>
+              <a:schemeClr val="accent6">
+                <a:lumMod val="50000"/>
+              </a:schemeClr>
+            </a:solidFill>
+          </a:ln>
+        </p:spPr>
+        <p:style>
+          <a:lnRef idx="1">
+            <a:schemeClr val="accent1"/>
+          </a:lnRef>
+          <a:fillRef idx="0">
+            <a:schemeClr val="accent1"/>
+          </a:fillRef>
+          <a:effectRef idx="0">
+            <a:schemeClr val="accent1"/>
+          </a:effectRef>
+          <a:fontRef idx="minor">
+            <a:schemeClr val="tx1"/>
+          </a:fontRef>
+        </p:style>
+      </p:cxnSp>
+      <p:cxnSp>
+        <p:nvCxnSpPr>
+          <p:cNvPr id="34" name="Conector reto 33">
+            <a:extLst>
+              <a:ext uri="{FF2B5EF4-FFF2-40B4-BE49-F238E27FC236}">
+                <a16:creationId xmlns:a16="http://schemas.microsoft.com/office/drawing/2014/main" id="{FEA7FEBF-8539-3A5E-47AF-D101D0020392}"/>
+              </a:ext>
+            </a:extLst>
+          </p:cNvPr>
+          <p:cNvCxnSpPr>
+            <a:cxnSpLocks/>
+          </p:cNvCxnSpPr>
+          <p:nvPr/>
+        </p:nvCxnSpPr>
+        <p:spPr>
+          <a:xfrm flipH="1">
+            <a:off x="7660254" y="3317414"/>
+            <a:ext cx="703385" cy="0"/>
+          </a:xfrm>
+          <a:prstGeom prst="line">
+            <a:avLst/>
+          </a:prstGeom>
+          <a:ln w="114300">
+            <a:solidFill>
+              <a:schemeClr val="accent6">
+                <a:lumMod val="50000"/>
+              </a:schemeClr>
+            </a:solidFill>
+          </a:ln>
+        </p:spPr>
+        <p:style>
+          <a:lnRef idx="1">
+            <a:schemeClr val="accent1"/>
+          </a:lnRef>
+          <a:fillRef idx="0">
+            <a:schemeClr val="accent1"/>
+          </a:fillRef>
+          <a:effectRef idx="0">
+            <a:schemeClr val="accent1"/>
+          </a:effectRef>
+          <a:fontRef idx="minor">
+            <a:schemeClr val="tx1"/>
+          </a:fontRef>
+        </p:style>
+      </p:cxnSp>
+      <p:cxnSp>
+        <p:nvCxnSpPr>
+          <p:cNvPr id="35" name="Conector reto 34">
+            <a:extLst>
+              <a:ext uri="{FF2B5EF4-FFF2-40B4-BE49-F238E27FC236}">
+                <a16:creationId xmlns:a16="http://schemas.microsoft.com/office/drawing/2014/main" id="{FBF4A4E0-63FF-4C07-42B5-09C468B05FC2}"/>
+              </a:ext>
+            </a:extLst>
+          </p:cNvPr>
+          <p:cNvCxnSpPr>
+            <a:cxnSpLocks/>
+          </p:cNvCxnSpPr>
+          <p:nvPr/>
+        </p:nvCxnSpPr>
+        <p:spPr>
+          <a:xfrm flipH="1">
+            <a:off x="7667291" y="4451254"/>
+            <a:ext cx="703385" cy="0"/>
+          </a:xfrm>
+          <a:prstGeom prst="line">
+            <a:avLst/>
+          </a:prstGeom>
+          <a:ln w="114300">
+            <a:solidFill>
+              <a:srgbClr val="00B0F0"/>
+            </a:solidFill>
+          </a:ln>
+        </p:spPr>
+        <p:style>
+          <a:lnRef idx="1">
+            <a:schemeClr val="accent1"/>
+          </a:lnRef>
+          <a:fillRef idx="0">
+            <a:schemeClr val="accent1"/>
+          </a:fillRef>
+          <a:effectRef idx="0">
+            <a:schemeClr val="accent1"/>
+          </a:effectRef>
+          <a:fontRef idx="minor">
+            <a:schemeClr val="tx1"/>
+          </a:fontRef>
+        </p:style>
+      </p:cxnSp>
+      <p:sp>
+        <p:nvSpPr>
+          <p:cNvPr id="36" name="Espaço Reservado para Conteúdo 2">
+            <a:extLst>
+              <a:ext uri="{FF2B5EF4-FFF2-40B4-BE49-F238E27FC236}">
+                <a16:creationId xmlns:a16="http://schemas.microsoft.com/office/drawing/2014/main" id="{0FA4A39D-36D6-2A1A-ECEF-0F6B36127F0C}"/>
+              </a:ext>
+            </a:extLst>
+          </p:cNvPr>
+          <p:cNvSpPr txBox="1">
+            <a:spLocks/>
+          </p:cNvSpPr>
+          <p:nvPr/>
+        </p:nvSpPr>
+        <p:spPr>
+          <a:xfrm>
+            <a:off x="8426247" y="4231751"/>
+            <a:ext cx="1766497" cy="437064"/>
+          </a:xfrm>
+          <a:prstGeom prst="rect">
+            <a:avLst/>
+          </a:prstGeom>
+        </p:spPr>
+        <p:txBody>
+          <a:bodyPr vert="horz" lIns="91440" tIns="45720" rIns="91440" bIns="45720" rtlCol="0">
+            <a:normAutofit/>
+          </a:bodyPr>
+          <a:lstStyle>
+            <a:lvl1pPr marL="342900" indent="-342900" algn="l" defTabSz="457200" rtl="0" eaLnBrk="1" latinLnBrk="0" hangingPunct="1">
+              <a:spcBef>
+                <a:spcPts val="1000"/>
+              </a:spcBef>
+              <a:spcAft>
+                <a:spcPts val="0"/>
+              </a:spcAft>
+              <a:buClr>
+                <a:schemeClr val="bg2">
+                  <a:lumMod val="40000"/>
+                  <a:lumOff val="60000"/>
+                </a:schemeClr>
+              </a:buClr>
+              <a:buSzPct val="80000"/>
+              <a:buFont typeface="Wingdings 3" charset="2"/>
+              <a:buChar char=""/>
+              <a:defRPr sz="2000" b="0" i="0" kern="1200">
+                <a:solidFill>
+                  <a:schemeClr val="tx1"/>
+                </a:solidFill>
+                <a:latin typeface="+mj-lt"/>
+                <a:ea typeface="+mj-ea"/>
+                <a:cs typeface="+mj-cs"/>
+              </a:defRPr>
+            </a:lvl1pPr>
+            <a:lvl2pPr marL="742950" indent="-285750" algn="l" defTabSz="457200" rtl="0" eaLnBrk="1" latinLnBrk="0" hangingPunct="1">
+              <a:spcBef>
+                <a:spcPts val="1000"/>
+              </a:spcBef>
+              <a:spcAft>
+                <a:spcPts val="0"/>
+              </a:spcAft>
+              <a:buClr>
+                <a:schemeClr val="bg2">
+                  <a:lumMod val="40000"/>
+                  <a:lumOff val="60000"/>
+                </a:schemeClr>
+              </a:buClr>
+              <a:buSzPct val="80000"/>
+              <a:buFont typeface="Wingdings 3" charset="2"/>
+              <a:buChar char=""/>
+              <a:defRPr sz="1800" b="0" i="0" kern="1200">
+                <a:solidFill>
+                  <a:schemeClr val="tx1"/>
+                </a:solidFill>
+                <a:latin typeface="+mj-lt"/>
+                <a:ea typeface="+mj-ea"/>
+                <a:cs typeface="+mj-cs"/>
+              </a:defRPr>
+            </a:lvl2pPr>
+            <a:lvl3pPr marL="1143000" indent="-228600" algn="l" defTabSz="457200" rtl="0" eaLnBrk="1" latinLnBrk="0" hangingPunct="1">
+              <a:spcBef>
+                <a:spcPts val="1000"/>
+              </a:spcBef>
+              <a:spcAft>
+                <a:spcPts val="0"/>
+              </a:spcAft>
+              <a:buClr>
+                <a:schemeClr val="bg2">
+                  <a:lumMod val="40000"/>
+                  <a:lumOff val="60000"/>
+                </a:schemeClr>
+              </a:buClr>
+              <a:buSzPct val="80000"/>
+              <a:buFont typeface="Wingdings 3" charset="2"/>
+              <a:buChar char=""/>
+              <a:defRPr sz="1600" b="0" i="0" kern="1200">
+                <a:solidFill>
+                  <a:schemeClr val="tx1"/>
+                </a:solidFill>
+                <a:latin typeface="+mj-lt"/>
+                <a:ea typeface="+mj-ea"/>
+                <a:cs typeface="+mj-cs"/>
+              </a:defRPr>
+            </a:lvl3pPr>
+            <a:lvl4pPr marL="1600200" indent="-228600" algn="l" defTabSz="457200" rtl="0" eaLnBrk="1" latinLnBrk="0" hangingPunct="1">
+              <a:spcBef>
+                <a:spcPts val="1000"/>
+              </a:spcBef>
+              <a:spcAft>
+                <a:spcPts val="0"/>
+              </a:spcAft>
+              <a:buClr>
+                <a:schemeClr val="bg2">
+                  <a:lumMod val="40000"/>
+                  <a:lumOff val="60000"/>
+                </a:schemeClr>
+              </a:buClr>
+              <a:buSzPct val="80000"/>
+              <a:buFont typeface="Wingdings 3" charset="2"/>
+              <a:buChar char=""/>
+              <a:defRPr sz="1400" b="0" i="0" kern="1200">
+                <a:solidFill>
+                  <a:schemeClr val="tx1"/>
+                </a:solidFill>
+                <a:latin typeface="+mj-lt"/>
+                <a:ea typeface="+mj-ea"/>
+                <a:cs typeface="+mj-cs"/>
+              </a:defRPr>
+            </a:lvl4pPr>
+            <a:lvl5pPr marL="2057400" indent="-228600" algn="l" defTabSz="457200" rtl="0" eaLnBrk="1" latinLnBrk="0" hangingPunct="1">
+              <a:spcBef>
+                <a:spcPts val="1000"/>
+              </a:spcBef>
+              <a:spcAft>
+                <a:spcPts val="0"/>
+              </a:spcAft>
+              <a:buClr>
+                <a:schemeClr val="bg2">
+                  <a:lumMod val="40000"/>
+                  <a:lumOff val="60000"/>
+                </a:schemeClr>
+              </a:buClr>
+              <a:buSzPct val="80000"/>
+              <a:buFont typeface="Wingdings 3" charset="2"/>
+              <a:buChar char=""/>
+              <a:defRPr sz="1400" b="0" i="0" kern="1200">
+                <a:solidFill>
+                  <a:schemeClr val="tx1"/>
+                </a:solidFill>
+                <a:latin typeface="+mj-lt"/>
+                <a:ea typeface="+mj-ea"/>
+                <a:cs typeface="+mj-cs"/>
+              </a:defRPr>
+            </a:lvl5pPr>
+            <a:lvl6pPr marL="2506000" indent="-228600" algn="l" defTabSz="457200" rtl="0" eaLnBrk="1" latinLnBrk="0" hangingPunct="1">
+              <a:spcBef>
+                <a:spcPts val="1000"/>
+              </a:spcBef>
+              <a:spcAft>
+                <a:spcPts val="0"/>
+              </a:spcAft>
+              <a:buClr>
+                <a:schemeClr val="bg2">
+                  <a:lumMod val="40000"/>
+                  <a:lumOff val="60000"/>
+                </a:schemeClr>
+              </a:buClr>
+              <a:buSzPct val="80000"/>
+              <a:buFont typeface="Wingdings 3" charset="2"/>
+              <a:buChar char=""/>
+              <a:defRPr sz="1400" b="0" i="0" kern="1200">
+                <a:solidFill>
+                  <a:schemeClr val="tx1"/>
+                </a:solidFill>
+                <a:latin typeface="+mj-lt"/>
+                <a:ea typeface="+mj-ea"/>
+                <a:cs typeface="+mj-cs"/>
+              </a:defRPr>
+            </a:lvl6pPr>
+            <a:lvl7pPr marL="2971800" indent="-228600" algn="l" defTabSz="457200" rtl="0" eaLnBrk="1" latinLnBrk="0" hangingPunct="1">
+              <a:spcBef>
+                <a:spcPts val="1000"/>
+              </a:spcBef>
+              <a:spcAft>
+                <a:spcPts val="0"/>
+              </a:spcAft>
+              <a:buClr>
+                <a:schemeClr val="bg2">
+                  <a:lumMod val="40000"/>
+                  <a:lumOff val="60000"/>
+                </a:schemeClr>
+              </a:buClr>
+              <a:buSzPct val="80000"/>
+              <a:buFont typeface="Wingdings 3" charset="2"/>
+              <a:buChar char=""/>
+              <a:defRPr sz="1400" b="0" i="0" kern="1200">
+                <a:solidFill>
+                  <a:schemeClr val="tx1"/>
+                </a:solidFill>
+                <a:latin typeface="+mj-lt"/>
+                <a:ea typeface="+mj-ea"/>
+                <a:cs typeface="+mj-cs"/>
+              </a:defRPr>
+            </a:lvl7pPr>
+            <a:lvl8pPr marL="3429000" indent="-228600" algn="l" defTabSz="457200" rtl="0" eaLnBrk="1" latinLnBrk="0" hangingPunct="1">
+              <a:spcBef>
+                <a:spcPts val="1000"/>
+              </a:spcBef>
+              <a:spcAft>
+                <a:spcPts val="0"/>
+              </a:spcAft>
+              <a:buClr>
+                <a:schemeClr val="bg2">
+                  <a:lumMod val="40000"/>
+                  <a:lumOff val="60000"/>
+                </a:schemeClr>
+              </a:buClr>
+              <a:buSzPct val="80000"/>
+              <a:buFont typeface="Wingdings 3" charset="2"/>
+              <a:buChar char=""/>
+              <a:defRPr sz="1400" b="0" i="0" kern="1200">
+                <a:solidFill>
+                  <a:schemeClr val="tx1"/>
+                </a:solidFill>
+                <a:latin typeface="+mj-lt"/>
+                <a:ea typeface="+mj-ea"/>
+                <a:cs typeface="+mj-cs"/>
+              </a:defRPr>
+            </a:lvl8pPr>
+            <a:lvl9pPr marL="3886200" indent="-228600" algn="l" defTabSz="457200" rtl="0" eaLnBrk="1" latinLnBrk="0" hangingPunct="1">
+              <a:spcBef>
+                <a:spcPts val="1000"/>
+              </a:spcBef>
+              <a:spcAft>
+                <a:spcPts val="0"/>
+              </a:spcAft>
+              <a:buClr>
+                <a:schemeClr val="bg2">
+                  <a:lumMod val="40000"/>
+                  <a:lumOff val="60000"/>
+                </a:schemeClr>
+              </a:buClr>
+              <a:buSzPct val="80000"/>
+              <a:buFont typeface="Wingdings 3" charset="2"/>
+              <a:buChar char=""/>
+              <a:defRPr sz="1400" b="0" i="0" kern="1200">
+                <a:solidFill>
+                  <a:schemeClr val="tx1"/>
+                </a:solidFill>
+                <a:latin typeface="+mj-lt"/>
+                <a:ea typeface="+mj-ea"/>
+                <a:cs typeface="+mj-cs"/>
+              </a:defRPr>
+            </a:lvl9pPr>
+          </a:lstStyle>
+          <a:p>
+            <a:pPr marL="0" indent="0">
+              <a:buFont typeface="Wingdings 3" charset="2"/>
+              <a:buNone/>
+            </a:pPr>
             <a:r>
               <a:rPr lang="pt-BR" dirty="0"/>
-              <a:t>Decisão de projeto: Simplificar controle autônomo que o </a:t>
+              <a:t>Status LED0</a:t>
+            </a:r>
+          </a:p>
+        </p:txBody>
+      </p:sp>
+      <p:sp>
+        <p:nvSpPr>
+          <p:cNvPr id="37" name="Espaço Reservado para Conteúdo 2">
+            <a:extLst>
+              <a:ext uri="{FF2B5EF4-FFF2-40B4-BE49-F238E27FC236}">
+                <a16:creationId xmlns:a16="http://schemas.microsoft.com/office/drawing/2014/main" id="{28F5A56F-F96B-EDBD-81D1-6D682BD6214C}"/>
+              </a:ext>
+            </a:extLst>
+          </p:cNvPr>
+          <p:cNvSpPr txBox="1">
+            <a:spLocks/>
+          </p:cNvSpPr>
+          <p:nvPr/>
+        </p:nvSpPr>
+        <p:spPr>
+          <a:xfrm>
+            <a:off x="8454077" y="2813756"/>
+            <a:ext cx="2999762" cy="410086"/>
+          </a:xfrm>
+          <a:prstGeom prst="rect">
+            <a:avLst/>
+          </a:prstGeom>
+        </p:spPr>
+        <p:txBody>
+          <a:bodyPr vert="horz" lIns="91440" tIns="45720" rIns="91440" bIns="45720" rtlCol="0">
+            <a:normAutofit/>
+          </a:bodyPr>
+          <a:lstStyle>
+            <a:lvl1pPr marL="342900" indent="-342900" algn="l" defTabSz="457200" rtl="0" eaLnBrk="1" latinLnBrk="0" hangingPunct="1">
+              <a:spcBef>
+                <a:spcPts val="1000"/>
+              </a:spcBef>
+              <a:spcAft>
+                <a:spcPts val="0"/>
+              </a:spcAft>
+              <a:buClr>
+                <a:schemeClr val="bg2">
+                  <a:lumMod val="40000"/>
+                  <a:lumOff val="60000"/>
+                </a:schemeClr>
+              </a:buClr>
+              <a:buSzPct val="80000"/>
+              <a:buFont typeface="Wingdings 3" charset="2"/>
+              <a:buChar char=""/>
+              <a:defRPr sz="2000" b="0" i="0" kern="1200">
+                <a:solidFill>
+                  <a:schemeClr val="tx1"/>
+                </a:solidFill>
+                <a:latin typeface="+mj-lt"/>
+                <a:ea typeface="+mj-ea"/>
+                <a:cs typeface="+mj-cs"/>
+              </a:defRPr>
+            </a:lvl1pPr>
+            <a:lvl2pPr marL="742950" indent="-285750" algn="l" defTabSz="457200" rtl="0" eaLnBrk="1" latinLnBrk="0" hangingPunct="1">
+              <a:spcBef>
+                <a:spcPts val="1000"/>
+              </a:spcBef>
+              <a:spcAft>
+                <a:spcPts val="0"/>
+              </a:spcAft>
+              <a:buClr>
+                <a:schemeClr val="bg2">
+                  <a:lumMod val="40000"/>
+                  <a:lumOff val="60000"/>
+                </a:schemeClr>
+              </a:buClr>
+              <a:buSzPct val="80000"/>
+              <a:buFont typeface="Wingdings 3" charset="2"/>
+              <a:buChar char=""/>
+              <a:defRPr sz="1800" b="0" i="0" kern="1200">
+                <a:solidFill>
+                  <a:schemeClr val="tx1"/>
+                </a:solidFill>
+                <a:latin typeface="+mj-lt"/>
+                <a:ea typeface="+mj-ea"/>
+                <a:cs typeface="+mj-cs"/>
+              </a:defRPr>
+            </a:lvl2pPr>
+            <a:lvl3pPr marL="1143000" indent="-228600" algn="l" defTabSz="457200" rtl="0" eaLnBrk="1" latinLnBrk="0" hangingPunct="1">
+              <a:spcBef>
+                <a:spcPts val="1000"/>
+              </a:spcBef>
+              <a:spcAft>
+                <a:spcPts val="0"/>
+              </a:spcAft>
+              <a:buClr>
+                <a:schemeClr val="bg2">
+                  <a:lumMod val="40000"/>
+                  <a:lumOff val="60000"/>
+                </a:schemeClr>
+              </a:buClr>
+              <a:buSzPct val="80000"/>
+              <a:buFont typeface="Wingdings 3" charset="2"/>
+              <a:buChar char=""/>
+              <a:defRPr sz="1600" b="0" i="0" kern="1200">
+                <a:solidFill>
+                  <a:schemeClr val="tx1"/>
+                </a:solidFill>
+                <a:latin typeface="+mj-lt"/>
+                <a:ea typeface="+mj-ea"/>
+                <a:cs typeface="+mj-cs"/>
+              </a:defRPr>
+            </a:lvl3pPr>
+            <a:lvl4pPr marL="1600200" indent="-228600" algn="l" defTabSz="457200" rtl="0" eaLnBrk="1" latinLnBrk="0" hangingPunct="1">
+              <a:spcBef>
+                <a:spcPts val="1000"/>
+              </a:spcBef>
+              <a:spcAft>
+                <a:spcPts val="0"/>
+              </a:spcAft>
+              <a:buClr>
+                <a:schemeClr val="bg2">
+                  <a:lumMod val="40000"/>
+                  <a:lumOff val="60000"/>
+                </a:schemeClr>
+              </a:buClr>
+              <a:buSzPct val="80000"/>
+              <a:buFont typeface="Wingdings 3" charset="2"/>
+              <a:buChar char=""/>
+              <a:defRPr sz="1400" b="0" i="0" kern="1200">
+                <a:solidFill>
+                  <a:schemeClr val="tx1"/>
+                </a:solidFill>
+                <a:latin typeface="+mj-lt"/>
+                <a:ea typeface="+mj-ea"/>
+                <a:cs typeface="+mj-cs"/>
+              </a:defRPr>
+            </a:lvl4pPr>
+            <a:lvl5pPr marL="2057400" indent="-228600" algn="l" defTabSz="457200" rtl="0" eaLnBrk="1" latinLnBrk="0" hangingPunct="1">
+              <a:spcBef>
+                <a:spcPts val="1000"/>
+              </a:spcBef>
+              <a:spcAft>
+                <a:spcPts val="0"/>
+              </a:spcAft>
+              <a:buClr>
+                <a:schemeClr val="bg2">
+                  <a:lumMod val="40000"/>
+                  <a:lumOff val="60000"/>
+                </a:schemeClr>
+              </a:buClr>
+              <a:buSzPct val="80000"/>
+              <a:buFont typeface="Wingdings 3" charset="2"/>
+              <a:buChar char=""/>
+              <a:defRPr sz="1400" b="0" i="0" kern="1200">
+                <a:solidFill>
+                  <a:schemeClr val="tx1"/>
+                </a:solidFill>
+                <a:latin typeface="+mj-lt"/>
+                <a:ea typeface="+mj-ea"/>
+                <a:cs typeface="+mj-cs"/>
+              </a:defRPr>
+            </a:lvl5pPr>
+            <a:lvl6pPr marL="2506000" indent="-228600" algn="l" defTabSz="457200" rtl="0" eaLnBrk="1" latinLnBrk="0" hangingPunct="1">
+              <a:spcBef>
+                <a:spcPts val="1000"/>
+              </a:spcBef>
+              <a:spcAft>
+                <a:spcPts val="0"/>
+              </a:spcAft>
+              <a:buClr>
+                <a:schemeClr val="bg2">
+                  <a:lumMod val="40000"/>
+                  <a:lumOff val="60000"/>
+                </a:schemeClr>
+              </a:buClr>
+              <a:buSzPct val="80000"/>
+              <a:buFont typeface="Wingdings 3" charset="2"/>
+              <a:buChar char=""/>
+              <a:defRPr sz="1400" b="0" i="0" kern="1200">
+                <a:solidFill>
+                  <a:schemeClr val="tx1"/>
+                </a:solidFill>
+                <a:latin typeface="+mj-lt"/>
+                <a:ea typeface="+mj-ea"/>
+                <a:cs typeface="+mj-cs"/>
+              </a:defRPr>
+            </a:lvl6pPr>
+            <a:lvl7pPr marL="2971800" indent="-228600" algn="l" defTabSz="457200" rtl="0" eaLnBrk="1" latinLnBrk="0" hangingPunct="1">
+              <a:spcBef>
+                <a:spcPts val="1000"/>
+              </a:spcBef>
+              <a:spcAft>
+                <a:spcPts val="0"/>
+              </a:spcAft>
+              <a:buClr>
+                <a:schemeClr val="bg2">
+                  <a:lumMod val="40000"/>
+                  <a:lumOff val="60000"/>
+                </a:schemeClr>
+              </a:buClr>
+              <a:buSzPct val="80000"/>
+              <a:buFont typeface="Wingdings 3" charset="2"/>
+              <a:buChar char=""/>
+              <a:defRPr sz="1400" b="0" i="0" kern="1200">
+                <a:solidFill>
+                  <a:schemeClr val="tx1"/>
+                </a:solidFill>
+                <a:latin typeface="+mj-lt"/>
+                <a:ea typeface="+mj-ea"/>
+                <a:cs typeface="+mj-cs"/>
+              </a:defRPr>
+            </a:lvl7pPr>
+            <a:lvl8pPr marL="3429000" indent="-228600" algn="l" defTabSz="457200" rtl="0" eaLnBrk="1" latinLnBrk="0" hangingPunct="1">
+              <a:spcBef>
+                <a:spcPts val="1000"/>
+              </a:spcBef>
+              <a:spcAft>
+                <a:spcPts val="0"/>
+              </a:spcAft>
+              <a:buClr>
+                <a:schemeClr val="bg2">
+                  <a:lumMod val="40000"/>
+                  <a:lumOff val="60000"/>
+                </a:schemeClr>
+              </a:buClr>
+              <a:buSzPct val="80000"/>
+              <a:buFont typeface="Wingdings 3" charset="2"/>
+              <a:buChar char=""/>
+              <a:defRPr sz="1400" b="0" i="0" kern="1200">
+                <a:solidFill>
+                  <a:schemeClr val="tx1"/>
+                </a:solidFill>
+                <a:latin typeface="+mj-lt"/>
+                <a:ea typeface="+mj-ea"/>
+                <a:cs typeface="+mj-cs"/>
+              </a:defRPr>
+            </a:lvl8pPr>
+            <a:lvl9pPr marL="3886200" indent="-228600" algn="l" defTabSz="457200" rtl="0" eaLnBrk="1" latinLnBrk="0" hangingPunct="1">
+              <a:spcBef>
+                <a:spcPts val="1000"/>
+              </a:spcBef>
+              <a:spcAft>
+                <a:spcPts val="0"/>
+              </a:spcAft>
+              <a:buClr>
+                <a:schemeClr val="bg2">
+                  <a:lumMod val="40000"/>
+                  <a:lumOff val="60000"/>
+                </a:schemeClr>
+              </a:buClr>
+              <a:buSzPct val="80000"/>
+              <a:buFont typeface="Wingdings 3" charset="2"/>
+              <a:buChar char=""/>
+              <a:defRPr sz="1400" b="0" i="0" kern="1200">
+                <a:solidFill>
+                  <a:schemeClr val="tx1"/>
+                </a:solidFill>
+                <a:latin typeface="+mj-lt"/>
+                <a:ea typeface="+mj-ea"/>
+                <a:cs typeface="+mj-cs"/>
+              </a:defRPr>
+            </a:lvl9pPr>
+          </a:lstStyle>
+          <a:p>
+            <a:pPr marL="0" indent="0">
+              <a:buFont typeface="Wingdings 3" charset="2"/>
+              <a:buNone/>
+            </a:pPr>
+            <a:r>
+              <a:rPr lang="pt-BR" dirty="0"/>
+              <a:t>VSPI </a:t>
             </a:r>
             <a:r>
               <a:rPr lang="pt-BR" dirty="0" err="1"/>
-              <a:t>Datalogger</a:t>
-            </a:r>
+              <a:t>StandBy</a:t>
+            </a:r>
+            <a:endParaRPr lang="pt-BR" dirty="0"/>
+          </a:p>
+          <a:p>
+            <a:endParaRPr lang="pt-BR" dirty="0"/>
+          </a:p>
+        </p:txBody>
+      </p:sp>
+      <p:sp>
+        <p:nvSpPr>
+          <p:cNvPr id="38" name="Espaço Reservado para Conteúdo 2">
+            <a:extLst>
+              <a:ext uri="{FF2B5EF4-FFF2-40B4-BE49-F238E27FC236}">
+                <a16:creationId xmlns:a16="http://schemas.microsoft.com/office/drawing/2014/main" id="{7E149968-3AC0-B4D1-BCF2-2C8FAB012546}"/>
+              </a:ext>
+            </a:extLst>
+          </p:cNvPr>
+          <p:cNvSpPr txBox="1">
+            <a:spLocks/>
+          </p:cNvSpPr>
+          <p:nvPr/>
+        </p:nvSpPr>
+        <p:spPr>
+          <a:xfrm>
+            <a:off x="8426247" y="1109457"/>
+            <a:ext cx="2999762" cy="410086"/>
+          </a:xfrm>
+          <a:prstGeom prst="rect">
+            <a:avLst/>
+          </a:prstGeom>
+        </p:spPr>
+        <p:txBody>
+          <a:bodyPr vert="horz" lIns="91440" tIns="45720" rIns="91440" bIns="45720" rtlCol="0">
+            <a:normAutofit/>
+          </a:bodyPr>
+          <a:lstStyle>
+            <a:lvl1pPr marL="342900" indent="-342900" algn="l" defTabSz="457200" rtl="0" eaLnBrk="1" latinLnBrk="0" hangingPunct="1">
+              <a:spcBef>
+                <a:spcPts val="1000"/>
+              </a:spcBef>
+              <a:spcAft>
+                <a:spcPts val="0"/>
+              </a:spcAft>
+              <a:buClr>
+                <a:schemeClr val="bg2">
+                  <a:lumMod val="40000"/>
+                  <a:lumOff val="60000"/>
+                </a:schemeClr>
+              </a:buClr>
+              <a:buSzPct val="80000"/>
+              <a:buFont typeface="Wingdings 3" charset="2"/>
+              <a:buChar char=""/>
+              <a:defRPr sz="2000" b="0" i="0" kern="1200">
+                <a:solidFill>
+                  <a:schemeClr val="tx1"/>
+                </a:solidFill>
+                <a:latin typeface="+mj-lt"/>
+                <a:ea typeface="+mj-ea"/>
+                <a:cs typeface="+mj-cs"/>
+              </a:defRPr>
+            </a:lvl1pPr>
+            <a:lvl2pPr marL="742950" indent="-285750" algn="l" defTabSz="457200" rtl="0" eaLnBrk="1" latinLnBrk="0" hangingPunct="1">
+              <a:spcBef>
+                <a:spcPts val="1000"/>
+              </a:spcBef>
+              <a:spcAft>
+                <a:spcPts val="0"/>
+              </a:spcAft>
+              <a:buClr>
+                <a:schemeClr val="bg2">
+                  <a:lumMod val="40000"/>
+                  <a:lumOff val="60000"/>
+                </a:schemeClr>
+              </a:buClr>
+              <a:buSzPct val="80000"/>
+              <a:buFont typeface="Wingdings 3" charset="2"/>
+              <a:buChar char=""/>
+              <a:defRPr sz="1800" b="0" i="0" kern="1200">
+                <a:solidFill>
+                  <a:schemeClr val="tx1"/>
+                </a:solidFill>
+                <a:latin typeface="+mj-lt"/>
+                <a:ea typeface="+mj-ea"/>
+                <a:cs typeface="+mj-cs"/>
+              </a:defRPr>
+            </a:lvl2pPr>
+            <a:lvl3pPr marL="1143000" indent="-228600" algn="l" defTabSz="457200" rtl="0" eaLnBrk="1" latinLnBrk="0" hangingPunct="1">
+              <a:spcBef>
+                <a:spcPts val="1000"/>
+              </a:spcBef>
+              <a:spcAft>
+                <a:spcPts val="0"/>
+              </a:spcAft>
+              <a:buClr>
+                <a:schemeClr val="bg2">
+                  <a:lumMod val="40000"/>
+                  <a:lumOff val="60000"/>
+                </a:schemeClr>
+              </a:buClr>
+              <a:buSzPct val="80000"/>
+              <a:buFont typeface="Wingdings 3" charset="2"/>
+              <a:buChar char=""/>
+              <a:defRPr sz="1600" b="0" i="0" kern="1200">
+                <a:solidFill>
+                  <a:schemeClr val="tx1"/>
+                </a:solidFill>
+                <a:latin typeface="+mj-lt"/>
+                <a:ea typeface="+mj-ea"/>
+                <a:cs typeface="+mj-cs"/>
+              </a:defRPr>
+            </a:lvl3pPr>
+            <a:lvl4pPr marL="1600200" indent="-228600" algn="l" defTabSz="457200" rtl="0" eaLnBrk="1" latinLnBrk="0" hangingPunct="1">
+              <a:spcBef>
+                <a:spcPts val="1000"/>
+              </a:spcBef>
+              <a:spcAft>
+                <a:spcPts val="0"/>
+              </a:spcAft>
+              <a:buClr>
+                <a:schemeClr val="bg2">
+                  <a:lumMod val="40000"/>
+                  <a:lumOff val="60000"/>
+                </a:schemeClr>
+              </a:buClr>
+              <a:buSzPct val="80000"/>
+              <a:buFont typeface="Wingdings 3" charset="2"/>
+              <a:buChar char=""/>
+              <a:defRPr sz="1400" b="0" i="0" kern="1200">
+                <a:solidFill>
+                  <a:schemeClr val="tx1"/>
+                </a:solidFill>
+                <a:latin typeface="+mj-lt"/>
+                <a:ea typeface="+mj-ea"/>
+                <a:cs typeface="+mj-cs"/>
+              </a:defRPr>
+            </a:lvl4pPr>
+            <a:lvl5pPr marL="2057400" indent="-228600" algn="l" defTabSz="457200" rtl="0" eaLnBrk="1" latinLnBrk="0" hangingPunct="1">
+              <a:spcBef>
+                <a:spcPts val="1000"/>
+              </a:spcBef>
+              <a:spcAft>
+                <a:spcPts val="0"/>
+              </a:spcAft>
+              <a:buClr>
+                <a:schemeClr val="bg2">
+                  <a:lumMod val="40000"/>
+                  <a:lumOff val="60000"/>
+                </a:schemeClr>
+              </a:buClr>
+              <a:buSzPct val="80000"/>
+              <a:buFont typeface="Wingdings 3" charset="2"/>
+              <a:buChar char=""/>
+              <a:defRPr sz="1400" b="0" i="0" kern="1200">
+                <a:solidFill>
+                  <a:schemeClr val="tx1"/>
+                </a:solidFill>
+                <a:latin typeface="+mj-lt"/>
+                <a:ea typeface="+mj-ea"/>
+                <a:cs typeface="+mj-cs"/>
+              </a:defRPr>
+            </a:lvl5pPr>
+            <a:lvl6pPr marL="2506000" indent="-228600" algn="l" defTabSz="457200" rtl="0" eaLnBrk="1" latinLnBrk="0" hangingPunct="1">
+              <a:spcBef>
+                <a:spcPts val="1000"/>
+              </a:spcBef>
+              <a:spcAft>
+                <a:spcPts val="0"/>
+              </a:spcAft>
+              <a:buClr>
+                <a:schemeClr val="bg2">
+                  <a:lumMod val="40000"/>
+                  <a:lumOff val="60000"/>
+                </a:schemeClr>
+              </a:buClr>
+              <a:buSzPct val="80000"/>
+              <a:buFont typeface="Wingdings 3" charset="2"/>
+              <a:buChar char=""/>
+              <a:defRPr sz="1400" b="0" i="0" kern="1200">
+                <a:solidFill>
+                  <a:schemeClr val="tx1"/>
+                </a:solidFill>
+                <a:latin typeface="+mj-lt"/>
+                <a:ea typeface="+mj-ea"/>
+                <a:cs typeface="+mj-cs"/>
+              </a:defRPr>
+            </a:lvl6pPr>
+            <a:lvl7pPr marL="2971800" indent="-228600" algn="l" defTabSz="457200" rtl="0" eaLnBrk="1" latinLnBrk="0" hangingPunct="1">
+              <a:spcBef>
+                <a:spcPts val="1000"/>
+              </a:spcBef>
+              <a:spcAft>
+                <a:spcPts val="0"/>
+              </a:spcAft>
+              <a:buClr>
+                <a:schemeClr val="bg2">
+                  <a:lumMod val="40000"/>
+                  <a:lumOff val="60000"/>
+                </a:schemeClr>
+              </a:buClr>
+              <a:buSzPct val="80000"/>
+              <a:buFont typeface="Wingdings 3" charset="2"/>
+              <a:buChar char=""/>
+              <a:defRPr sz="1400" b="0" i="0" kern="1200">
+                <a:solidFill>
+                  <a:schemeClr val="tx1"/>
+                </a:solidFill>
+                <a:latin typeface="+mj-lt"/>
+                <a:ea typeface="+mj-ea"/>
+                <a:cs typeface="+mj-cs"/>
+              </a:defRPr>
+            </a:lvl7pPr>
+            <a:lvl8pPr marL="3429000" indent="-228600" algn="l" defTabSz="457200" rtl="0" eaLnBrk="1" latinLnBrk="0" hangingPunct="1">
+              <a:spcBef>
+                <a:spcPts val="1000"/>
+              </a:spcBef>
+              <a:spcAft>
+                <a:spcPts val="0"/>
+              </a:spcAft>
+              <a:buClr>
+                <a:schemeClr val="bg2">
+                  <a:lumMod val="40000"/>
+                  <a:lumOff val="60000"/>
+                </a:schemeClr>
+              </a:buClr>
+              <a:buSzPct val="80000"/>
+              <a:buFont typeface="Wingdings 3" charset="2"/>
+              <a:buChar char=""/>
+              <a:defRPr sz="1400" b="0" i="0" kern="1200">
+                <a:solidFill>
+                  <a:schemeClr val="tx1"/>
+                </a:solidFill>
+                <a:latin typeface="+mj-lt"/>
+                <a:ea typeface="+mj-ea"/>
+                <a:cs typeface="+mj-cs"/>
+              </a:defRPr>
+            </a:lvl8pPr>
+            <a:lvl9pPr marL="3886200" indent="-228600" algn="l" defTabSz="457200" rtl="0" eaLnBrk="1" latinLnBrk="0" hangingPunct="1">
+              <a:spcBef>
+                <a:spcPts val="1000"/>
+              </a:spcBef>
+              <a:spcAft>
+                <a:spcPts val="0"/>
+              </a:spcAft>
+              <a:buClr>
+                <a:schemeClr val="bg2">
+                  <a:lumMod val="40000"/>
+                  <a:lumOff val="60000"/>
+                </a:schemeClr>
+              </a:buClr>
+              <a:buSzPct val="80000"/>
+              <a:buFont typeface="Wingdings 3" charset="2"/>
+              <a:buChar char=""/>
+              <a:defRPr sz="1400" b="0" i="0" kern="1200">
+                <a:solidFill>
+                  <a:schemeClr val="tx1"/>
+                </a:solidFill>
+                <a:latin typeface="+mj-lt"/>
+                <a:ea typeface="+mj-ea"/>
+                <a:cs typeface="+mj-cs"/>
+              </a:defRPr>
+            </a:lvl9pPr>
+          </a:lstStyle>
+          <a:p>
+            <a:pPr marL="0" indent="0">
+              <a:buFont typeface="Wingdings 3" charset="2"/>
+              <a:buNone/>
+            </a:pPr>
             <a:r>
               <a:rPr lang="pt-BR" dirty="0"/>
-              <a:t> consegue exercer no trabalho? Ou manter como cópia? Faz sentido isso? Se manter como cópia há o problema de duplicar todas as portas, aumento de gastos, não faz MUUUUITO sentido.</a:t>
+              <a:t>VSPI </a:t>
+            </a:r>
+            <a:r>
+              <a:rPr lang="pt-BR" dirty="0" err="1"/>
+              <a:t>StandBy</a:t>
+            </a:r>
+            <a:endParaRPr lang="pt-BR" dirty="0"/>
+          </a:p>
+        </p:txBody>
+      </p:sp>
+      <p:cxnSp>
+        <p:nvCxnSpPr>
+          <p:cNvPr id="39" name="Conector reto 38">
+            <a:extLst>
+              <a:ext uri="{FF2B5EF4-FFF2-40B4-BE49-F238E27FC236}">
+                <a16:creationId xmlns:a16="http://schemas.microsoft.com/office/drawing/2014/main" id="{14D8FE5F-248B-12DD-5174-7852C6ED674E}"/>
+              </a:ext>
+            </a:extLst>
+          </p:cNvPr>
+          <p:cNvCxnSpPr>
+            <a:cxnSpLocks/>
+          </p:cNvCxnSpPr>
+          <p:nvPr/>
+        </p:nvCxnSpPr>
+        <p:spPr>
+          <a:xfrm flipH="1">
+            <a:off x="7674321" y="1620853"/>
+            <a:ext cx="703385" cy="0"/>
+          </a:xfrm>
+          <a:prstGeom prst="line">
+            <a:avLst/>
+          </a:prstGeom>
+          <a:ln w="114300">
+            <a:solidFill>
+              <a:schemeClr val="accent6">
+                <a:lumMod val="60000"/>
+                <a:lumOff val="40000"/>
+              </a:schemeClr>
+            </a:solidFill>
+          </a:ln>
+        </p:spPr>
+        <p:style>
+          <a:lnRef idx="1">
+            <a:schemeClr val="accent1"/>
+          </a:lnRef>
+          <a:fillRef idx="0">
+            <a:schemeClr val="accent1"/>
+          </a:fillRef>
+          <a:effectRef idx="0">
+            <a:schemeClr val="accent1"/>
+          </a:effectRef>
+          <a:fontRef idx="minor">
+            <a:schemeClr val="tx1"/>
+          </a:fontRef>
+        </p:style>
+      </p:cxnSp>
+      <p:cxnSp>
+        <p:nvCxnSpPr>
+          <p:cNvPr id="40" name="Conector reto 39">
+            <a:extLst>
+              <a:ext uri="{FF2B5EF4-FFF2-40B4-BE49-F238E27FC236}">
+                <a16:creationId xmlns:a16="http://schemas.microsoft.com/office/drawing/2014/main" id="{67963F82-E85E-5C09-C620-C3B604423D74}"/>
+              </a:ext>
+            </a:extLst>
+          </p:cNvPr>
+          <p:cNvCxnSpPr>
+            <a:cxnSpLocks/>
+          </p:cNvCxnSpPr>
+          <p:nvPr/>
+        </p:nvCxnSpPr>
+        <p:spPr>
+          <a:xfrm flipH="1">
+            <a:off x="7681360" y="2457841"/>
+            <a:ext cx="703385" cy="0"/>
+          </a:xfrm>
+          <a:prstGeom prst="line">
+            <a:avLst/>
+          </a:prstGeom>
+          <a:ln w="114300">
+            <a:solidFill>
+              <a:schemeClr val="accent6">
+                <a:lumMod val="60000"/>
+                <a:lumOff val="40000"/>
+              </a:schemeClr>
+            </a:solidFill>
+          </a:ln>
+        </p:spPr>
+        <p:style>
+          <a:lnRef idx="1">
+            <a:schemeClr val="accent1"/>
+          </a:lnRef>
+          <a:fillRef idx="0">
+            <a:schemeClr val="accent1"/>
+          </a:fillRef>
+          <a:effectRef idx="0">
+            <a:schemeClr val="accent1"/>
+          </a:effectRef>
+          <a:fontRef idx="minor">
+            <a:schemeClr val="tx1"/>
+          </a:fontRef>
+        </p:style>
+      </p:cxnSp>
+      <p:sp>
+        <p:nvSpPr>
+          <p:cNvPr id="41" name="Espaço Reservado para Conteúdo 2">
+            <a:extLst>
+              <a:ext uri="{FF2B5EF4-FFF2-40B4-BE49-F238E27FC236}">
+                <a16:creationId xmlns:a16="http://schemas.microsoft.com/office/drawing/2014/main" id="{5562782E-350C-9F30-BBE6-432455F9603F}"/>
+              </a:ext>
+            </a:extLst>
+          </p:cNvPr>
+          <p:cNvSpPr txBox="1">
+            <a:spLocks/>
+          </p:cNvSpPr>
+          <p:nvPr/>
+        </p:nvSpPr>
+        <p:spPr>
+          <a:xfrm>
+            <a:off x="8409855" y="1401806"/>
+            <a:ext cx="2999762" cy="410086"/>
+          </a:xfrm>
+          <a:prstGeom prst="rect">
+            <a:avLst/>
+          </a:prstGeom>
+        </p:spPr>
+        <p:txBody>
+          <a:bodyPr vert="horz" lIns="91440" tIns="45720" rIns="91440" bIns="45720" rtlCol="0">
+            <a:normAutofit/>
+          </a:bodyPr>
+          <a:lstStyle>
+            <a:lvl1pPr marL="342900" indent="-342900" algn="l" defTabSz="457200" rtl="0" eaLnBrk="1" latinLnBrk="0" hangingPunct="1">
+              <a:spcBef>
+                <a:spcPts val="1000"/>
+              </a:spcBef>
+              <a:spcAft>
+                <a:spcPts val="0"/>
+              </a:spcAft>
+              <a:buClr>
+                <a:schemeClr val="bg2">
+                  <a:lumMod val="40000"/>
+                  <a:lumOff val="60000"/>
+                </a:schemeClr>
+              </a:buClr>
+              <a:buSzPct val="80000"/>
+              <a:buFont typeface="Wingdings 3" charset="2"/>
+              <a:buChar char=""/>
+              <a:defRPr sz="2000" b="0" i="0" kern="1200">
+                <a:solidFill>
+                  <a:schemeClr val="tx1"/>
+                </a:solidFill>
+                <a:latin typeface="+mj-lt"/>
+                <a:ea typeface="+mj-ea"/>
+                <a:cs typeface="+mj-cs"/>
+              </a:defRPr>
+            </a:lvl1pPr>
+            <a:lvl2pPr marL="742950" indent="-285750" algn="l" defTabSz="457200" rtl="0" eaLnBrk="1" latinLnBrk="0" hangingPunct="1">
+              <a:spcBef>
+                <a:spcPts val="1000"/>
+              </a:spcBef>
+              <a:spcAft>
+                <a:spcPts val="0"/>
+              </a:spcAft>
+              <a:buClr>
+                <a:schemeClr val="bg2">
+                  <a:lumMod val="40000"/>
+                  <a:lumOff val="60000"/>
+                </a:schemeClr>
+              </a:buClr>
+              <a:buSzPct val="80000"/>
+              <a:buFont typeface="Wingdings 3" charset="2"/>
+              <a:buChar char=""/>
+              <a:defRPr sz="1800" b="0" i="0" kern="1200">
+                <a:solidFill>
+                  <a:schemeClr val="tx1"/>
+                </a:solidFill>
+                <a:latin typeface="+mj-lt"/>
+                <a:ea typeface="+mj-ea"/>
+                <a:cs typeface="+mj-cs"/>
+              </a:defRPr>
+            </a:lvl2pPr>
+            <a:lvl3pPr marL="1143000" indent="-228600" algn="l" defTabSz="457200" rtl="0" eaLnBrk="1" latinLnBrk="0" hangingPunct="1">
+              <a:spcBef>
+                <a:spcPts val="1000"/>
+              </a:spcBef>
+              <a:spcAft>
+                <a:spcPts val="0"/>
+              </a:spcAft>
+              <a:buClr>
+                <a:schemeClr val="bg2">
+                  <a:lumMod val="40000"/>
+                  <a:lumOff val="60000"/>
+                </a:schemeClr>
+              </a:buClr>
+              <a:buSzPct val="80000"/>
+              <a:buFont typeface="Wingdings 3" charset="2"/>
+              <a:buChar char=""/>
+              <a:defRPr sz="1600" b="0" i="0" kern="1200">
+                <a:solidFill>
+                  <a:schemeClr val="tx1"/>
+                </a:solidFill>
+                <a:latin typeface="+mj-lt"/>
+                <a:ea typeface="+mj-ea"/>
+                <a:cs typeface="+mj-cs"/>
+              </a:defRPr>
+            </a:lvl3pPr>
+            <a:lvl4pPr marL="1600200" indent="-228600" algn="l" defTabSz="457200" rtl="0" eaLnBrk="1" latinLnBrk="0" hangingPunct="1">
+              <a:spcBef>
+                <a:spcPts val="1000"/>
+              </a:spcBef>
+              <a:spcAft>
+                <a:spcPts val="0"/>
+              </a:spcAft>
+              <a:buClr>
+                <a:schemeClr val="bg2">
+                  <a:lumMod val="40000"/>
+                  <a:lumOff val="60000"/>
+                </a:schemeClr>
+              </a:buClr>
+              <a:buSzPct val="80000"/>
+              <a:buFont typeface="Wingdings 3" charset="2"/>
+              <a:buChar char=""/>
+              <a:defRPr sz="1400" b="0" i="0" kern="1200">
+                <a:solidFill>
+                  <a:schemeClr val="tx1"/>
+                </a:solidFill>
+                <a:latin typeface="+mj-lt"/>
+                <a:ea typeface="+mj-ea"/>
+                <a:cs typeface="+mj-cs"/>
+              </a:defRPr>
+            </a:lvl4pPr>
+            <a:lvl5pPr marL="2057400" indent="-228600" algn="l" defTabSz="457200" rtl="0" eaLnBrk="1" latinLnBrk="0" hangingPunct="1">
+              <a:spcBef>
+                <a:spcPts val="1000"/>
+              </a:spcBef>
+              <a:spcAft>
+                <a:spcPts val="0"/>
+              </a:spcAft>
+              <a:buClr>
+                <a:schemeClr val="bg2">
+                  <a:lumMod val="40000"/>
+                  <a:lumOff val="60000"/>
+                </a:schemeClr>
+              </a:buClr>
+              <a:buSzPct val="80000"/>
+              <a:buFont typeface="Wingdings 3" charset="2"/>
+              <a:buChar char=""/>
+              <a:defRPr sz="1400" b="0" i="0" kern="1200">
+                <a:solidFill>
+                  <a:schemeClr val="tx1"/>
+                </a:solidFill>
+                <a:latin typeface="+mj-lt"/>
+                <a:ea typeface="+mj-ea"/>
+                <a:cs typeface="+mj-cs"/>
+              </a:defRPr>
+            </a:lvl5pPr>
+            <a:lvl6pPr marL="2506000" indent="-228600" algn="l" defTabSz="457200" rtl="0" eaLnBrk="1" latinLnBrk="0" hangingPunct="1">
+              <a:spcBef>
+                <a:spcPts val="1000"/>
+              </a:spcBef>
+              <a:spcAft>
+                <a:spcPts val="0"/>
+              </a:spcAft>
+              <a:buClr>
+                <a:schemeClr val="bg2">
+                  <a:lumMod val="40000"/>
+                  <a:lumOff val="60000"/>
+                </a:schemeClr>
+              </a:buClr>
+              <a:buSzPct val="80000"/>
+              <a:buFont typeface="Wingdings 3" charset="2"/>
+              <a:buChar char=""/>
+              <a:defRPr sz="1400" b="0" i="0" kern="1200">
+                <a:solidFill>
+                  <a:schemeClr val="tx1"/>
+                </a:solidFill>
+                <a:latin typeface="+mj-lt"/>
+                <a:ea typeface="+mj-ea"/>
+                <a:cs typeface="+mj-cs"/>
+              </a:defRPr>
+            </a:lvl6pPr>
+            <a:lvl7pPr marL="2971800" indent="-228600" algn="l" defTabSz="457200" rtl="0" eaLnBrk="1" latinLnBrk="0" hangingPunct="1">
+              <a:spcBef>
+                <a:spcPts val="1000"/>
+              </a:spcBef>
+              <a:spcAft>
+                <a:spcPts val="0"/>
+              </a:spcAft>
+              <a:buClr>
+                <a:schemeClr val="bg2">
+                  <a:lumMod val="40000"/>
+                  <a:lumOff val="60000"/>
+                </a:schemeClr>
+              </a:buClr>
+              <a:buSzPct val="80000"/>
+              <a:buFont typeface="Wingdings 3" charset="2"/>
+              <a:buChar char=""/>
+              <a:defRPr sz="1400" b="0" i="0" kern="1200">
+                <a:solidFill>
+                  <a:schemeClr val="tx1"/>
+                </a:solidFill>
+                <a:latin typeface="+mj-lt"/>
+                <a:ea typeface="+mj-ea"/>
+                <a:cs typeface="+mj-cs"/>
+              </a:defRPr>
+            </a:lvl7pPr>
+            <a:lvl8pPr marL="3429000" indent="-228600" algn="l" defTabSz="457200" rtl="0" eaLnBrk="1" latinLnBrk="0" hangingPunct="1">
+              <a:spcBef>
+                <a:spcPts val="1000"/>
+              </a:spcBef>
+              <a:spcAft>
+                <a:spcPts val="0"/>
+              </a:spcAft>
+              <a:buClr>
+                <a:schemeClr val="bg2">
+                  <a:lumMod val="40000"/>
+                  <a:lumOff val="60000"/>
+                </a:schemeClr>
+              </a:buClr>
+              <a:buSzPct val="80000"/>
+              <a:buFont typeface="Wingdings 3" charset="2"/>
+              <a:buChar char=""/>
+              <a:defRPr sz="1400" b="0" i="0" kern="1200">
+                <a:solidFill>
+                  <a:schemeClr val="tx1"/>
+                </a:solidFill>
+                <a:latin typeface="+mj-lt"/>
+                <a:ea typeface="+mj-ea"/>
+                <a:cs typeface="+mj-cs"/>
+              </a:defRPr>
+            </a:lvl8pPr>
+            <a:lvl9pPr marL="3886200" indent="-228600" algn="l" defTabSz="457200" rtl="0" eaLnBrk="1" latinLnBrk="0" hangingPunct="1">
+              <a:spcBef>
+                <a:spcPts val="1000"/>
+              </a:spcBef>
+              <a:spcAft>
+                <a:spcPts val="0"/>
+              </a:spcAft>
+              <a:buClr>
+                <a:schemeClr val="bg2">
+                  <a:lumMod val="40000"/>
+                  <a:lumOff val="60000"/>
+                </a:schemeClr>
+              </a:buClr>
+              <a:buSzPct val="80000"/>
+              <a:buFont typeface="Wingdings 3" charset="2"/>
+              <a:buChar char=""/>
+              <a:defRPr sz="1400" b="0" i="0" kern="1200">
+                <a:solidFill>
+                  <a:schemeClr val="tx1"/>
+                </a:solidFill>
+                <a:latin typeface="+mj-lt"/>
+                <a:ea typeface="+mj-ea"/>
+                <a:cs typeface="+mj-cs"/>
+              </a:defRPr>
+            </a:lvl9pPr>
+          </a:lstStyle>
+          <a:p>
+            <a:pPr marL="0" indent="0">
+              <a:buFont typeface="Wingdings 3" charset="2"/>
+              <a:buNone/>
+            </a:pPr>
+            <a:r>
+              <a:rPr lang="pt-BR" dirty="0"/>
+              <a:t>I2C Standby</a:t>
+            </a:r>
+          </a:p>
+          <a:p>
+            <a:endParaRPr lang="pt-BR" dirty="0"/>
+          </a:p>
+        </p:txBody>
+      </p:sp>
+      <p:sp>
+        <p:nvSpPr>
+          <p:cNvPr id="42" name="Espaço Reservado para Conteúdo 2">
+            <a:extLst>
+              <a:ext uri="{FF2B5EF4-FFF2-40B4-BE49-F238E27FC236}">
+                <a16:creationId xmlns:a16="http://schemas.microsoft.com/office/drawing/2014/main" id="{53A5D65B-B1A8-5AF1-3BC8-DE7D32895DB0}"/>
+              </a:ext>
+            </a:extLst>
+          </p:cNvPr>
+          <p:cNvSpPr txBox="1">
+            <a:spLocks/>
+          </p:cNvSpPr>
+          <p:nvPr/>
+        </p:nvSpPr>
+        <p:spPr>
+          <a:xfrm>
+            <a:off x="8426247" y="2242187"/>
+            <a:ext cx="2999762" cy="410086"/>
+          </a:xfrm>
+          <a:prstGeom prst="rect">
+            <a:avLst/>
+          </a:prstGeom>
+        </p:spPr>
+        <p:txBody>
+          <a:bodyPr vert="horz" lIns="91440" tIns="45720" rIns="91440" bIns="45720" rtlCol="0">
+            <a:normAutofit/>
+          </a:bodyPr>
+          <a:lstStyle>
+            <a:lvl1pPr marL="342900" indent="-342900" algn="l" defTabSz="457200" rtl="0" eaLnBrk="1" latinLnBrk="0" hangingPunct="1">
+              <a:spcBef>
+                <a:spcPts val="1000"/>
+              </a:spcBef>
+              <a:spcAft>
+                <a:spcPts val="0"/>
+              </a:spcAft>
+              <a:buClr>
+                <a:schemeClr val="bg2">
+                  <a:lumMod val="40000"/>
+                  <a:lumOff val="60000"/>
+                </a:schemeClr>
+              </a:buClr>
+              <a:buSzPct val="80000"/>
+              <a:buFont typeface="Wingdings 3" charset="2"/>
+              <a:buChar char=""/>
+              <a:defRPr sz="2000" b="0" i="0" kern="1200">
+                <a:solidFill>
+                  <a:schemeClr val="tx1"/>
+                </a:solidFill>
+                <a:latin typeface="+mj-lt"/>
+                <a:ea typeface="+mj-ea"/>
+                <a:cs typeface="+mj-cs"/>
+              </a:defRPr>
+            </a:lvl1pPr>
+            <a:lvl2pPr marL="742950" indent="-285750" algn="l" defTabSz="457200" rtl="0" eaLnBrk="1" latinLnBrk="0" hangingPunct="1">
+              <a:spcBef>
+                <a:spcPts val="1000"/>
+              </a:spcBef>
+              <a:spcAft>
+                <a:spcPts val="0"/>
+              </a:spcAft>
+              <a:buClr>
+                <a:schemeClr val="bg2">
+                  <a:lumMod val="40000"/>
+                  <a:lumOff val="60000"/>
+                </a:schemeClr>
+              </a:buClr>
+              <a:buSzPct val="80000"/>
+              <a:buFont typeface="Wingdings 3" charset="2"/>
+              <a:buChar char=""/>
+              <a:defRPr sz="1800" b="0" i="0" kern="1200">
+                <a:solidFill>
+                  <a:schemeClr val="tx1"/>
+                </a:solidFill>
+                <a:latin typeface="+mj-lt"/>
+                <a:ea typeface="+mj-ea"/>
+                <a:cs typeface="+mj-cs"/>
+              </a:defRPr>
+            </a:lvl2pPr>
+            <a:lvl3pPr marL="1143000" indent="-228600" algn="l" defTabSz="457200" rtl="0" eaLnBrk="1" latinLnBrk="0" hangingPunct="1">
+              <a:spcBef>
+                <a:spcPts val="1000"/>
+              </a:spcBef>
+              <a:spcAft>
+                <a:spcPts val="0"/>
+              </a:spcAft>
+              <a:buClr>
+                <a:schemeClr val="bg2">
+                  <a:lumMod val="40000"/>
+                  <a:lumOff val="60000"/>
+                </a:schemeClr>
+              </a:buClr>
+              <a:buSzPct val="80000"/>
+              <a:buFont typeface="Wingdings 3" charset="2"/>
+              <a:buChar char=""/>
+              <a:defRPr sz="1600" b="0" i="0" kern="1200">
+                <a:solidFill>
+                  <a:schemeClr val="tx1"/>
+                </a:solidFill>
+                <a:latin typeface="+mj-lt"/>
+                <a:ea typeface="+mj-ea"/>
+                <a:cs typeface="+mj-cs"/>
+              </a:defRPr>
+            </a:lvl3pPr>
+            <a:lvl4pPr marL="1600200" indent="-228600" algn="l" defTabSz="457200" rtl="0" eaLnBrk="1" latinLnBrk="0" hangingPunct="1">
+              <a:spcBef>
+                <a:spcPts val="1000"/>
+              </a:spcBef>
+              <a:spcAft>
+                <a:spcPts val="0"/>
+              </a:spcAft>
+              <a:buClr>
+                <a:schemeClr val="bg2">
+                  <a:lumMod val="40000"/>
+                  <a:lumOff val="60000"/>
+                </a:schemeClr>
+              </a:buClr>
+              <a:buSzPct val="80000"/>
+              <a:buFont typeface="Wingdings 3" charset="2"/>
+              <a:buChar char=""/>
+              <a:defRPr sz="1400" b="0" i="0" kern="1200">
+                <a:solidFill>
+                  <a:schemeClr val="tx1"/>
+                </a:solidFill>
+                <a:latin typeface="+mj-lt"/>
+                <a:ea typeface="+mj-ea"/>
+                <a:cs typeface="+mj-cs"/>
+              </a:defRPr>
+            </a:lvl4pPr>
+            <a:lvl5pPr marL="2057400" indent="-228600" algn="l" defTabSz="457200" rtl="0" eaLnBrk="1" latinLnBrk="0" hangingPunct="1">
+              <a:spcBef>
+                <a:spcPts val="1000"/>
+              </a:spcBef>
+              <a:spcAft>
+                <a:spcPts val="0"/>
+              </a:spcAft>
+              <a:buClr>
+                <a:schemeClr val="bg2">
+                  <a:lumMod val="40000"/>
+                  <a:lumOff val="60000"/>
+                </a:schemeClr>
+              </a:buClr>
+              <a:buSzPct val="80000"/>
+              <a:buFont typeface="Wingdings 3" charset="2"/>
+              <a:buChar char=""/>
+              <a:defRPr sz="1400" b="0" i="0" kern="1200">
+                <a:solidFill>
+                  <a:schemeClr val="tx1"/>
+                </a:solidFill>
+                <a:latin typeface="+mj-lt"/>
+                <a:ea typeface="+mj-ea"/>
+                <a:cs typeface="+mj-cs"/>
+              </a:defRPr>
+            </a:lvl5pPr>
+            <a:lvl6pPr marL="2506000" indent="-228600" algn="l" defTabSz="457200" rtl="0" eaLnBrk="1" latinLnBrk="0" hangingPunct="1">
+              <a:spcBef>
+                <a:spcPts val="1000"/>
+              </a:spcBef>
+              <a:spcAft>
+                <a:spcPts val="0"/>
+              </a:spcAft>
+              <a:buClr>
+                <a:schemeClr val="bg2">
+                  <a:lumMod val="40000"/>
+                  <a:lumOff val="60000"/>
+                </a:schemeClr>
+              </a:buClr>
+              <a:buSzPct val="80000"/>
+              <a:buFont typeface="Wingdings 3" charset="2"/>
+              <a:buChar char=""/>
+              <a:defRPr sz="1400" b="0" i="0" kern="1200">
+                <a:solidFill>
+                  <a:schemeClr val="tx1"/>
+                </a:solidFill>
+                <a:latin typeface="+mj-lt"/>
+                <a:ea typeface="+mj-ea"/>
+                <a:cs typeface="+mj-cs"/>
+              </a:defRPr>
+            </a:lvl6pPr>
+            <a:lvl7pPr marL="2971800" indent="-228600" algn="l" defTabSz="457200" rtl="0" eaLnBrk="1" latinLnBrk="0" hangingPunct="1">
+              <a:spcBef>
+                <a:spcPts val="1000"/>
+              </a:spcBef>
+              <a:spcAft>
+                <a:spcPts val="0"/>
+              </a:spcAft>
+              <a:buClr>
+                <a:schemeClr val="bg2">
+                  <a:lumMod val="40000"/>
+                  <a:lumOff val="60000"/>
+                </a:schemeClr>
+              </a:buClr>
+              <a:buSzPct val="80000"/>
+              <a:buFont typeface="Wingdings 3" charset="2"/>
+              <a:buChar char=""/>
+              <a:defRPr sz="1400" b="0" i="0" kern="1200">
+                <a:solidFill>
+                  <a:schemeClr val="tx1"/>
+                </a:solidFill>
+                <a:latin typeface="+mj-lt"/>
+                <a:ea typeface="+mj-ea"/>
+                <a:cs typeface="+mj-cs"/>
+              </a:defRPr>
+            </a:lvl7pPr>
+            <a:lvl8pPr marL="3429000" indent="-228600" algn="l" defTabSz="457200" rtl="0" eaLnBrk="1" latinLnBrk="0" hangingPunct="1">
+              <a:spcBef>
+                <a:spcPts val="1000"/>
+              </a:spcBef>
+              <a:spcAft>
+                <a:spcPts val="0"/>
+              </a:spcAft>
+              <a:buClr>
+                <a:schemeClr val="bg2">
+                  <a:lumMod val="40000"/>
+                  <a:lumOff val="60000"/>
+                </a:schemeClr>
+              </a:buClr>
+              <a:buSzPct val="80000"/>
+              <a:buFont typeface="Wingdings 3" charset="2"/>
+              <a:buChar char=""/>
+              <a:defRPr sz="1400" b="0" i="0" kern="1200">
+                <a:solidFill>
+                  <a:schemeClr val="tx1"/>
+                </a:solidFill>
+                <a:latin typeface="+mj-lt"/>
+                <a:ea typeface="+mj-ea"/>
+                <a:cs typeface="+mj-cs"/>
+              </a:defRPr>
+            </a:lvl8pPr>
+            <a:lvl9pPr marL="3886200" indent="-228600" algn="l" defTabSz="457200" rtl="0" eaLnBrk="1" latinLnBrk="0" hangingPunct="1">
+              <a:spcBef>
+                <a:spcPts val="1000"/>
+              </a:spcBef>
+              <a:spcAft>
+                <a:spcPts val="0"/>
+              </a:spcAft>
+              <a:buClr>
+                <a:schemeClr val="bg2">
+                  <a:lumMod val="40000"/>
+                  <a:lumOff val="60000"/>
+                </a:schemeClr>
+              </a:buClr>
+              <a:buSzPct val="80000"/>
+              <a:buFont typeface="Wingdings 3" charset="2"/>
+              <a:buChar char=""/>
+              <a:defRPr sz="1400" b="0" i="0" kern="1200">
+                <a:solidFill>
+                  <a:schemeClr val="tx1"/>
+                </a:solidFill>
+                <a:latin typeface="+mj-lt"/>
+                <a:ea typeface="+mj-ea"/>
+                <a:cs typeface="+mj-cs"/>
+              </a:defRPr>
+            </a:lvl9pPr>
+          </a:lstStyle>
+          <a:p>
+            <a:pPr marL="0" indent="0">
+              <a:buFont typeface="Wingdings 3" charset="2"/>
+              <a:buNone/>
+            </a:pPr>
+            <a:r>
+              <a:rPr lang="pt-BR" dirty="0"/>
+              <a:t>I2C Standby</a:t>
+            </a:r>
+          </a:p>
+          <a:p>
+            <a:endParaRPr lang="pt-BR" dirty="0"/>
+          </a:p>
+        </p:txBody>
+      </p:sp>
+      <p:cxnSp>
+        <p:nvCxnSpPr>
+          <p:cNvPr id="43" name="Conector reto 42">
+            <a:extLst>
+              <a:ext uri="{FF2B5EF4-FFF2-40B4-BE49-F238E27FC236}">
+                <a16:creationId xmlns:a16="http://schemas.microsoft.com/office/drawing/2014/main" id="{16002F20-3576-8549-66CA-80C38D4A8848}"/>
+              </a:ext>
+            </a:extLst>
+          </p:cNvPr>
+          <p:cNvCxnSpPr>
+            <a:cxnSpLocks/>
+          </p:cNvCxnSpPr>
+          <p:nvPr/>
+        </p:nvCxnSpPr>
+        <p:spPr>
+          <a:xfrm flipH="1">
+            <a:off x="7686443" y="4168496"/>
+            <a:ext cx="703385" cy="0"/>
+          </a:xfrm>
+          <a:prstGeom prst="line">
+            <a:avLst/>
+          </a:prstGeom>
+          <a:ln w="114300">
+            <a:solidFill>
+              <a:schemeClr val="tx1"/>
+            </a:solidFill>
+          </a:ln>
+        </p:spPr>
+        <p:style>
+          <a:lnRef idx="1">
+            <a:schemeClr val="accent1"/>
+          </a:lnRef>
+          <a:fillRef idx="0">
+            <a:schemeClr val="accent1"/>
+          </a:fillRef>
+          <a:effectRef idx="0">
+            <a:schemeClr val="accent1"/>
+          </a:effectRef>
+          <a:fontRef idx="minor">
+            <a:schemeClr val="tx1"/>
+          </a:fontRef>
+        </p:style>
+      </p:cxnSp>
+      <p:sp>
+        <p:nvSpPr>
+          <p:cNvPr id="44" name="Espaço Reservado para Conteúdo 2">
+            <a:extLst>
+              <a:ext uri="{FF2B5EF4-FFF2-40B4-BE49-F238E27FC236}">
+                <a16:creationId xmlns:a16="http://schemas.microsoft.com/office/drawing/2014/main" id="{144F1084-33A7-506F-FB36-88C61AE3FA56}"/>
+              </a:ext>
+            </a:extLst>
+          </p:cNvPr>
+          <p:cNvSpPr txBox="1">
+            <a:spLocks/>
+          </p:cNvSpPr>
+          <p:nvPr/>
+        </p:nvSpPr>
+        <p:spPr>
+          <a:xfrm>
+            <a:off x="8370676" y="3912667"/>
+            <a:ext cx="1766497" cy="437064"/>
+          </a:xfrm>
+          <a:prstGeom prst="rect">
+            <a:avLst/>
+          </a:prstGeom>
+        </p:spPr>
+        <p:txBody>
+          <a:bodyPr vert="horz" lIns="91440" tIns="45720" rIns="91440" bIns="45720" rtlCol="0">
+            <a:normAutofit/>
+          </a:bodyPr>
+          <a:lstStyle>
+            <a:lvl1pPr marL="342900" indent="-342900" algn="l" defTabSz="457200" rtl="0" eaLnBrk="1" latinLnBrk="0" hangingPunct="1">
+              <a:spcBef>
+                <a:spcPts val="1000"/>
+              </a:spcBef>
+              <a:spcAft>
+                <a:spcPts val="0"/>
+              </a:spcAft>
+              <a:buClr>
+                <a:schemeClr val="bg2">
+                  <a:lumMod val="40000"/>
+                  <a:lumOff val="60000"/>
+                </a:schemeClr>
+              </a:buClr>
+              <a:buSzPct val="80000"/>
+              <a:buFont typeface="Wingdings 3" charset="2"/>
+              <a:buChar char=""/>
+              <a:defRPr sz="2000" b="0" i="0" kern="1200">
+                <a:solidFill>
+                  <a:schemeClr val="tx1"/>
+                </a:solidFill>
+                <a:latin typeface="+mj-lt"/>
+                <a:ea typeface="+mj-ea"/>
+                <a:cs typeface="+mj-cs"/>
+              </a:defRPr>
+            </a:lvl1pPr>
+            <a:lvl2pPr marL="742950" indent="-285750" algn="l" defTabSz="457200" rtl="0" eaLnBrk="1" latinLnBrk="0" hangingPunct="1">
+              <a:spcBef>
+                <a:spcPts val="1000"/>
+              </a:spcBef>
+              <a:spcAft>
+                <a:spcPts val="0"/>
+              </a:spcAft>
+              <a:buClr>
+                <a:schemeClr val="bg2">
+                  <a:lumMod val="40000"/>
+                  <a:lumOff val="60000"/>
+                </a:schemeClr>
+              </a:buClr>
+              <a:buSzPct val="80000"/>
+              <a:buFont typeface="Wingdings 3" charset="2"/>
+              <a:buChar char=""/>
+              <a:defRPr sz="1800" b="0" i="0" kern="1200">
+                <a:solidFill>
+                  <a:schemeClr val="tx1"/>
+                </a:solidFill>
+                <a:latin typeface="+mj-lt"/>
+                <a:ea typeface="+mj-ea"/>
+                <a:cs typeface="+mj-cs"/>
+              </a:defRPr>
+            </a:lvl2pPr>
+            <a:lvl3pPr marL="1143000" indent="-228600" algn="l" defTabSz="457200" rtl="0" eaLnBrk="1" latinLnBrk="0" hangingPunct="1">
+              <a:spcBef>
+                <a:spcPts val="1000"/>
+              </a:spcBef>
+              <a:spcAft>
+                <a:spcPts val="0"/>
+              </a:spcAft>
+              <a:buClr>
+                <a:schemeClr val="bg2">
+                  <a:lumMod val="40000"/>
+                  <a:lumOff val="60000"/>
+                </a:schemeClr>
+              </a:buClr>
+              <a:buSzPct val="80000"/>
+              <a:buFont typeface="Wingdings 3" charset="2"/>
+              <a:buChar char=""/>
+              <a:defRPr sz="1600" b="0" i="0" kern="1200">
+                <a:solidFill>
+                  <a:schemeClr val="tx1"/>
+                </a:solidFill>
+                <a:latin typeface="+mj-lt"/>
+                <a:ea typeface="+mj-ea"/>
+                <a:cs typeface="+mj-cs"/>
+              </a:defRPr>
+            </a:lvl3pPr>
+            <a:lvl4pPr marL="1600200" indent="-228600" algn="l" defTabSz="457200" rtl="0" eaLnBrk="1" latinLnBrk="0" hangingPunct="1">
+              <a:spcBef>
+                <a:spcPts val="1000"/>
+              </a:spcBef>
+              <a:spcAft>
+                <a:spcPts val="0"/>
+              </a:spcAft>
+              <a:buClr>
+                <a:schemeClr val="bg2">
+                  <a:lumMod val="40000"/>
+                  <a:lumOff val="60000"/>
+                </a:schemeClr>
+              </a:buClr>
+              <a:buSzPct val="80000"/>
+              <a:buFont typeface="Wingdings 3" charset="2"/>
+              <a:buChar char=""/>
+              <a:defRPr sz="1400" b="0" i="0" kern="1200">
+                <a:solidFill>
+                  <a:schemeClr val="tx1"/>
+                </a:solidFill>
+                <a:latin typeface="+mj-lt"/>
+                <a:ea typeface="+mj-ea"/>
+                <a:cs typeface="+mj-cs"/>
+              </a:defRPr>
+            </a:lvl4pPr>
+            <a:lvl5pPr marL="2057400" indent="-228600" algn="l" defTabSz="457200" rtl="0" eaLnBrk="1" latinLnBrk="0" hangingPunct="1">
+              <a:spcBef>
+                <a:spcPts val="1000"/>
+              </a:spcBef>
+              <a:spcAft>
+                <a:spcPts val="0"/>
+              </a:spcAft>
+              <a:buClr>
+                <a:schemeClr val="bg2">
+                  <a:lumMod val="40000"/>
+                  <a:lumOff val="60000"/>
+                </a:schemeClr>
+              </a:buClr>
+              <a:buSzPct val="80000"/>
+              <a:buFont typeface="Wingdings 3" charset="2"/>
+              <a:buChar char=""/>
+              <a:defRPr sz="1400" b="0" i="0" kern="1200">
+                <a:solidFill>
+                  <a:schemeClr val="tx1"/>
+                </a:solidFill>
+                <a:latin typeface="+mj-lt"/>
+                <a:ea typeface="+mj-ea"/>
+                <a:cs typeface="+mj-cs"/>
+              </a:defRPr>
+            </a:lvl5pPr>
+            <a:lvl6pPr marL="2506000" indent="-228600" algn="l" defTabSz="457200" rtl="0" eaLnBrk="1" latinLnBrk="0" hangingPunct="1">
+              <a:spcBef>
+                <a:spcPts val="1000"/>
+              </a:spcBef>
+              <a:spcAft>
+                <a:spcPts val="0"/>
+              </a:spcAft>
+              <a:buClr>
+                <a:schemeClr val="bg2">
+                  <a:lumMod val="40000"/>
+                  <a:lumOff val="60000"/>
+                </a:schemeClr>
+              </a:buClr>
+              <a:buSzPct val="80000"/>
+              <a:buFont typeface="Wingdings 3" charset="2"/>
+              <a:buChar char=""/>
+              <a:defRPr sz="1400" b="0" i="0" kern="1200">
+                <a:solidFill>
+                  <a:schemeClr val="tx1"/>
+                </a:solidFill>
+                <a:latin typeface="+mj-lt"/>
+                <a:ea typeface="+mj-ea"/>
+                <a:cs typeface="+mj-cs"/>
+              </a:defRPr>
+            </a:lvl6pPr>
+            <a:lvl7pPr marL="2971800" indent="-228600" algn="l" defTabSz="457200" rtl="0" eaLnBrk="1" latinLnBrk="0" hangingPunct="1">
+              <a:spcBef>
+                <a:spcPts val="1000"/>
+              </a:spcBef>
+              <a:spcAft>
+                <a:spcPts val="0"/>
+              </a:spcAft>
+              <a:buClr>
+                <a:schemeClr val="bg2">
+                  <a:lumMod val="40000"/>
+                  <a:lumOff val="60000"/>
+                </a:schemeClr>
+              </a:buClr>
+              <a:buSzPct val="80000"/>
+              <a:buFont typeface="Wingdings 3" charset="2"/>
+              <a:buChar char=""/>
+              <a:defRPr sz="1400" b="0" i="0" kern="1200">
+                <a:solidFill>
+                  <a:schemeClr val="tx1"/>
+                </a:solidFill>
+                <a:latin typeface="+mj-lt"/>
+                <a:ea typeface="+mj-ea"/>
+                <a:cs typeface="+mj-cs"/>
+              </a:defRPr>
+            </a:lvl7pPr>
+            <a:lvl8pPr marL="3429000" indent="-228600" algn="l" defTabSz="457200" rtl="0" eaLnBrk="1" latinLnBrk="0" hangingPunct="1">
+              <a:spcBef>
+                <a:spcPts val="1000"/>
+              </a:spcBef>
+              <a:spcAft>
+                <a:spcPts val="0"/>
+              </a:spcAft>
+              <a:buClr>
+                <a:schemeClr val="bg2">
+                  <a:lumMod val="40000"/>
+                  <a:lumOff val="60000"/>
+                </a:schemeClr>
+              </a:buClr>
+              <a:buSzPct val="80000"/>
+              <a:buFont typeface="Wingdings 3" charset="2"/>
+              <a:buChar char=""/>
+              <a:defRPr sz="1400" b="0" i="0" kern="1200">
+                <a:solidFill>
+                  <a:schemeClr val="tx1"/>
+                </a:solidFill>
+                <a:latin typeface="+mj-lt"/>
+                <a:ea typeface="+mj-ea"/>
+                <a:cs typeface="+mj-cs"/>
+              </a:defRPr>
+            </a:lvl8pPr>
+            <a:lvl9pPr marL="3886200" indent="-228600" algn="l" defTabSz="457200" rtl="0" eaLnBrk="1" latinLnBrk="0" hangingPunct="1">
+              <a:spcBef>
+                <a:spcPts val="1000"/>
+              </a:spcBef>
+              <a:spcAft>
+                <a:spcPts val="0"/>
+              </a:spcAft>
+              <a:buClr>
+                <a:schemeClr val="bg2">
+                  <a:lumMod val="40000"/>
+                  <a:lumOff val="60000"/>
+                </a:schemeClr>
+              </a:buClr>
+              <a:buSzPct val="80000"/>
+              <a:buFont typeface="Wingdings 3" charset="2"/>
+              <a:buChar char=""/>
+              <a:defRPr sz="1400" b="0" i="0" kern="1200">
+                <a:solidFill>
+                  <a:schemeClr val="tx1"/>
+                </a:solidFill>
+                <a:latin typeface="+mj-lt"/>
+                <a:ea typeface="+mj-ea"/>
+                <a:cs typeface="+mj-cs"/>
+              </a:defRPr>
+            </a:lvl9pPr>
+          </a:lstStyle>
+          <a:p>
+            <a:pPr marL="0" indent="0">
+              <a:buFont typeface="Wingdings 3" charset="2"/>
+              <a:buNone/>
+            </a:pPr>
+            <a:r>
+              <a:rPr lang="pt-BR" dirty="0"/>
+              <a:t>C</a:t>
+            </a:r>
+          </a:p>
+          <a:p>
+            <a:endParaRPr lang="pt-BR" dirty="0"/>
+          </a:p>
+        </p:txBody>
+      </p:sp>
+      <p:cxnSp>
+        <p:nvCxnSpPr>
+          <p:cNvPr id="45" name="Conector reto 44">
+            <a:extLst>
+              <a:ext uri="{FF2B5EF4-FFF2-40B4-BE49-F238E27FC236}">
+                <a16:creationId xmlns:a16="http://schemas.microsoft.com/office/drawing/2014/main" id="{5FBFE8C2-F26B-23DE-742E-9B17E1449066}"/>
+              </a:ext>
+            </a:extLst>
+          </p:cNvPr>
+          <p:cNvCxnSpPr>
+            <a:cxnSpLocks/>
+          </p:cNvCxnSpPr>
+          <p:nvPr/>
+        </p:nvCxnSpPr>
+        <p:spPr>
+          <a:xfrm flipH="1">
+            <a:off x="7679406" y="4759341"/>
+            <a:ext cx="703385" cy="0"/>
+          </a:xfrm>
+          <a:prstGeom prst="line">
+            <a:avLst/>
+          </a:prstGeom>
+          <a:ln w="114300">
+            <a:solidFill>
+              <a:schemeClr val="tx1"/>
+            </a:solidFill>
+          </a:ln>
+        </p:spPr>
+        <p:style>
+          <a:lnRef idx="1">
+            <a:schemeClr val="accent1"/>
+          </a:lnRef>
+          <a:fillRef idx="0">
+            <a:schemeClr val="accent1"/>
+          </a:fillRef>
+          <a:effectRef idx="0">
+            <a:schemeClr val="accent1"/>
+          </a:effectRef>
+          <a:fontRef idx="minor">
+            <a:schemeClr val="tx1"/>
+          </a:fontRef>
+        </p:style>
+      </p:cxnSp>
+      <p:sp>
+        <p:nvSpPr>
+          <p:cNvPr id="46" name="Espaço Reservado para Conteúdo 2">
+            <a:extLst>
+              <a:ext uri="{FF2B5EF4-FFF2-40B4-BE49-F238E27FC236}">
+                <a16:creationId xmlns:a16="http://schemas.microsoft.com/office/drawing/2014/main" id="{6347D7BD-30EF-19AA-D08A-B2A5D0E4F783}"/>
+              </a:ext>
+            </a:extLst>
+          </p:cNvPr>
+          <p:cNvSpPr txBox="1">
+            <a:spLocks/>
+          </p:cNvSpPr>
+          <p:nvPr/>
+        </p:nvSpPr>
+        <p:spPr>
+          <a:xfrm>
+            <a:off x="8363639" y="4503512"/>
+            <a:ext cx="1766497" cy="437064"/>
+          </a:xfrm>
+          <a:prstGeom prst="rect">
+            <a:avLst/>
+          </a:prstGeom>
+        </p:spPr>
+        <p:txBody>
+          <a:bodyPr vert="horz" lIns="91440" tIns="45720" rIns="91440" bIns="45720" rtlCol="0">
+            <a:normAutofit/>
+          </a:bodyPr>
+          <a:lstStyle>
+            <a:lvl1pPr marL="342900" indent="-342900" algn="l" defTabSz="457200" rtl="0" eaLnBrk="1" latinLnBrk="0" hangingPunct="1">
+              <a:spcBef>
+                <a:spcPts val="1000"/>
+              </a:spcBef>
+              <a:spcAft>
+                <a:spcPts val="0"/>
+              </a:spcAft>
+              <a:buClr>
+                <a:schemeClr val="bg2">
+                  <a:lumMod val="40000"/>
+                  <a:lumOff val="60000"/>
+                </a:schemeClr>
+              </a:buClr>
+              <a:buSzPct val="80000"/>
+              <a:buFont typeface="Wingdings 3" charset="2"/>
+              <a:buChar char=""/>
+              <a:defRPr sz="2000" b="0" i="0" kern="1200">
+                <a:solidFill>
+                  <a:schemeClr val="tx1"/>
+                </a:solidFill>
+                <a:latin typeface="+mj-lt"/>
+                <a:ea typeface="+mj-ea"/>
+                <a:cs typeface="+mj-cs"/>
+              </a:defRPr>
+            </a:lvl1pPr>
+            <a:lvl2pPr marL="742950" indent="-285750" algn="l" defTabSz="457200" rtl="0" eaLnBrk="1" latinLnBrk="0" hangingPunct="1">
+              <a:spcBef>
+                <a:spcPts val="1000"/>
+              </a:spcBef>
+              <a:spcAft>
+                <a:spcPts val="0"/>
+              </a:spcAft>
+              <a:buClr>
+                <a:schemeClr val="bg2">
+                  <a:lumMod val="40000"/>
+                  <a:lumOff val="60000"/>
+                </a:schemeClr>
+              </a:buClr>
+              <a:buSzPct val="80000"/>
+              <a:buFont typeface="Wingdings 3" charset="2"/>
+              <a:buChar char=""/>
+              <a:defRPr sz="1800" b="0" i="0" kern="1200">
+                <a:solidFill>
+                  <a:schemeClr val="tx1"/>
+                </a:solidFill>
+                <a:latin typeface="+mj-lt"/>
+                <a:ea typeface="+mj-ea"/>
+                <a:cs typeface="+mj-cs"/>
+              </a:defRPr>
+            </a:lvl2pPr>
+            <a:lvl3pPr marL="1143000" indent="-228600" algn="l" defTabSz="457200" rtl="0" eaLnBrk="1" latinLnBrk="0" hangingPunct="1">
+              <a:spcBef>
+                <a:spcPts val="1000"/>
+              </a:spcBef>
+              <a:spcAft>
+                <a:spcPts val="0"/>
+              </a:spcAft>
+              <a:buClr>
+                <a:schemeClr val="bg2">
+                  <a:lumMod val="40000"/>
+                  <a:lumOff val="60000"/>
+                </a:schemeClr>
+              </a:buClr>
+              <a:buSzPct val="80000"/>
+              <a:buFont typeface="Wingdings 3" charset="2"/>
+              <a:buChar char=""/>
+              <a:defRPr sz="1600" b="0" i="0" kern="1200">
+                <a:solidFill>
+                  <a:schemeClr val="tx1"/>
+                </a:solidFill>
+                <a:latin typeface="+mj-lt"/>
+                <a:ea typeface="+mj-ea"/>
+                <a:cs typeface="+mj-cs"/>
+              </a:defRPr>
+            </a:lvl3pPr>
+            <a:lvl4pPr marL="1600200" indent="-228600" algn="l" defTabSz="457200" rtl="0" eaLnBrk="1" latinLnBrk="0" hangingPunct="1">
+              <a:spcBef>
+                <a:spcPts val="1000"/>
+              </a:spcBef>
+              <a:spcAft>
+                <a:spcPts val="0"/>
+              </a:spcAft>
+              <a:buClr>
+                <a:schemeClr val="bg2">
+                  <a:lumMod val="40000"/>
+                  <a:lumOff val="60000"/>
+                </a:schemeClr>
+              </a:buClr>
+              <a:buSzPct val="80000"/>
+              <a:buFont typeface="Wingdings 3" charset="2"/>
+              <a:buChar char=""/>
+              <a:defRPr sz="1400" b="0" i="0" kern="1200">
+                <a:solidFill>
+                  <a:schemeClr val="tx1"/>
+                </a:solidFill>
+                <a:latin typeface="+mj-lt"/>
+                <a:ea typeface="+mj-ea"/>
+                <a:cs typeface="+mj-cs"/>
+              </a:defRPr>
+            </a:lvl4pPr>
+            <a:lvl5pPr marL="2057400" indent="-228600" algn="l" defTabSz="457200" rtl="0" eaLnBrk="1" latinLnBrk="0" hangingPunct="1">
+              <a:spcBef>
+                <a:spcPts val="1000"/>
+              </a:spcBef>
+              <a:spcAft>
+                <a:spcPts val="0"/>
+              </a:spcAft>
+              <a:buClr>
+                <a:schemeClr val="bg2">
+                  <a:lumMod val="40000"/>
+                  <a:lumOff val="60000"/>
+                </a:schemeClr>
+              </a:buClr>
+              <a:buSzPct val="80000"/>
+              <a:buFont typeface="Wingdings 3" charset="2"/>
+              <a:buChar char=""/>
+              <a:defRPr sz="1400" b="0" i="0" kern="1200">
+                <a:solidFill>
+                  <a:schemeClr val="tx1"/>
+                </a:solidFill>
+                <a:latin typeface="+mj-lt"/>
+                <a:ea typeface="+mj-ea"/>
+                <a:cs typeface="+mj-cs"/>
+              </a:defRPr>
+            </a:lvl5pPr>
+            <a:lvl6pPr marL="2506000" indent="-228600" algn="l" defTabSz="457200" rtl="0" eaLnBrk="1" latinLnBrk="0" hangingPunct="1">
+              <a:spcBef>
+                <a:spcPts val="1000"/>
+              </a:spcBef>
+              <a:spcAft>
+                <a:spcPts val="0"/>
+              </a:spcAft>
+              <a:buClr>
+                <a:schemeClr val="bg2">
+                  <a:lumMod val="40000"/>
+                  <a:lumOff val="60000"/>
+                </a:schemeClr>
+              </a:buClr>
+              <a:buSzPct val="80000"/>
+              <a:buFont typeface="Wingdings 3" charset="2"/>
+              <a:buChar char=""/>
+              <a:defRPr sz="1400" b="0" i="0" kern="1200">
+                <a:solidFill>
+                  <a:schemeClr val="tx1"/>
+                </a:solidFill>
+                <a:latin typeface="+mj-lt"/>
+                <a:ea typeface="+mj-ea"/>
+                <a:cs typeface="+mj-cs"/>
+              </a:defRPr>
+            </a:lvl6pPr>
+            <a:lvl7pPr marL="2971800" indent="-228600" algn="l" defTabSz="457200" rtl="0" eaLnBrk="1" latinLnBrk="0" hangingPunct="1">
+              <a:spcBef>
+                <a:spcPts val="1000"/>
+              </a:spcBef>
+              <a:spcAft>
+                <a:spcPts val="0"/>
+              </a:spcAft>
+              <a:buClr>
+                <a:schemeClr val="bg2">
+                  <a:lumMod val="40000"/>
+                  <a:lumOff val="60000"/>
+                </a:schemeClr>
+              </a:buClr>
+              <a:buSzPct val="80000"/>
+              <a:buFont typeface="Wingdings 3" charset="2"/>
+              <a:buChar char=""/>
+              <a:defRPr sz="1400" b="0" i="0" kern="1200">
+                <a:solidFill>
+                  <a:schemeClr val="tx1"/>
+                </a:solidFill>
+                <a:latin typeface="+mj-lt"/>
+                <a:ea typeface="+mj-ea"/>
+                <a:cs typeface="+mj-cs"/>
+              </a:defRPr>
+            </a:lvl7pPr>
+            <a:lvl8pPr marL="3429000" indent="-228600" algn="l" defTabSz="457200" rtl="0" eaLnBrk="1" latinLnBrk="0" hangingPunct="1">
+              <a:spcBef>
+                <a:spcPts val="1000"/>
+              </a:spcBef>
+              <a:spcAft>
+                <a:spcPts val="0"/>
+              </a:spcAft>
+              <a:buClr>
+                <a:schemeClr val="bg2">
+                  <a:lumMod val="40000"/>
+                  <a:lumOff val="60000"/>
+                </a:schemeClr>
+              </a:buClr>
+              <a:buSzPct val="80000"/>
+              <a:buFont typeface="Wingdings 3" charset="2"/>
+              <a:buChar char=""/>
+              <a:defRPr sz="1400" b="0" i="0" kern="1200">
+                <a:solidFill>
+                  <a:schemeClr val="tx1"/>
+                </a:solidFill>
+                <a:latin typeface="+mj-lt"/>
+                <a:ea typeface="+mj-ea"/>
+                <a:cs typeface="+mj-cs"/>
+              </a:defRPr>
+            </a:lvl8pPr>
+            <a:lvl9pPr marL="3886200" indent="-228600" algn="l" defTabSz="457200" rtl="0" eaLnBrk="1" latinLnBrk="0" hangingPunct="1">
+              <a:spcBef>
+                <a:spcPts val="1000"/>
+              </a:spcBef>
+              <a:spcAft>
+                <a:spcPts val="0"/>
+              </a:spcAft>
+              <a:buClr>
+                <a:schemeClr val="bg2">
+                  <a:lumMod val="40000"/>
+                  <a:lumOff val="60000"/>
+                </a:schemeClr>
+              </a:buClr>
+              <a:buSzPct val="80000"/>
+              <a:buFont typeface="Wingdings 3" charset="2"/>
+              <a:buChar char=""/>
+              <a:defRPr sz="1400" b="0" i="0" kern="1200">
+                <a:solidFill>
+                  <a:schemeClr val="tx1"/>
+                </a:solidFill>
+                <a:latin typeface="+mj-lt"/>
+                <a:ea typeface="+mj-ea"/>
+                <a:cs typeface="+mj-cs"/>
+              </a:defRPr>
+            </a:lvl9pPr>
+          </a:lstStyle>
+          <a:p>
+            <a:pPr marL="0" indent="0">
+              <a:buFont typeface="Wingdings 3" charset="2"/>
+              <a:buNone/>
+            </a:pPr>
+            <a:r>
+              <a:rPr lang="pt-BR" dirty="0"/>
+              <a:t>B</a:t>
+            </a:r>
+          </a:p>
+          <a:p>
+            <a:endParaRPr lang="pt-BR" dirty="0"/>
+          </a:p>
+        </p:txBody>
+      </p:sp>
+      <p:cxnSp>
+        <p:nvCxnSpPr>
+          <p:cNvPr id="47" name="Conector reto 46">
+            <a:extLst>
+              <a:ext uri="{FF2B5EF4-FFF2-40B4-BE49-F238E27FC236}">
+                <a16:creationId xmlns:a16="http://schemas.microsoft.com/office/drawing/2014/main" id="{191C15C1-BF9A-EB97-5C1C-88AE52F2F8F7}"/>
+              </a:ext>
+            </a:extLst>
+          </p:cNvPr>
+          <p:cNvCxnSpPr>
+            <a:cxnSpLocks/>
+          </p:cNvCxnSpPr>
+          <p:nvPr/>
+        </p:nvCxnSpPr>
+        <p:spPr>
+          <a:xfrm flipH="1">
+            <a:off x="4092722" y="4722044"/>
+            <a:ext cx="703385" cy="0"/>
+          </a:xfrm>
+          <a:prstGeom prst="line">
+            <a:avLst/>
+          </a:prstGeom>
+          <a:ln w="114300">
+            <a:solidFill>
+              <a:schemeClr val="tx1"/>
+            </a:solidFill>
+          </a:ln>
+        </p:spPr>
+        <p:style>
+          <a:lnRef idx="1">
+            <a:schemeClr val="accent1"/>
+          </a:lnRef>
+          <a:fillRef idx="0">
+            <a:schemeClr val="accent1"/>
+          </a:fillRef>
+          <a:effectRef idx="0">
+            <a:schemeClr val="accent1"/>
+          </a:effectRef>
+          <a:fontRef idx="minor">
+            <a:schemeClr val="tx1"/>
+          </a:fontRef>
+        </p:style>
+      </p:cxnSp>
+      <p:sp>
+        <p:nvSpPr>
+          <p:cNvPr id="48" name="Espaço Reservado para Conteúdo 2">
+            <a:extLst>
+              <a:ext uri="{FF2B5EF4-FFF2-40B4-BE49-F238E27FC236}">
+                <a16:creationId xmlns:a16="http://schemas.microsoft.com/office/drawing/2014/main" id="{F7C33E20-A45A-1108-4B98-DE93D178EDE0}"/>
+              </a:ext>
+            </a:extLst>
+          </p:cNvPr>
+          <p:cNvSpPr txBox="1">
+            <a:spLocks/>
+          </p:cNvSpPr>
+          <p:nvPr/>
+        </p:nvSpPr>
+        <p:spPr>
+          <a:xfrm>
+            <a:off x="3646517" y="4480076"/>
+            <a:ext cx="1766497" cy="437064"/>
+          </a:xfrm>
+          <a:prstGeom prst="rect">
+            <a:avLst/>
+          </a:prstGeom>
+        </p:spPr>
+        <p:txBody>
+          <a:bodyPr vert="horz" lIns="91440" tIns="45720" rIns="91440" bIns="45720" rtlCol="0">
+            <a:normAutofit/>
+          </a:bodyPr>
+          <a:lstStyle>
+            <a:lvl1pPr marL="342900" indent="-342900" algn="l" defTabSz="457200" rtl="0" eaLnBrk="1" latinLnBrk="0" hangingPunct="1">
+              <a:spcBef>
+                <a:spcPts val="1000"/>
+              </a:spcBef>
+              <a:spcAft>
+                <a:spcPts val="0"/>
+              </a:spcAft>
+              <a:buClr>
+                <a:schemeClr val="bg2">
+                  <a:lumMod val="40000"/>
+                  <a:lumOff val="60000"/>
+                </a:schemeClr>
+              </a:buClr>
+              <a:buSzPct val="80000"/>
+              <a:buFont typeface="Wingdings 3" charset="2"/>
+              <a:buChar char=""/>
+              <a:defRPr sz="2000" b="0" i="0" kern="1200">
+                <a:solidFill>
+                  <a:schemeClr val="tx1"/>
+                </a:solidFill>
+                <a:latin typeface="+mj-lt"/>
+                <a:ea typeface="+mj-ea"/>
+                <a:cs typeface="+mj-cs"/>
+              </a:defRPr>
+            </a:lvl1pPr>
+            <a:lvl2pPr marL="742950" indent="-285750" algn="l" defTabSz="457200" rtl="0" eaLnBrk="1" latinLnBrk="0" hangingPunct="1">
+              <a:spcBef>
+                <a:spcPts val="1000"/>
+              </a:spcBef>
+              <a:spcAft>
+                <a:spcPts val="0"/>
+              </a:spcAft>
+              <a:buClr>
+                <a:schemeClr val="bg2">
+                  <a:lumMod val="40000"/>
+                  <a:lumOff val="60000"/>
+                </a:schemeClr>
+              </a:buClr>
+              <a:buSzPct val="80000"/>
+              <a:buFont typeface="Wingdings 3" charset="2"/>
+              <a:buChar char=""/>
+              <a:defRPr sz="1800" b="0" i="0" kern="1200">
+                <a:solidFill>
+                  <a:schemeClr val="tx1"/>
+                </a:solidFill>
+                <a:latin typeface="+mj-lt"/>
+                <a:ea typeface="+mj-ea"/>
+                <a:cs typeface="+mj-cs"/>
+              </a:defRPr>
+            </a:lvl2pPr>
+            <a:lvl3pPr marL="1143000" indent="-228600" algn="l" defTabSz="457200" rtl="0" eaLnBrk="1" latinLnBrk="0" hangingPunct="1">
+              <a:spcBef>
+                <a:spcPts val="1000"/>
+              </a:spcBef>
+              <a:spcAft>
+                <a:spcPts val="0"/>
+              </a:spcAft>
+              <a:buClr>
+                <a:schemeClr val="bg2">
+                  <a:lumMod val="40000"/>
+                  <a:lumOff val="60000"/>
+                </a:schemeClr>
+              </a:buClr>
+              <a:buSzPct val="80000"/>
+              <a:buFont typeface="Wingdings 3" charset="2"/>
+              <a:buChar char=""/>
+              <a:defRPr sz="1600" b="0" i="0" kern="1200">
+                <a:solidFill>
+                  <a:schemeClr val="tx1"/>
+                </a:solidFill>
+                <a:latin typeface="+mj-lt"/>
+                <a:ea typeface="+mj-ea"/>
+                <a:cs typeface="+mj-cs"/>
+              </a:defRPr>
+            </a:lvl3pPr>
+            <a:lvl4pPr marL="1600200" indent="-228600" algn="l" defTabSz="457200" rtl="0" eaLnBrk="1" latinLnBrk="0" hangingPunct="1">
+              <a:spcBef>
+                <a:spcPts val="1000"/>
+              </a:spcBef>
+              <a:spcAft>
+                <a:spcPts val="0"/>
+              </a:spcAft>
+              <a:buClr>
+                <a:schemeClr val="bg2">
+                  <a:lumMod val="40000"/>
+                  <a:lumOff val="60000"/>
+                </a:schemeClr>
+              </a:buClr>
+              <a:buSzPct val="80000"/>
+              <a:buFont typeface="Wingdings 3" charset="2"/>
+              <a:buChar char=""/>
+              <a:defRPr sz="1400" b="0" i="0" kern="1200">
+                <a:solidFill>
+                  <a:schemeClr val="tx1"/>
+                </a:solidFill>
+                <a:latin typeface="+mj-lt"/>
+                <a:ea typeface="+mj-ea"/>
+                <a:cs typeface="+mj-cs"/>
+              </a:defRPr>
+            </a:lvl4pPr>
+            <a:lvl5pPr marL="2057400" indent="-228600" algn="l" defTabSz="457200" rtl="0" eaLnBrk="1" latinLnBrk="0" hangingPunct="1">
+              <a:spcBef>
+                <a:spcPts val="1000"/>
+              </a:spcBef>
+              <a:spcAft>
+                <a:spcPts val="0"/>
+              </a:spcAft>
+              <a:buClr>
+                <a:schemeClr val="bg2">
+                  <a:lumMod val="40000"/>
+                  <a:lumOff val="60000"/>
+                </a:schemeClr>
+              </a:buClr>
+              <a:buSzPct val="80000"/>
+              <a:buFont typeface="Wingdings 3" charset="2"/>
+              <a:buChar char=""/>
+              <a:defRPr sz="1400" b="0" i="0" kern="1200">
+                <a:solidFill>
+                  <a:schemeClr val="tx1"/>
+                </a:solidFill>
+                <a:latin typeface="+mj-lt"/>
+                <a:ea typeface="+mj-ea"/>
+                <a:cs typeface="+mj-cs"/>
+              </a:defRPr>
+            </a:lvl5pPr>
+            <a:lvl6pPr marL="2506000" indent="-228600" algn="l" defTabSz="457200" rtl="0" eaLnBrk="1" latinLnBrk="0" hangingPunct="1">
+              <a:spcBef>
+                <a:spcPts val="1000"/>
+              </a:spcBef>
+              <a:spcAft>
+                <a:spcPts val="0"/>
+              </a:spcAft>
+              <a:buClr>
+                <a:schemeClr val="bg2">
+                  <a:lumMod val="40000"/>
+                  <a:lumOff val="60000"/>
+                </a:schemeClr>
+              </a:buClr>
+              <a:buSzPct val="80000"/>
+              <a:buFont typeface="Wingdings 3" charset="2"/>
+              <a:buChar char=""/>
+              <a:defRPr sz="1400" b="0" i="0" kern="1200">
+                <a:solidFill>
+                  <a:schemeClr val="tx1"/>
+                </a:solidFill>
+                <a:latin typeface="+mj-lt"/>
+                <a:ea typeface="+mj-ea"/>
+                <a:cs typeface="+mj-cs"/>
+              </a:defRPr>
+            </a:lvl6pPr>
+            <a:lvl7pPr marL="2971800" indent="-228600" algn="l" defTabSz="457200" rtl="0" eaLnBrk="1" latinLnBrk="0" hangingPunct="1">
+              <a:spcBef>
+                <a:spcPts val="1000"/>
+              </a:spcBef>
+              <a:spcAft>
+                <a:spcPts val="0"/>
+              </a:spcAft>
+              <a:buClr>
+                <a:schemeClr val="bg2">
+                  <a:lumMod val="40000"/>
+                  <a:lumOff val="60000"/>
+                </a:schemeClr>
+              </a:buClr>
+              <a:buSzPct val="80000"/>
+              <a:buFont typeface="Wingdings 3" charset="2"/>
+              <a:buChar char=""/>
+              <a:defRPr sz="1400" b="0" i="0" kern="1200">
+                <a:solidFill>
+                  <a:schemeClr val="tx1"/>
+                </a:solidFill>
+                <a:latin typeface="+mj-lt"/>
+                <a:ea typeface="+mj-ea"/>
+                <a:cs typeface="+mj-cs"/>
+              </a:defRPr>
+            </a:lvl7pPr>
+            <a:lvl8pPr marL="3429000" indent="-228600" algn="l" defTabSz="457200" rtl="0" eaLnBrk="1" latinLnBrk="0" hangingPunct="1">
+              <a:spcBef>
+                <a:spcPts val="1000"/>
+              </a:spcBef>
+              <a:spcAft>
+                <a:spcPts val="0"/>
+              </a:spcAft>
+              <a:buClr>
+                <a:schemeClr val="bg2">
+                  <a:lumMod val="40000"/>
+                  <a:lumOff val="60000"/>
+                </a:schemeClr>
+              </a:buClr>
+              <a:buSzPct val="80000"/>
+              <a:buFont typeface="Wingdings 3" charset="2"/>
+              <a:buChar char=""/>
+              <a:defRPr sz="1400" b="0" i="0" kern="1200">
+                <a:solidFill>
+                  <a:schemeClr val="tx1"/>
+                </a:solidFill>
+                <a:latin typeface="+mj-lt"/>
+                <a:ea typeface="+mj-ea"/>
+                <a:cs typeface="+mj-cs"/>
+              </a:defRPr>
+            </a:lvl8pPr>
+            <a:lvl9pPr marL="3886200" indent="-228600" algn="l" defTabSz="457200" rtl="0" eaLnBrk="1" latinLnBrk="0" hangingPunct="1">
+              <a:spcBef>
+                <a:spcPts val="1000"/>
+              </a:spcBef>
+              <a:spcAft>
+                <a:spcPts val="0"/>
+              </a:spcAft>
+              <a:buClr>
+                <a:schemeClr val="bg2">
+                  <a:lumMod val="40000"/>
+                  <a:lumOff val="60000"/>
+                </a:schemeClr>
+              </a:buClr>
+              <a:buSzPct val="80000"/>
+              <a:buFont typeface="Wingdings 3" charset="2"/>
+              <a:buChar char=""/>
+              <a:defRPr sz="1400" b="0" i="0" kern="1200">
+                <a:solidFill>
+                  <a:schemeClr val="tx1"/>
+                </a:solidFill>
+                <a:latin typeface="+mj-lt"/>
+                <a:ea typeface="+mj-ea"/>
+                <a:cs typeface="+mj-cs"/>
+              </a:defRPr>
+            </a:lvl9pPr>
+          </a:lstStyle>
+          <a:p>
+            <a:pPr marL="0" indent="0">
+              <a:buFont typeface="Wingdings 3" charset="2"/>
+              <a:buNone/>
+            </a:pPr>
+            <a:r>
+              <a:rPr lang="pt-BR" dirty="0"/>
+              <a:t>A</a:t>
             </a:r>
           </a:p>
           <a:p>
@@ -10973,7 +16220,7 @@
     </p:spTree>
     <p:extLst>
       <p:ext uri="{BB962C8B-B14F-4D97-AF65-F5344CB8AC3E}">
-        <p14:creationId xmlns:p14="http://schemas.microsoft.com/office/powerpoint/2010/main" val="328590948"/>
+        <p14:creationId xmlns:p14="http://schemas.microsoft.com/office/powerpoint/2010/main" val="2408010682"/>
       </p:ext>
     </p:extLst>
   </p:cSld>
